--- a/trunk/Шустров Александр Борисович/Презентация - Шустров Александр Борисович.pptx
+++ b/trunk/Шустров Александр Борисович/Презентация - Шустров Александр Борисович.pptx
@@ -2,20 +2,22 @@
 <file path=ppt/presentation.xml><?xml version="1.0" encoding="utf-8"?>
 <p:presentation xmlns:a="http://schemas.openxmlformats.org/drawingml/2006/main" xmlns:r="http://schemas.openxmlformats.org/officeDocument/2006/relationships" xmlns:p="http://schemas.openxmlformats.org/presentationml/2006/main" saveSubsetFonts="1">
   <p:sldMasterIdLst>
-    <p:sldMasterId id="2147483648" r:id="rId1"/>
+    <p:sldMasterId id="2147483732" r:id="rId1"/>
   </p:sldMasterIdLst>
   <p:sldIdLst>
     <p:sldId id="257" r:id="rId2"/>
     <p:sldId id="258" r:id="rId3"/>
-    <p:sldId id="266" r:id="rId4"/>
-    <p:sldId id="276" r:id="rId5"/>
-    <p:sldId id="269" r:id="rId6"/>
-    <p:sldId id="272" r:id="rId7"/>
-    <p:sldId id="274" r:id="rId8"/>
-    <p:sldId id="277" r:id="rId9"/>
-    <p:sldId id="278" r:id="rId10"/>
-    <p:sldId id="279" r:id="rId11"/>
-    <p:sldId id="275" r:id="rId12"/>
+    <p:sldId id="280" r:id="rId4"/>
+    <p:sldId id="266" r:id="rId5"/>
+    <p:sldId id="276" r:id="rId6"/>
+    <p:sldId id="281" r:id="rId7"/>
+    <p:sldId id="269" r:id="rId8"/>
+    <p:sldId id="272" r:id="rId9"/>
+    <p:sldId id="274" r:id="rId10"/>
+    <p:sldId id="277" r:id="rId11"/>
+    <p:sldId id="278" r:id="rId12"/>
+    <p:sldId id="279" r:id="rId13"/>
+    <p:sldId id="275" r:id="rId14"/>
   </p:sldIdLst>
   <p:sldSz cx="9144000" cy="6858000" type="screen4x3"/>
   <p:notesSz cx="6858000" cy="9144000"/>
@@ -1074,6 +1076,13 @@
         </dgm:presLayoutVars>
       </dgm:prSet>
       <dgm:spPr/>
+      <dgm:t>
+        <a:bodyPr/>
+        <a:lstStyle/>
+        <a:p>
+          <a:endParaRPr lang="ru-RU"/>
+        </a:p>
+      </dgm:t>
     </dgm:pt>
     <dgm:pt modelId="{58ED7F1A-A557-48BF-BC7D-F2B3169F3B6B}" type="pres">
       <dgm:prSet presAssocID="{734AFDF4-7295-4013-BCDE-27DDDF381A11}" presName="hierRoot1" presStyleCnt="0"/>
@@ -1109,6 +1118,13 @@
     <dgm:pt modelId="{EA8C0F69-450F-42EB-8DCE-4B8365BFDA53}" type="pres">
       <dgm:prSet presAssocID="{AAA99A9C-B723-420C-963B-ACB0A15F07C1}" presName="Name10" presStyleLbl="parChTrans1D2" presStyleIdx="0" presStyleCnt="4"/>
       <dgm:spPr/>
+      <dgm:t>
+        <a:bodyPr/>
+        <a:lstStyle/>
+        <a:p>
+          <a:endParaRPr lang="ru-RU"/>
+        </a:p>
+      </dgm:t>
     </dgm:pt>
     <dgm:pt modelId="{832EBAF6-3DA6-49AA-94F5-E5272062E806}" type="pres">
       <dgm:prSet presAssocID="{F73F80BE-F808-437A-920D-3BED470B871D}" presName="hierRoot2" presStyleCnt="0"/>
@@ -1129,6 +1145,13 @@
         </dgm:presLayoutVars>
       </dgm:prSet>
       <dgm:spPr/>
+      <dgm:t>
+        <a:bodyPr/>
+        <a:lstStyle/>
+        <a:p>
+          <a:endParaRPr lang="ru-RU"/>
+        </a:p>
+      </dgm:t>
     </dgm:pt>
     <dgm:pt modelId="{36C7509B-D23C-4706-A6E7-DE50A4D0984F}" type="pres">
       <dgm:prSet presAssocID="{F73F80BE-F808-437A-920D-3BED470B871D}" presName="hierChild3" presStyleCnt="0"/>
@@ -1137,6 +1160,13 @@
     <dgm:pt modelId="{E892878F-D07C-428A-A39F-29059EFB3323}" type="pres">
       <dgm:prSet presAssocID="{7173F1C3-FACF-49FF-B1C5-E5337ADD48B4}" presName="Name10" presStyleLbl="parChTrans1D2" presStyleIdx="1" presStyleCnt="4"/>
       <dgm:spPr/>
+      <dgm:t>
+        <a:bodyPr/>
+        <a:lstStyle/>
+        <a:p>
+          <a:endParaRPr lang="ru-RU"/>
+        </a:p>
+      </dgm:t>
     </dgm:pt>
     <dgm:pt modelId="{B94603F2-9661-401D-B63D-40FCEF93B696}" type="pres">
       <dgm:prSet presAssocID="{D6C4AA47-5645-4ADF-BE4D-BBFA57E28FF0}" presName="hierRoot2" presStyleCnt="0"/>
@@ -1172,6 +1202,13 @@
     <dgm:pt modelId="{9BCEE3A7-0267-41B4-8E53-29831E75749F}" type="pres">
       <dgm:prSet presAssocID="{B29FF192-3847-4931-B5AF-3055D1DD0F50}" presName="Name10" presStyleLbl="parChTrans1D2" presStyleIdx="2" presStyleCnt="4"/>
       <dgm:spPr/>
+      <dgm:t>
+        <a:bodyPr/>
+        <a:lstStyle/>
+        <a:p>
+          <a:endParaRPr lang="ru-RU"/>
+        </a:p>
+      </dgm:t>
     </dgm:pt>
     <dgm:pt modelId="{1BE2986C-F2EC-40CF-869A-2651FBA6DFA6}" type="pres">
       <dgm:prSet presAssocID="{95CC0231-E940-4C42-9A3D-65966D3A637F}" presName="hierRoot2" presStyleCnt="0"/>
@@ -1207,6 +1244,13 @@
     <dgm:pt modelId="{AA436018-0A37-4E7C-9E56-8E7EBF53E8EB}" type="pres">
       <dgm:prSet presAssocID="{DF423A17-2678-4B7B-AD79-4477828A729E}" presName="Name10" presStyleLbl="parChTrans1D2" presStyleIdx="3" presStyleCnt="4"/>
       <dgm:spPr/>
+      <dgm:t>
+        <a:bodyPr/>
+        <a:lstStyle/>
+        <a:p>
+          <a:endParaRPr lang="ru-RU"/>
+        </a:p>
+      </dgm:t>
     </dgm:pt>
     <dgm:pt modelId="{81EE9310-4959-4889-B884-3D61473895A9}" type="pres">
       <dgm:prSet presAssocID="{3A685F2E-6CFB-4313-BB7C-1EE7040EE6B6}" presName="hierRoot2" presStyleCnt="0"/>
@@ -1241,21 +1285,21 @@
     </dgm:pt>
   </dgm:ptLst>
   <dgm:cxnLst>
+    <dgm:cxn modelId="{EE54665F-93DC-40B1-9DC0-4CBB7AFD7F1E}" srcId="{734AFDF4-7295-4013-BCDE-27DDDF381A11}" destId="{D6C4AA47-5645-4ADF-BE4D-BBFA57E28FF0}" srcOrd="1" destOrd="0" parTransId="{7173F1C3-FACF-49FF-B1C5-E5337ADD48B4}" sibTransId="{E0006573-2FF1-4503-BD4F-574705467654}"/>
+    <dgm:cxn modelId="{04B8B8DF-818E-4087-90E1-57090E7B4E90}" type="presOf" srcId="{734AFDF4-7295-4013-BCDE-27DDDF381A11}" destId="{456785DD-1EED-4293-956A-09ED8D9B1A52}" srcOrd="0" destOrd="0" presId="urn:microsoft.com/office/officeart/2005/8/layout/hierarchy1"/>
+    <dgm:cxn modelId="{31208AC4-2962-468C-A941-21B2F7CA033F}" type="presOf" srcId="{DF423A17-2678-4B7B-AD79-4477828A729E}" destId="{AA436018-0A37-4E7C-9E56-8E7EBF53E8EB}" srcOrd="0" destOrd="0" presId="urn:microsoft.com/office/officeart/2005/8/layout/hierarchy1"/>
+    <dgm:cxn modelId="{B8009B9E-A15A-4ECD-8C6D-388CFA2903AD}" srcId="{734AFDF4-7295-4013-BCDE-27DDDF381A11}" destId="{3A685F2E-6CFB-4313-BB7C-1EE7040EE6B6}" srcOrd="3" destOrd="0" parTransId="{DF423A17-2678-4B7B-AD79-4477828A729E}" sibTransId="{6BD2A2AE-41BD-4942-B211-2894B73BCCEB}"/>
+    <dgm:cxn modelId="{1DEDAE74-85A2-4875-8AEB-C2FCE67F2832}" type="presOf" srcId="{95CC0231-E940-4C42-9A3D-65966D3A637F}" destId="{573EFB2A-7915-4FFF-990F-FE6A6286D0DF}" srcOrd="0" destOrd="0" presId="urn:microsoft.com/office/officeart/2005/8/layout/hierarchy1"/>
+    <dgm:cxn modelId="{E6A7A38B-C240-4B75-904F-54B58C745C90}" srcId="{734AFDF4-7295-4013-BCDE-27DDDF381A11}" destId="{F73F80BE-F808-437A-920D-3BED470B871D}" srcOrd="0" destOrd="0" parTransId="{AAA99A9C-B723-420C-963B-ACB0A15F07C1}" sibTransId="{6DA938E4-CC23-430F-95A2-2AEDD2764E44}"/>
+    <dgm:cxn modelId="{B96030DE-84DC-4450-AD74-9B5F69EE1B57}" type="presOf" srcId="{7173F1C3-FACF-49FF-B1C5-E5337ADD48B4}" destId="{E892878F-D07C-428A-A39F-29059EFB3323}" srcOrd="0" destOrd="0" presId="urn:microsoft.com/office/officeart/2005/8/layout/hierarchy1"/>
+    <dgm:cxn modelId="{41A6C38A-DE8D-436F-B8EF-D5589C38A7E2}" type="presOf" srcId="{B29FF192-3847-4931-B5AF-3055D1DD0F50}" destId="{9BCEE3A7-0267-41B4-8E53-29831E75749F}" srcOrd="0" destOrd="0" presId="urn:microsoft.com/office/officeart/2005/8/layout/hierarchy1"/>
+    <dgm:cxn modelId="{4C56E1DE-D0D2-40A0-813E-B71F80FC32E0}" type="presOf" srcId="{D6C4AA47-5645-4ADF-BE4D-BBFA57E28FF0}" destId="{CE90BA20-8691-4942-9B3C-43AAB05A706B}" srcOrd="0" destOrd="0" presId="urn:microsoft.com/office/officeart/2005/8/layout/hierarchy1"/>
+    <dgm:cxn modelId="{40D785F3-88AB-4D18-9D3F-08AC76A54C24}" srcId="{5DFD1196-3975-4862-B937-D236FE86FFC2}" destId="{734AFDF4-7295-4013-BCDE-27DDDF381A11}" srcOrd="0" destOrd="0" parTransId="{A65C2FC5-4A4A-4580-8A07-D14F62968BCD}" sibTransId="{23B9DCBE-7255-4899-ADC8-2605E2C7A7DA}"/>
+    <dgm:cxn modelId="{A30130DA-58DC-42E1-8288-9AE19D82CA83}" type="presOf" srcId="{3A685F2E-6CFB-4313-BB7C-1EE7040EE6B6}" destId="{1B33B1A1-9E3F-4A07-B18C-4376D3F37C91}" srcOrd="0" destOrd="0" presId="urn:microsoft.com/office/officeart/2005/8/layout/hierarchy1"/>
+    <dgm:cxn modelId="{540455A9-ED11-485F-B441-E0DB1CB9F537}" type="presOf" srcId="{5DFD1196-3975-4862-B937-D236FE86FFC2}" destId="{03B0A005-F1BC-4180-8971-F7283D014FC6}" srcOrd="0" destOrd="0" presId="urn:microsoft.com/office/officeart/2005/8/layout/hierarchy1"/>
+    <dgm:cxn modelId="{61DC90AD-3EA6-46E2-9F88-7A922EEAD68A}" srcId="{734AFDF4-7295-4013-BCDE-27DDDF381A11}" destId="{95CC0231-E940-4C42-9A3D-65966D3A637F}" srcOrd="2" destOrd="0" parTransId="{B29FF192-3847-4931-B5AF-3055D1DD0F50}" sibTransId="{656CA4A4-5F8C-4C77-BFCE-02E9A98BE767}"/>
+    <dgm:cxn modelId="{0D3C4E62-28DA-48CE-ADC6-EF72109B81F6}" type="presOf" srcId="{F73F80BE-F808-437A-920D-3BED470B871D}" destId="{6CDD7A20-D23B-4844-B5DA-18BBE1B6F86C}" srcOrd="0" destOrd="0" presId="urn:microsoft.com/office/officeart/2005/8/layout/hierarchy1"/>
     <dgm:cxn modelId="{E3730E02-0DAF-4C3D-A326-E5441A76E5D6}" type="presOf" srcId="{AAA99A9C-B723-420C-963B-ACB0A15F07C1}" destId="{EA8C0F69-450F-42EB-8DCE-4B8365BFDA53}" srcOrd="0" destOrd="0" presId="urn:microsoft.com/office/officeart/2005/8/layout/hierarchy1"/>
-    <dgm:cxn modelId="{31208AC4-2962-468C-A941-21B2F7CA033F}" type="presOf" srcId="{DF423A17-2678-4B7B-AD79-4477828A729E}" destId="{AA436018-0A37-4E7C-9E56-8E7EBF53E8EB}" srcOrd="0" destOrd="0" presId="urn:microsoft.com/office/officeart/2005/8/layout/hierarchy1"/>
-    <dgm:cxn modelId="{4C56E1DE-D0D2-40A0-813E-B71F80FC32E0}" type="presOf" srcId="{D6C4AA47-5645-4ADF-BE4D-BBFA57E28FF0}" destId="{CE90BA20-8691-4942-9B3C-43AAB05A706B}" srcOrd="0" destOrd="0" presId="urn:microsoft.com/office/officeart/2005/8/layout/hierarchy1"/>
-    <dgm:cxn modelId="{E6A7A38B-C240-4B75-904F-54B58C745C90}" srcId="{734AFDF4-7295-4013-BCDE-27DDDF381A11}" destId="{F73F80BE-F808-437A-920D-3BED470B871D}" srcOrd="0" destOrd="0" parTransId="{AAA99A9C-B723-420C-963B-ACB0A15F07C1}" sibTransId="{6DA938E4-CC23-430F-95A2-2AEDD2764E44}"/>
-    <dgm:cxn modelId="{B8009B9E-A15A-4ECD-8C6D-388CFA2903AD}" srcId="{734AFDF4-7295-4013-BCDE-27DDDF381A11}" destId="{3A685F2E-6CFB-4313-BB7C-1EE7040EE6B6}" srcOrd="3" destOrd="0" parTransId="{DF423A17-2678-4B7B-AD79-4477828A729E}" sibTransId="{6BD2A2AE-41BD-4942-B211-2894B73BCCEB}"/>
-    <dgm:cxn modelId="{41A6C38A-DE8D-436F-B8EF-D5589C38A7E2}" type="presOf" srcId="{B29FF192-3847-4931-B5AF-3055D1DD0F50}" destId="{9BCEE3A7-0267-41B4-8E53-29831E75749F}" srcOrd="0" destOrd="0" presId="urn:microsoft.com/office/officeart/2005/8/layout/hierarchy1"/>
-    <dgm:cxn modelId="{A30130DA-58DC-42E1-8288-9AE19D82CA83}" type="presOf" srcId="{3A685F2E-6CFB-4313-BB7C-1EE7040EE6B6}" destId="{1B33B1A1-9E3F-4A07-B18C-4376D3F37C91}" srcOrd="0" destOrd="0" presId="urn:microsoft.com/office/officeart/2005/8/layout/hierarchy1"/>
-    <dgm:cxn modelId="{0D3C4E62-28DA-48CE-ADC6-EF72109B81F6}" type="presOf" srcId="{F73F80BE-F808-437A-920D-3BED470B871D}" destId="{6CDD7A20-D23B-4844-B5DA-18BBE1B6F86C}" srcOrd="0" destOrd="0" presId="urn:microsoft.com/office/officeart/2005/8/layout/hierarchy1"/>
-    <dgm:cxn modelId="{540455A9-ED11-485F-B441-E0DB1CB9F537}" type="presOf" srcId="{5DFD1196-3975-4862-B937-D236FE86FFC2}" destId="{03B0A005-F1BC-4180-8971-F7283D014FC6}" srcOrd="0" destOrd="0" presId="urn:microsoft.com/office/officeart/2005/8/layout/hierarchy1"/>
-    <dgm:cxn modelId="{B96030DE-84DC-4450-AD74-9B5F69EE1B57}" type="presOf" srcId="{7173F1C3-FACF-49FF-B1C5-E5337ADD48B4}" destId="{E892878F-D07C-428A-A39F-29059EFB3323}" srcOrd="0" destOrd="0" presId="urn:microsoft.com/office/officeart/2005/8/layout/hierarchy1"/>
-    <dgm:cxn modelId="{40D785F3-88AB-4D18-9D3F-08AC76A54C24}" srcId="{5DFD1196-3975-4862-B937-D236FE86FFC2}" destId="{734AFDF4-7295-4013-BCDE-27DDDF381A11}" srcOrd="0" destOrd="0" parTransId="{A65C2FC5-4A4A-4580-8A07-D14F62968BCD}" sibTransId="{23B9DCBE-7255-4899-ADC8-2605E2C7A7DA}"/>
-    <dgm:cxn modelId="{61DC90AD-3EA6-46E2-9F88-7A922EEAD68A}" srcId="{734AFDF4-7295-4013-BCDE-27DDDF381A11}" destId="{95CC0231-E940-4C42-9A3D-65966D3A637F}" srcOrd="2" destOrd="0" parTransId="{B29FF192-3847-4931-B5AF-3055D1DD0F50}" sibTransId="{656CA4A4-5F8C-4C77-BFCE-02E9A98BE767}"/>
-    <dgm:cxn modelId="{EE54665F-93DC-40B1-9DC0-4CBB7AFD7F1E}" srcId="{734AFDF4-7295-4013-BCDE-27DDDF381A11}" destId="{D6C4AA47-5645-4ADF-BE4D-BBFA57E28FF0}" srcOrd="1" destOrd="0" parTransId="{7173F1C3-FACF-49FF-B1C5-E5337ADD48B4}" sibTransId="{E0006573-2FF1-4503-BD4F-574705467654}"/>
-    <dgm:cxn modelId="{1DEDAE74-85A2-4875-8AEB-C2FCE67F2832}" type="presOf" srcId="{95CC0231-E940-4C42-9A3D-65966D3A637F}" destId="{573EFB2A-7915-4FFF-990F-FE6A6286D0DF}" srcOrd="0" destOrd="0" presId="urn:microsoft.com/office/officeart/2005/8/layout/hierarchy1"/>
-    <dgm:cxn modelId="{04B8B8DF-818E-4087-90E1-57090E7B4E90}" type="presOf" srcId="{734AFDF4-7295-4013-BCDE-27DDDF381A11}" destId="{456785DD-1EED-4293-956A-09ED8D9B1A52}" srcOrd="0" destOrd="0" presId="urn:microsoft.com/office/officeart/2005/8/layout/hierarchy1"/>
     <dgm:cxn modelId="{661825A1-427A-4E21-A104-355FFF6D9B2E}" type="presParOf" srcId="{03B0A005-F1BC-4180-8971-F7283D014FC6}" destId="{58ED7F1A-A557-48BF-BC7D-F2B3169F3B6B}" srcOrd="0" destOrd="0" presId="urn:microsoft.com/office/officeart/2005/8/layout/hierarchy1"/>
     <dgm:cxn modelId="{82C525B9-C7E1-46FD-8D09-30C9B018D271}" type="presParOf" srcId="{58ED7F1A-A557-48BF-BC7D-F2B3169F3B6B}" destId="{CEC5CD96-4A3C-4EEA-ABCF-55854DADD238}" srcOrd="0" destOrd="0" presId="urn:microsoft.com/office/officeart/2005/8/layout/hierarchy1"/>
     <dgm:cxn modelId="{310A1BB0-0847-4D89-8AAA-85B121978DE3}" type="presParOf" srcId="{CEC5CD96-4A3C-4EEA-ABCF-55854DADD238}" destId="{60CECDA5-B591-4951-8CCF-ED80690D1BD4}" srcOrd="0" destOrd="0" presId="urn:microsoft.com/office/officeart/2005/8/layout/hierarchy1"/>
@@ -1288,7 +1332,913 @@
   </dgm:cxnLst>
   <dgm:bg/>
   <dgm:whole/>
+  <dgm:extLst>
+    <a:ext uri="http://schemas.microsoft.com/office/drawing/2008/diagram">
+      <dsp:dataModelExt xmlns:dsp="http://schemas.microsoft.com/office/drawing/2008/diagram" relId="rId6" minVer="http://schemas.openxmlformats.org/drawingml/2006/diagram"/>
+    </a:ext>
+  </dgm:extLst>
 </dgm:dataModel>
+</file>
+
+<file path=ppt/diagrams/drawing1.xml><?xml version="1.0" encoding="utf-8"?>
+<dsp:drawing xmlns:dgm="http://schemas.openxmlformats.org/drawingml/2006/diagram" xmlns:dsp="http://schemas.microsoft.com/office/drawing/2008/diagram" xmlns:a="http://schemas.openxmlformats.org/drawingml/2006/main">
+  <dsp:spTree>
+    <dsp:nvGrpSpPr>
+      <dsp:cNvPr id="0" name=""/>
+      <dsp:cNvGrpSpPr/>
+    </dsp:nvGrpSpPr>
+    <dsp:grpSpPr/>
+    <dsp:sp modelId="{AA436018-0A37-4E7C-9E56-8E7EBF53E8EB}">
+      <dsp:nvSpPr>
+        <dsp:cNvPr id="0" name=""/>
+        <dsp:cNvSpPr/>
+      </dsp:nvSpPr>
+      <dsp:spPr>
+        <a:xfrm>
+          <a:off x="3872658" y="1350044"/>
+          <a:ext cx="3040977" cy="482409"/>
+        </a:xfrm>
+        <a:custGeom>
+          <a:avLst/>
+          <a:gdLst/>
+          <a:ahLst/>
+          <a:cxnLst/>
+          <a:rect l="0" t="0" r="0" b="0"/>
+          <a:pathLst>
+            <a:path>
+              <a:moveTo>
+                <a:pt x="0" y="0"/>
+              </a:moveTo>
+              <a:lnTo>
+                <a:pt x="0" y="328748"/>
+              </a:lnTo>
+              <a:lnTo>
+                <a:pt x="3040977" y="328748"/>
+              </a:lnTo>
+              <a:lnTo>
+                <a:pt x="3040977" y="482409"/>
+              </a:lnTo>
+            </a:path>
+          </a:pathLst>
+        </a:custGeom>
+        <a:noFill/>
+        <a:ln w="25400" cap="flat" cmpd="sng" algn="ctr">
+          <a:solidFill>
+            <a:schemeClr val="accent1">
+              <a:shade val="60000"/>
+              <a:hueOff val="0"/>
+              <a:satOff val="0"/>
+              <a:lumOff val="0"/>
+              <a:alphaOff val="0"/>
+            </a:schemeClr>
+          </a:solidFill>
+          <a:prstDash val="solid"/>
+        </a:ln>
+        <a:effectLst/>
+      </dsp:spPr>
+      <dsp:style>
+        <a:lnRef idx="2">
+          <a:scrgbClr r="0" g="0" b="0"/>
+        </a:lnRef>
+        <a:fillRef idx="0">
+          <a:scrgbClr r="0" g="0" b="0"/>
+        </a:fillRef>
+        <a:effectRef idx="0">
+          <a:scrgbClr r="0" g="0" b="0"/>
+        </a:effectRef>
+        <a:fontRef idx="minor"/>
+      </dsp:style>
+    </dsp:sp>
+    <dsp:sp modelId="{9BCEE3A7-0267-41B4-8E53-29831E75749F}">
+      <dsp:nvSpPr>
+        <dsp:cNvPr id="0" name=""/>
+        <dsp:cNvSpPr/>
+      </dsp:nvSpPr>
+      <dsp:spPr>
+        <a:xfrm>
+          <a:off x="3872658" y="1350044"/>
+          <a:ext cx="1013659" cy="482409"/>
+        </a:xfrm>
+        <a:custGeom>
+          <a:avLst/>
+          <a:gdLst/>
+          <a:ahLst/>
+          <a:cxnLst/>
+          <a:rect l="0" t="0" r="0" b="0"/>
+          <a:pathLst>
+            <a:path>
+              <a:moveTo>
+                <a:pt x="0" y="0"/>
+              </a:moveTo>
+              <a:lnTo>
+                <a:pt x="0" y="328748"/>
+              </a:lnTo>
+              <a:lnTo>
+                <a:pt x="1013659" y="328748"/>
+              </a:lnTo>
+              <a:lnTo>
+                <a:pt x="1013659" y="482409"/>
+              </a:lnTo>
+            </a:path>
+          </a:pathLst>
+        </a:custGeom>
+        <a:noFill/>
+        <a:ln w="25400" cap="flat" cmpd="sng" algn="ctr">
+          <a:solidFill>
+            <a:schemeClr val="accent1">
+              <a:shade val="60000"/>
+              <a:hueOff val="0"/>
+              <a:satOff val="0"/>
+              <a:lumOff val="0"/>
+              <a:alphaOff val="0"/>
+            </a:schemeClr>
+          </a:solidFill>
+          <a:prstDash val="solid"/>
+        </a:ln>
+        <a:effectLst/>
+      </dsp:spPr>
+      <dsp:style>
+        <a:lnRef idx="2">
+          <a:scrgbClr r="0" g="0" b="0"/>
+        </a:lnRef>
+        <a:fillRef idx="0">
+          <a:scrgbClr r="0" g="0" b="0"/>
+        </a:fillRef>
+        <a:effectRef idx="0">
+          <a:scrgbClr r="0" g="0" b="0"/>
+        </a:effectRef>
+        <a:fontRef idx="minor"/>
+      </dsp:style>
+    </dsp:sp>
+    <dsp:sp modelId="{E892878F-D07C-428A-A39F-29059EFB3323}">
+      <dsp:nvSpPr>
+        <dsp:cNvPr id="0" name=""/>
+        <dsp:cNvSpPr/>
+      </dsp:nvSpPr>
+      <dsp:spPr>
+        <a:xfrm>
+          <a:off x="2858998" y="1350044"/>
+          <a:ext cx="1013659" cy="482409"/>
+        </a:xfrm>
+        <a:custGeom>
+          <a:avLst/>
+          <a:gdLst/>
+          <a:ahLst/>
+          <a:cxnLst/>
+          <a:rect l="0" t="0" r="0" b="0"/>
+          <a:pathLst>
+            <a:path>
+              <a:moveTo>
+                <a:pt x="1013659" y="0"/>
+              </a:moveTo>
+              <a:lnTo>
+                <a:pt x="1013659" y="328748"/>
+              </a:lnTo>
+              <a:lnTo>
+                <a:pt x="0" y="328748"/>
+              </a:lnTo>
+              <a:lnTo>
+                <a:pt x="0" y="482409"/>
+              </a:lnTo>
+            </a:path>
+          </a:pathLst>
+        </a:custGeom>
+        <a:noFill/>
+        <a:ln w="25400" cap="flat" cmpd="sng" algn="ctr">
+          <a:solidFill>
+            <a:schemeClr val="accent1">
+              <a:shade val="60000"/>
+              <a:hueOff val="0"/>
+              <a:satOff val="0"/>
+              <a:lumOff val="0"/>
+              <a:alphaOff val="0"/>
+            </a:schemeClr>
+          </a:solidFill>
+          <a:prstDash val="solid"/>
+        </a:ln>
+        <a:effectLst/>
+      </dsp:spPr>
+      <dsp:style>
+        <a:lnRef idx="2">
+          <a:scrgbClr r="0" g="0" b="0"/>
+        </a:lnRef>
+        <a:fillRef idx="0">
+          <a:scrgbClr r="0" g="0" b="0"/>
+        </a:fillRef>
+        <a:effectRef idx="0">
+          <a:scrgbClr r="0" g="0" b="0"/>
+        </a:effectRef>
+        <a:fontRef idx="minor"/>
+      </dsp:style>
+    </dsp:sp>
+    <dsp:sp modelId="{EA8C0F69-450F-42EB-8DCE-4B8365BFDA53}">
+      <dsp:nvSpPr>
+        <dsp:cNvPr id="0" name=""/>
+        <dsp:cNvSpPr/>
+      </dsp:nvSpPr>
+      <dsp:spPr>
+        <a:xfrm>
+          <a:off x="831680" y="1350044"/>
+          <a:ext cx="3040977" cy="482409"/>
+        </a:xfrm>
+        <a:custGeom>
+          <a:avLst/>
+          <a:gdLst/>
+          <a:ahLst/>
+          <a:cxnLst/>
+          <a:rect l="0" t="0" r="0" b="0"/>
+          <a:pathLst>
+            <a:path>
+              <a:moveTo>
+                <a:pt x="3040977" y="0"/>
+              </a:moveTo>
+              <a:lnTo>
+                <a:pt x="3040977" y="328748"/>
+              </a:lnTo>
+              <a:lnTo>
+                <a:pt x="0" y="328748"/>
+              </a:lnTo>
+              <a:lnTo>
+                <a:pt x="0" y="482409"/>
+              </a:lnTo>
+            </a:path>
+          </a:pathLst>
+        </a:custGeom>
+        <a:noFill/>
+        <a:ln w="25400" cap="flat" cmpd="sng" algn="ctr">
+          <a:solidFill>
+            <a:schemeClr val="accent1">
+              <a:shade val="60000"/>
+              <a:hueOff val="0"/>
+              <a:satOff val="0"/>
+              <a:lumOff val="0"/>
+              <a:alphaOff val="0"/>
+            </a:schemeClr>
+          </a:solidFill>
+          <a:prstDash val="solid"/>
+        </a:ln>
+        <a:effectLst/>
+      </dsp:spPr>
+      <dsp:style>
+        <a:lnRef idx="2">
+          <a:scrgbClr r="0" g="0" b="0"/>
+        </a:lnRef>
+        <a:fillRef idx="0">
+          <a:scrgbClr r="0" g="0" b="0"/>
+        </a:fillRef>
+        <a:effectRef idx="0">
+          <a:scrgbClr r="0" g="0" b="0"/>
+        </a:effectRef>
+        <a:fontRef idx="minor"/>
+      </dsp:style>
+    </dsp:sp>
+    <dsp:sp modelId="{60CECDA5-B591-4951-8CCF-ED80690D1BD4}">
+      <dsp:nvSpPr>
+        <dsp:cNvPr id="0" name=""/>
+        <dsp:cNvSpPr/>
+      </dsp:nvSpPr>
+      <dsp:spPr>
+        <a:xfrm>
+          <a:off x="3043300" y="296760"/>
+          <a:ext cx="1658715" cy="1053284"/>
+        </a:xfrm>
+        <a:prstGeom prst="roundRect">
+          <a:avLst>
+            <a:gd name="adj" fmla="val 10000"/>
+          </a:avLst>
+        </a:prstGeom>
+        <a:solidFill>
+          <a:schemeClr val="accent1">
+            <a:hueOff val="0"/>
+            <a:satOff val="0"/>
+            <a:lumOff val="0"/>
+            <a:alphaOff val="0"/>
+          </a:schemeClr>
+        </a:solidFill>
+        <a:ln w="25400" cap="flat" cmpd="sng" algn="ctr">
+          <a:solidFill>
+            <a:schemeClr val="lt1">
+              <a:hueOff val="0"/>
+              <a:satOff val="0"/>
+              <a:lumOff val="0"/>
+              <a:alphaOff val="0"/>
+            </a:schemeClr>
+          </a:solidFill>
+          <a:prstDash val="solid"/>
+        </a:ln>
+        <a:effectLst/>
+      </dsp:spPr>
+      <dsp:style>
+        <a:lnRef idx="2">
+          <a:scrgbClr r="0" g="0" b="0"/>
+        </a:lnRef>
+        <a:fillRef idx="1">
+          <a:scrgbClr r="0" g="0" b="0"/>
+        </a:fillRef>
+        <a:effectRef idx="0">
+          <a:scrgbClr r="0" g="0" b="0"/>
+        </a:effectRef>
+        <a:fontRef idx="minor">
+          <a:schemeClr val="lt1"/>
+        </a:fontRef>
+      </dsp:style>
+    </dsp:sp>
+    <dsp:sp modelId="{456785DD-1EED-4293-956A-09ED8D9B1A52}">
+      <dsp:nvSpPr>
+        <dsp:cNvPr id="0" name=""/>
+        <dsp:cNvSpPr/>
+      </dsp:nvSpPr>
+      <dsp:spPr>
+        <a:xfrm>
+          <a:off x="3227602" y="471847"/>
+          <a:ext cx="1658715" cy="1053284"/>
+        </a:xfrm>
+        <a:prstGeom prst="roundRect">
+          <a:avLst>
+            <a:gd name="adj" fmla="val 10000"/>
+          </a:avLst>
+        </a:prstGeom>
+        <a:solidFill>
+          <a:schemeClr val="lt1">
+            <a:alpha val="90000"/>
+            <a:hueOff val="0"/>
+            <a:satOff val="0"/>
+            <a:lumOff val="0"/>
+            <a:alphaOff val="0"/>
+          </a:schemeClr>
+        </a:solidFill>
+        <a:ln w="25400" cap="flat" cmpd="sng" algn="ctr">
+          <a:solidFill>
+            <a:schemeClr val="accent1">
+              <a:hueOff val="0"/>
+              <a:satOff val="0"/>
+              <a:lumOff val="0"/>
+              <a:alphaOff val="0"/>
+            </a:schemeClr>
+          </a:solidFill>
+          <a:prstDash val="solid"/>
+        </a:ln>
+        <a:effectLst/>
+      </dsp:spPr>
+      <dsp:style>
+        <a:lnRef idx="2">
+          <a:scrgbClr r="0" g="0" b="0"/>
+        </a:lnRef>
+        <a:fillRef idx="1">
+          <a:scrgbClr r="0" g="0" b="0"/>
+        </a:fillRef>
+        <a:effectRef idx="0">
+          <a:scrgbClr r="0" g="0" b="0"/>
+        </a:effectRef>
+        <a:fontRef idx="minor"/>
+      </dsp:style>
+      <dsp:txBody>
+        <a:bodyPr spcFirstLastPara="0" vert="horz" wrap="square" lIns="60960" tIns="60960" rIns="60960" bIns="60960" numCol="1" spcCol="1270" anchor="ctr" anchorCtr="0">
+          <a:noAutofit/>
+        </a:bodyPr>
+        <a:lstStyle/>
+        <a:p>
+          <a:pPr lvl="0" algn="ctr" defTabSz="711200">
+            <a:lnSpc>
+              <a:spcPct val="90000"/>
+            </a:lnSpc>
+            <a:spcBef>
+              <a:spcPct val="0"/>
+            </a:spcBef>
+            <a:spcAft>
+              <a:spcPct val="35000"/>
+            </a:spcAft>
+          </a:pPr>
+          <a:r>
+            <a:rPr lang="ru-RU" sz="1600" kern="1200" dirty="0" smtClean="0"/>
+            <a:t>Пользователи</a:t>
+          </a:r>
+          <a:endParaRPr lang="ru-RU" sz="1600" kern="1200" dirty="0"/>
+        </a:p>
+      </dsp:txBody>
+      <dsp:txXfrm>
+        <a:off x="3258452" y="502697"/>
+        <a:ext cx="1597015" cy="991584"/>
+      </dsp:txXfrm>
+    </dsp:sp>
+    <dsp:sp modelId="{9F159C0F-5A70-4FC5-8106-58A0878E0874}">
+      <dsp:nvSpPr>
+        <dsp:cNvPr id="0" name=""/>
+        <dsp:cNvSpPr/>
+      </dsp:nvSpPr>
+      <dsp:spPr>
+        <a:xfrm>
+          <a:off x="2323" y="1832454"/>
+          <a:ext cx="1658715" cy="1053284"/>
+        </a:xfrm>
+        <a:prstGeom prst="roundRect">
+          <a:avLst>
+            <a:gd name="adj" fmla="val 10000"/>
+          </a:avLst>
+        </a:prstGeom>
+        <a:solidFill>
+          <a:schemeClr val="accent1">
+            <a:hueOff val="0"/>
+            <a:satOff val="0"/>
+            <a:lumOff val="0"/>
+            <a:alphaOff val="0"/>
+          </a:schemeClr>
+        </a:solidFill>
+        <a:ln w="25400" cap="flat" cmpd="sng" algn="ctr">
+          <a:solidFill>
+            <a:schemeClr val="lt1">
+              <a:hueOff val="0"/>
+              <a:satOff val="0"/>
+              <a:lumOff val="0"/>
+              <a:alphaOff val="0"/>
+            </a:schemeClr>
+          </a:solidFill>
+          <a:prstDash val="solid"/>
+        </a:ln>
+        <a:effectLst/>
+      </dsp:spPr>
+      <dsp:style>
+        <a:lnRef idx="2">
+          <a:scrgbClr r="0" g="0" b="0"/>
+        </a:lnRef>
+        <a:fillRef idx="1">
+          <a:scrgbClr r="0" g="0" b="0"/>
+        </a:fillRef>
+        <a:effectRef idx="0">
+          <a:scrgbClr r="0" g="0" b="0"/>
+        </a:effectRef>
+        <a:fontRef idx="minor">
+          <a:schemeClr val="lt1"/>
+        </a:fontRef>
+      </dsp:style>
+    </dsp:sp>
+    <dsp:sp modelId="{6CDD7A20-D23B-4844-B5DA-18BBE1B6F86C}">
+      <dsp:nvSpPr>
+        <dsp:cNvPr id="0" name=""/>
+        <dsp:cNvSpPr/>
+      </dsp:nvSpPr>
+      <dsp:spPr>
+        <a:xfrm>
+          <a:off x="186624" y="2007541"/>
+          <a:ext cx="1658715" cy="1053284"/>
+        </a:xfrm>
+        <a:prstGeom prst="roundRect">
+          <a:avLst>
+            <a:gd name="adj" fmla="val 10000"/>
+          </a:avLst>
+        </a:prstGeom>
+        <a:solidFill>
+          <a:schemeClr val="lt1">
+            <a:alpha val="90000"/>
+            <a:hueOff val="0"/>
+            <a:satOff val="0"/>
+            <a:lumOff val="0"/>
+            <a:alphaOff val="0"/>
+          </a:schemeClr>
+        </a:solidFill>
+        <a:ln w="25400" cap="flat" cmpd="sng" algn="ctr">
+          <a:solidFill>
+            <a:schemeClr val="accent1">
+              <a:hueOff val="0"/>
+              <a:satOff val="0"/>
+              <a:lumOff val="0"/>
+              <a:alphaOff val="0"/>
+            </a:schemeClr>
+          </a:solidFill>
+          <a:prstDash val="solid"/>
+        </a:ln>
+        <a:effectLst/>
+      </dsp:spPr>
+      <dsp:style>
+        <a:lnRef idx="2">
+          <a:scrgbClr r="0" g="0" b="0"/>
+        </a:lnRef>
+        <a:fillRef idx="1">
+          <a:scrgbClr r="0" g="0" b="0"/>
+        </a:fillRef>
+        <a:effectRef idx="0">
+          <a:scrgbClr r="0" g="0" b="0"/>
+        </a:effectRef>
+        <a:fontRef idx="minor"/>
+      </dsp:style>
+      <dsp:txBody>
+        <a:bodyPr spcFirstLastPara="0" vert="horz" wrap="square" lIns="60960" tIns="60960" rIns="60960" bIns="60960" numCol="1" spcCol="1270" anchor="ctr" anchorCtr="0">
+          <a:noAutofit/>
+        </a:bodyPr>
+        <a:lstStyle/>
+        <a:p>
+          <a:pPr lvl="0" algn="ctr" defTabSz="711200">
+            <a:lnSpc>
+              <a:spcPct val="90000"/>
+            </a:lnSpc>
+            <a:spcBef>
+              <a:spcPct val="0"/>
+            </a:spcBef>
+            <a:spcAft>
+              <a:spcPct val="35000"/>
+            </a:spcAft>
+          </a:pPr>
+          <a:r>
+            <a:rPr lang="ru-RU" sz="1600" kern="1200" dirty="0" smtClean="0"/>
+            <a:t>Администратор</a:t>
+          </a:r>
+          <a:endParaRPr lang="ru-RU" sz="1600" kern="1200" dirty="0"/>
+        </a:p>
+      </dsp:txBody>
+      <dsp:txXfrm>
+        <a:off x="217474" y="2038391"/>
+        <a:ext cx="1597015" cy="991584"/>
+      </dsp:txXfrm>
+    </dsp:sp>
+    <dsp:sp modelId="{852D39FB-CD84-4DA5-B8C0-0D95E71649E0}">
+      <dsp:nvSpPr>
+        <dsp:cNvPr id="0" name=""/>
+        <dsp:cNvSpPr/>
+      </dsp:nvSpPr>
+      <dsp:spPr>
+        <a:xfrm>
+          <a:off x="2029641" y="1832454"/>
+          <a:ext cx="1658715" cy="1053284"/>
+        </a:xfrm>
+        <a:prstGeom prst="roundRect">
+          <a:avLst>
+            <a:gd name="adj" fmla="val 10000"/>
+          </a:avLst>
+        </a:prstGeom>
+        <a:solidFill>
+          <a:schemeClr val="accent1">
+            <a:hueOff val="0"/>
+            <a:satOff val="0"/>
+            <a:lumOff val="0"/>
+            <a:alphaOff val="0"/>
+          </a:schemeClr>
+        </a:solidFill>
+        <a:ln w="25400" cap="flat" cmpd="sng" algn="ctr">
+          <a:solidFill>
+            <a:schemeClr val="lt1">
+              <a:hueOff val="0"/>
+              <a:satOff val="0"/>
+              <a:lumOff val="0"/>
+              <a:alphaOff val="0"/>
+            </a:schemeClr>
+          </a:solidFill>
+          <a:prstDash val="solid"/>
+        </a:ln>
+        <a:effectLst/>
+      </dsp:spPr>
+      <dsp:style>
+        <a:lnRef idx="2">
+          <a:scrgbClr r="0" g="0" b="0"/>
+        </a:lnRef>
+        <a:fillRef idx="1">
+          <a:scrgbClr r="0" g="0" b="0"/>
+        </a:fillRef>
+        <a:effectRef idx="0">
+          <a:scrgbClr r="0" g="0" b="0"/>
+        </a:effectRef>
+        <a:fontRef idx="minor">
+          <a:schemeClr val="lt1"/>
+        </a:fontRef>
+      </dsp:style>
+    </dsp:sp>
+    <dsp:sp modelId="{CE90BA20-8691-4942-9B3C-43AAB05A706B}">
+      <dsp:nvSpPr>
+        <dsp:cNvPr id="0" name=""/>
+        <dsp:cNvSpPr/>
+      </dsp:nvSpPr>
+      <dsp:spPr>
+        <a:xfrm>
+          <a:off x="2213943" y="2007541"/>
+          <a:ext cx="1658715" cy="1053284"/>
+        </a:xfrm>
+        <a:prstGeom prst="roundRect">
+          <a:avLst>
+            <a:gd name="adj" fmla="val 10000"/>
+          </a:avLst>
+        </a:prstGeom>
+        <a:solidFill>
+          <a:schemeClr val="lt1">
+            <a:alpha val="90000"/>
+            <a:hueOff val="0"/>
+            <a:satOff val="0"/>
+            <a:lumOff val="0"/>
+            <a:alphaOff val="0"/>
+          </a:schemeClr>
+        </a:solidFill>
+        <a:ln w="25400" cap="flat" cmpd="sng" algn="ctr">
+          <a:solidFill>
+            <a:schemeClr val="accent1">
+              <a:hueOff val="0"/>
+              <a:satOff val="0"/>
+              <a:lumOff val="0"/>
+              <a:alphaOff val="0"/>
+            </a:schemeClr>
+          </a:solidFill>
+          <a:prstDash val="solid"/>
+        </a:ln>
+        <a:effectLst/>
+      </dsp:spPr>
+      <dsp:style>
+        <a:lnRef idx="2">
+          <a:scrgbClr r="0" g="0" b="0"/>
+        </a:lnRef>
+        <a:fillRef idx="1">
+          <a:scrgbClr r="0" g="0" b="0"/>
+        </a:fillRef>
+        <a:effectRef idx="0">
+          <a:scrgbClr r="0" g="0" b="0"/>
+        </a:effectRef>
+        <a:fontRef idx="minor"/>
+      </dsp:style>
+      <dsp:txBody>
+        <a:bodyPr spcFirstLastPara="0" vert="horz" wrap="square" lIns="60960" tIns="60960" rIns="60960" bIns="60960" numCol="1" spcCol="1270" anchor="ctr" anchorCtr="0">
+          <a:noAutofit/>
+        </a:bodyPr>
+        <a:lstStyle/>
+        <a:p>
+          <a:pPr lvl="0" algn="ctr" defTabSz="711200">
+            <a:lnSpc>
+              <a:spcPct val="90000"/>
+            </a:lnSpc>
+            <a:spcBef>
+              <a:spcPct val="0"/>
+            </a:spcBef>
+            <a:spcAft>
+              <a:spcPct val="35000"/>
+            </a:spcAft>
+          </a:pPr>
+          <a:r>
+            <a:rPr lang="ru-RU" sz="1600" kern="1200" dirty="0" smtClean="0"/>
+            <a:t>Модератор</a:t>
+          </a:r>
+          <a:endParaRPr lang="ru-RU" sz="1600" kern="1200" dirty="0"/>
+        </a:p>
+      </dsp:txBody>
+      <dsp:txXfrm>
+        <a:off x="2244793" y="2038391"/>
+        <a:ext cx="1597015" cy="991584"/>
+      </dsp:txXfrm>
+    </dsp:sp>
+    <dsp:sp modelId="{486F3E1A-ADB0-476F-89B9-1D08AA027ACB}">
+      <dsp:nvSpPr>
+        <dsp:cNvPr id="0" name=""/>
+        <dsp:cNvSpPr/>
+      </dsp:nvSpPr>
+      <dsp:spPr>
+        <a:xfrm>
+          <a:off x="4056959" y="1832454"/>
+          <a:ext cx="1658715" cy="1053284"/>
+        </a:xfrm>
+        <a:prstGeom prst="roundRect">
+          <a:avLst>
+            <a:gd name="adj" fmla="val 10000"/>
+          </a:avLst>
+        </a:prstGeom>
+        <a:solidFill>
+          <a:schemeClr val="accent1">
+            <a:hueOff val="0"/>
+            <a:satOff val="0"/>
+            <a:lumOff val="0"/>
+            <a:alphaOff val="0"/>
+          </a:schemeClr>
+        </a:solidFill>
+        <a:ln w="25400" cap="flat" cmpd="sng" algn="ctr">
+          <a:solidFill>
+            <a:schemeClr val="lt1">
+              <a:hueOff val="0"/>
+              <a:satOff val="0"/>
+              <a:lumOff val="0"/>
+              <a:alphaOff val="0"/>
+            </a:schemeClr>
+          </a:solidFill>
+          <a:prstDash val="solid"/>
+        </a:ln>
+        <a:effectLst/>
+      </dsp:spPr>
+      <dsp:style>
+        <a:lnRef idx="2">
+          <a:scrgbClr r="0" g="0" b="0"/>
+        </a:lnRef>
+        <a:fillRef idx="1">
+          <a:scrgbClr r="0" g="0" b="0"/>
+        </a:fillRef>
+        <a:effectRef idx="0">
+          <a:scrgbClr r="0" g="0" b="0"/>
+        </a:effectRef>
+        <a:fontRef idx="minor">
+          <a:schemeClr val="lt1"/>
+        </a:fontRef>
+      </dsp:style>
+    </dsp:sp>
+    <dsp:sp modelId="{573EFB2A-7915-4FFF-990F-FE6A6286D0DF}">
+      <dsp:nvSpPr>
+        <dsp:cNvPr id="0" name=""/>
+        <dsp:cNvSpPr/>
+      </dsp:nvSpPr>
+      <dsp:spPr>
+        <a:xfrm>
+          <a:off x="4241261" y="2007541"/>
+          <a:ext cx="1658715" cy="1053284"/>
+        </a:xfrm>
+        <a:prstGeom prst="roundRect">
+          <a:avLst>
+            <a:gd name="adj" fmla="val 10000"/>
+          </a:avLst>
+        </a:prstGeom>
+        <a:solidFill>
+          <a:schemeClr val="lt1">
+            <a:alpha val="90000"/>
+            <a:hueOff val="0"/>
+            <a:satOff val="0"/>
+            <a:lumOff val="0"/>
+            <a:alphaOff val="0"/>
+          </a:schemeClr>
+        </a:solidFill>
+        <a:ln w="25400" cap="flat" cmpd="sng" algn="ctr">
+          <a:solidFill>
+            <a:schemeClr val="accent1">
+              <a:hueOff val="0"/>
+              <a:satOff val="0"/>
+              <a:lumOff val="0"/>
+              <a:alphaOff val="0"/>
+            </a:schemeClr>
+          </a:solidFill>
+          <a:prstDash val="solid"/>
+        </a:ln>
+        <a:effectLst/>
+      </dsp:spPr>
+      <dsp:style>
+        <a:lnRef idx="2">
+          <a:scrgbClr r="0" g="0" b="0"/>
+        </a:lnRef>
+        <a:fillRef idx="1">
+          <a:scrgbClr r="0" g="0" b="0"/>
+        </a:fillRef>
+        <a:effectRef idx="0">
+          <a:scrgbClr r="0" g="0" b="0"/>
+        </a:effectRef>
+        <a:fontRef idx="minor"/>
+      </dsp:style>
+      <dsp:txBody>
+        <a:bodyPr spcFirstLastPara="0" vert="horz" wrap="square" lIns="60960" tIns="60960" rIns="60960" bIns="60960" numCol="1" spcCol="1270" anchor="ctr" anchorCtr="0">
+          <a:noAutofit/>
+        </a:bodyPr>
+        <a:lstStyle/>
+        <a:p>
+          <a:pPr lvl="0" algn="ctr" defTabSz="711200">
+            <a:lnSpc>
+              <a:spcPct val="90000"/>
+            </a:lnSpc>
+            <a:spcBef>
+              <a:spcPct val="0"/>
+            </a:spcBef>
+            <a:spcAft>
+              <a:spcPct val="35000"/>
+            </a:spcAft>
+          </a:pPr>
+          <a:r>
+            <a:rPr lang="ru-RU" sz="1600" kern="1200" dirty="0" smtClean="0"/>
+            <a:t>Врач</a:t>
+          </a:r>
+          <a:endParaRPr lang="ru-RU" sz="1600" kern="1200" dirty="0"/>
+        </a:p>
+      </dsp:txBody>
+      <dsp:txXfrm>
+        <a:off x="4272111" y="2038391"/>
+        <a:ext cx="1597015" cy="991584"/>
+      </dsp:txXfrm>
+    </dsp:sp>
+    <dsp:sp modelId="{A7864411-0679-4FDB-92EB-CE922F8E6410}">
+      <dsp:nvSpPr>
+        <dsp:cNvPr id="0" name=""/>
+        <dsp:cNvSpPr/>
+      </dsp:nvSpPr>
+      <dsp:spPr>
+        <a:xfrm>
+          <a:off x="6084278" y="1832454"/>
+          <a:ext cx="1658715" cy="1053284"/>
+        </a:xfrm>
+        <a:prstGeom prst="roundRect">
+          <a:avLst>
+            <a:gd name="adj" fmla="val 10000"/>
+          </a:avLst>
+        </a:prstGeom>
+        <a:solidFill>
+          <a:schemeClr val="accent1">
+            <a:hueOff val="0"/>
+            <a:satOff val="0"/>
+            <a:lumOff val="0"/>
+            <a:alphaOff val="0"/>
+          </a:schemeClr>
+        </a:solidFill>
+        <a:ln w="25400" cap="flat" cmpd="sng" algn="ctr">
+          <a:solidFill>
+            <a:schemeClr val="lt1">
+              <a:hueOff val="0"/>
+              <a:satOff val="0"/>
+              <a:lumOff val="0"/>
+              <a:alphaOff val="0"/>
+            </a:schemeClr>
+          </a:solidFill>
+          <a:prstDash val="solid"/>
+        </a:ln>
+        <a:effectLst/>
+      </dsp:spPr>
+      <dsp:style>
+        <a:lnRef idx="2">
+          <a:scrgbClr r="0" g="0" b="0"/>
+        </a:lnRef>
+        <a:fillRef idx="1">
+          <a:scrgbClr r="0" g="0" b="0"/>
+        </a:fillRef>
+        <a:effectRef idx="0">
+          <a:scrgbClr r="0" g="0" b="0"/>
+        </a:effectRef>
+        <a:fontRef idx="minor">
+          <a:schemeClr val="lt1"/>
+        </a:fontRef>
+      </dsp:style>
+    </dsp:sp>
+    <dsp:sp modelId="{1B33B1A1-9E3F-4A07-B18C-4376D3F37C91}">
+      <dsp:nvSpPr>
+        <dsp:cNvPr id="0" name=""/>
+        <dsp:cNvSpPr/>
+      </dsp:nvSpPr>
+      <dsp:spPr>
+        <a:xfrm>
+          <a:off x="6268579" y="2007541"/>
+          <a:ext cx="1658715" cy="1053284"/>
+        </a:xfrm>
+        <a:prstGeom prst="roundRect">
+          <a:avLst>
+            <a:gd name="adj" fmla="val 10000"/>
+          </a:avLst>
+        </a:prstGeom>
+        <a:solidFill>
+          <a:schemeClr val="lt1">
+            <a:alpha val="90000"/>
+            <a:hueOff val="0"/>
+            <a:satOff val="0"/>
+            <a:lumOff val="0"/>
+            <a:alphaOff val="0"/>
+          </a:schemeClr>
+        </a:solidFill>
+        <a:ln w="25400" cap="flat" cmpd="sng" algn="ctr">
+          <a:solidFill>
+            <a:schemeClr val="accent1">
+              <a:hueOff val="0"/>
+              <a:satOff val="0"/>
+              <a:lumOff val="0"/>
+              <a:alphaOff val="0"/>
+            </a:schemeClr>
+          </a:solidFill>
+          <a:prstDash val="solid"/>
+        </a:ln>
+        <a:effectLst/>
+      </dsp:spPr>
+      <dsp:style>
+        <a:lnRef idx="2">
+          <a:scrgbClr r="0" g="0" b="0"/>
+        </a:lnRef>
+        <a:fillRef idx="1">
+          <a:scrgbClr r="0" g="0" b="0"/>
+        </a:fillRef>
+        <a:effectRef idx="0">
+          <a:scrgbClr r="0" g="0" b="0"/>
+        </a:effectRef>
+        <a:fontRef idx="minor"/>
+      </dsp:style>
+      <dsp:txBody>
+        <a:bodyPr spcFirstLastPara="0" vert="horz" wrap="square" lIns="60960" tIns="60960" rIns="60960" bIns="60960" numCol="1" spcCol="1270" anchor="ctr" anchorCtr="0">
+          <a:noAutofit/>
+        </a:bodyPr>
+        <a:lstStyle/>
+        <a:p>
+          <a:pPr lvl="0" algn="ctr" defTabSz="711200">
+            <a:lnSpc>
+              <a:spcPct val="90000"/>
+            </a:lnSpc>
+            <a:spcBef>
+              <a:spcPct val="0"/>
+            </a:spcBef>
+            <a:spcAft>
+              <a:spcPct val="35000"/>
+            </a:spcAft>
+          </a:pPr>
+          <a:r>
+            <a:rPr lang="ru-RU" sz="1600" kern="1200" dirty="0" smtClean="0"/>
+            <a:t>Пациент</a:t>
+          </a:r>
+          <a:endParaRPr lang="ru-RU" sz="1600" kern="1200" dirty="0"/>
+        </a:p>
+      </dsp:txBody>
+      <dsp:txXfrm>
+        <a:off x="6299429" y="2038391"/>
+        <a:ext cx="1597015" cy="991584"/>
+      </dsp:txXfrm>
+    </dsp:sp>
+  </dsp:spTree>
+</dsp:drawing>
 </file>
 
 <file path=ppt/diagrams/layout1.xml><?xml version="1.0" encoding="utf-8"?>
@@ -2891,6 +3841,11 @@
 <file path=ppt/slideLayouts/slideLayout1.xml><?xml version="1.0" encoding="utf-8"?>
 <p:sldLayout xmlns:a="http://schemas.openxmlformats.org/drawingml/2006/main" xmlns:r="http://schemas.openxmlformats.org/officeDocument/2006/relationships" xmlns:p="http://schemas.openxmlformats.org/presentationml/2006/main" type="title" preserve="1">
   <p:cSld name="Титульный слайд">
+    <p:bg>
+      <p:bgRef idx="1002">
+        <a:schemeClr val="bg2"/>
+      </p:bgRef>
+    </p:bg>
     <p:spTree>
       <p:nvGrpSpPr>
         <p:cNvPr id="1" name=""/>
@@ -2907,7 +3862,7 @@
       </p:grpSpPr>
       <p:sp>
         <p:nvSpPr>
-          <p:cNvPr id="2" name="Заголовок 1"/>
+          <p:cNvPr id="9" name="Заголовок 8"/>
           <p:cNvSpPr>
             <a:spLocks noGrp="1"/>
           </p:cNvSpPr>
@@ -2917,25 +3872,70 @@
         </p:nvSpPr>
         <p:spPr>
           <a:xfrm>
-            <a:off x="685800" y="2130425"/>
-            <a:ext cx="7772400" cy="1470025"/>
+            <a:off x="533400" y="1371600"/>
+            <a:ext cx="7851648" cy="1828800"/>
           </a:xfrm>
+          <a:ln>
+            <a:noFill/>
+          </a:ln>
         </p:spPr>
         <p:txBody>
-          <a:bodyPr/>
-          <a:lstStyle/>
-          <a:p>
-            <a:r>
-              <a:rPr lang="ru-RU" smtClean="0"/>
+          <a:bodyPr vert="horz" tIns="0" rIns="18288" bIns="0" anchor="b">
+            <a:normAutofit/>
+            <a:scene3d>
+              <a:camera prst="orthographicFront"/>
+              <a:lightRig rig="freezing" dir="t">
+                <a:rot lat="0" lon="0" rev="5640000"/>
+              </a:lightRig>
+            </a:scene3d>
+            <a:sp3d prstMaterial="flat">
+              <a:bevelT w="38100" h="38100"/>
+              <a:contourClr>
+                <a:schemeClr val="tx2"/>
+              </a:contourClr>
+            </a:sp3d>
+          </a:bodyPr>
+          <a:lstStyle>
+            <a:lvl1pPr algn="r" rtl="0">
+              <a:spcBef>
+                <a:spcPct val="0"/>
+              </a:spcBef>
+              <a:buNone/>
+              <a:defRPr sz="5600" b="1">
+                <a:ln>
+                  <a:noFill/>
+                </a:ln>
+                <a:solidFill>
+                  <a:schemeClr val="accent3">
+                    <a:tint val="90000"/>
+                    <a:satMod val="120000"/>
+                  </a:schemeClr>
+                </a:solidFill>
+                <a:effectLst>
+                  <a:outerShdw blurRad="38100" dist="25400" dir="5400000" algn="tl" rotWithShape="0">
+                    <a:srgbClr val="000000">
+                      <a:alpha val="43000"/>
+                    </a:srgbClr>
+                  </a:outerShdw>
+                </a:effectLst>
+                <a:latin typeface="+mj-lt"/>
+                <a:ea typeface="+mj-ea"/>
+                <a:cs typeface="+mj-cs"/>
+              </a:defRPr>
+            </a:lvl1pPr>
+          </a:lstStyle>
+          <a:p>
+            <a:r>
+              <a:rPr kumimoji="0" lang="ru-RU" smtClean="0"/>
               <a:t>Образец заголовка</a:t>
             </a:r>
-            <a:endParaRPr lang="ru-RU"/>
-          </a:p>
-        </p:txBody>
-      </p:sp>
-      <p:sp>
-        <p:nvSpPr>
-          <p:cNvPr id="3" name="Подзаголовок 2"/>
+            <a:endParaRPr kumimoji="0" lang="en-US"/>
+          </a:p>
+        </p:txBody>
+      </p:sp>
+      <p:sp>
+        <p:nvSpPr>
+          <p:cNvPr id="17" name="Подзаголовок 16"/>
           <p:cNvSpPr>
             <a:spLocks noGrp="1"/>
           </p:cNvSpPr>
@@ -2945,116 +3945,58 @@
         </p:nvSpPr>
         <p:spPr>
           <a:xfrm>
-            <a:off x="1371600" y="3886200"/>
-            <a:ext cx="6400800" cy="1752600"/>
+            <a:off x="533400" y="3228536"/>
+            <a:ext cx="7854696" cy="1752600"/>
           </a:xfrm>
         </p:spPr>
         <p:txBody>
-          <a:bodyPr/>
+          <a:bodyPr lIns="0" rIns="18288"/>
           <a:lstStyle>
-            <a:lvl1pPr marL="0" indent="0" algn="ctr">
+            <a:lvl1pPr marL="0" marR="45720" indent="0" algn="r">
               <a:buNone/>
               <a:defRPr>
                 <a:solidFill>
-                  <a:schemeClr val="tx1">
-                    <a:tint val="75000"/>
-                  </a:schemeClr>
+                  <a:schemeClr val="tx1"/>
                 </a:solidFill>
               </a:defRPr>
             </a:lvl1pPr>
             <a:lvl2pPr marL="457200" indent="0" algn="ctr">
               <a:buNone/>
-              <a:defRPr>
-                <a:solidFill>
-                  <a:schemeClr val="tx1">
-                    <a:tint val="75000"/>
-                  </a:schemeClr>
-                </a:solidFill>
-              </a:defRPr>
             </a:lvl2pPr>
             <a:lvl3pPr marL="914400" indent="0" algn="ctr">
               <a:buNone/>
-              <a:defRPr>
-                <a:solidFill>
-                  <a:schemeClr val="tx1">
-                    <a:tint val="75000"/>
-                  </a:schemeClr>
-                </a:solidFill>
-              </a:defRPr>
             </a:lvl3pPr>
             <a:lvl4pPr marL="1371600" indent="0" algn="ctr">
               <a:buNone/>
-              <a:defRPr>
-                <a:solidFill>
-                  <a:schemeClr val="tx1">
-                    <a:tint val="75000"/>
-                  </a:schemeClr>
-                </a:solidFill>
-              </a:defRPr>
             </a:lvl4pPr>
             <a:lvl5pPr marL="1828800" indent="0" algn="ctr">
               <a:buNone/>
-              <a:defRPr>
-                <a:solidFill>
-                  <a:schemeClr val="tx1">
-                    <a:tint val="75000"/>
-                  </a:schemeClr>
-                </a:solidFill>
-              </a:defRPr>
             </a:lvl5pPr>
             <a:lvl6pPr marL="2286000" indent="0" algn="ctr">
               <a:buNone/>
-              <a:defRPr>
-                <a:solidFill>
-                  <a:schemeClr val="tx1">
-                    <a:tint val="75000"/>
-                  </a:schemeClr>
-                </a:solidFill>
-              </a:defRPr>
             </a:lvl6pPr>
             <a:lvl7pPr marL="2743200" indent="0" algn="ctr">
               <a:buNone/>
-              <a:defRPr>
-                <a:solidFill>
-                  <a:schemeClr val="tx1">
-                    <a:tint val="75000"/>
-                  </a:schemeClr>
-                </a:solidFill>
-              </a:defRPr>
             </a:lvl7pPr>
             <a:lvl8pPr marL="3200400" indent="0" algn="ctr">
               <a:buNone/>
-              <a:defRPr>
-                <a:solidFill>
-                  <a:schemeClr val="tx1">
-                    <a:tint val="75000"/>
-                  </a:schemeClr>
-                </a:solidFill>
-              </a:defRPr>
             </a:lvl8pPr>
             <a:lvl9pPr marL="3657600" indent="0" algn="ctr">
               <a:buNone/>
-              <a:defRPr>
-                <a:solidFill>
-                  <a:schemeClr val="tx1">
-                    <a:tint val="75000"/>
-                  </a:schemeClr>
-                </a:solidFill>
-              </a:defRPr>
             </a:lvl9pPr>
           </a:lstStyle>
           <a:p>
             <a:r>
-              <a:rPr lang="ru-RU" smtClean="0"/>
+              <a:rPr kumimoji="0" lang="ru-RU" smtClean="0"/>
               <a:t>Образец подзаголовка</a:t>
             </a:r>
-            <a:endParaRPr lang="ru-RU"/>
-          </a:p>
-        </p:txBody>
-      </p:sp>
-      <p:sp>
-        <p:nvSpPr>
-          <p:cNvPr id="4" name="Дата 3"/>
+            <a:endParaRPr kumimoji="0" lang="en-US"/>
+          </a:p>
+        </p:txBody>
+      </p:sp>
+      <p:sp>
+        <p:nvSpPr>
+          <p:cNvPr id="30" name="Дата 29"/>
           <p:cNvSpPr>
             <a:spLocks noGrp="1"/>
           </p:cNvSpPr>
@@ -3070,7 +4012,7 @@
             <a:fld id="{ECADDB99-61F7-42CA-9B6E-B80570B429D3}" type="datetimeFigureOut">
               <a:rPr lang="ru-RU" smtClean="0"/>
               <a:pPr/>
-              <a:t>13.02.2012</a:t>
+              <a:t>15.02.2012</a:t>
             </a:fld>
             <a:endParaRPr lang="ru-RU"/>
           </a:p>
@@ -3078,7 +4020,7 @@
       </p:sp>
       <p:sp>
         <p:nvSpPr>
-          <p:cNvPr id="5" name="Нижний колонтитул 4"/>
+          <p:cNvPr id="19" name="Нижний колонтитул 18"/>
           <p:cNvSpPr>
             <a:spLocks noGrp="1"/>
           </p:cNvSpPr>
@@ -3097,7 +4039,7 @@
       </p:sp>
       <p:sp>
         <p:nvSpPr>
-          <p:cNvPr id="6" name="Номер слайда 5"/>
+          <p:cNvPr id="27" name="Номер слайда 26"/>
           <p:cNvSpPr>
             <a:spLocks noGrp="1"/>
           </p:cNvSpPr>
@@ -3122,7 +4064,7 @@
     </p:spTree>
   </p:cSld>
   <p:clrMapOvr>
-    <a:masterClrMapping/>
+    <a:overrideClrMapping bg1="dk1" tx1="lt1" bg2="dk2" tx2="lt2" accent1="accent1" accent2="accent2" accent3="accent3" accent4="accent4" accent5="accent5" accent6="accent6" hlink="hlink" folHlink="folHlink"/>
   </p:clrMapOvr>
 </p:sldLayout>
 </file>
@@ -3160,10 +4102,10 @@
           <a:lstStyle/>
           <a:p>
             <a:r>
-              <a:rPr lang="ru-RU" smtClean="0"/>
+              <a:rPr kumimoji="0" lang="ru-RU" smtClean="0"/>
               <a:t>Образец заголовка</a:t>
             </a:r>
-            <a:endParaRPr lang="ru-RU"/>
+            <a:endParaRPr kumimoji="0" lang="en-US"/>
           </a:p>
         </p:txBody>
       </p:sp>
@@ -3182,40 +4124,40 @@
           <a:bodyPr vert="eaVert"/>
           <a:lstStyle/>
           <a:p>
-            <a:pPr lvl="0"/>
+            <a:pPr lvl="0" eaLnBrk="1" latinLnBrk="0" hangingPunct="1"/>
             <a:r>
               <a:rPr lang="ru-RU" smtClean="0"/>
               <a:t>Образец текста</a:t>
             </a:r>
           </a:p>
           <a:p>
-            <a:pPr lvl="1"/>
+            <a:pPr lvl="1" eaLnBrk="1" latinLnBrk="0" hangingPunct="1"/>
             <a:r>
               <a:rPr lang="ru-RU" smtClean="0"/>
               <a:t>Второй уровень</a:t>
             </a:r>
           </a:p>
           <a:p>
-            <a:pPr lvl="2"/>
+            <a:pPr lvl="2" eaLnBrk="1" latinLnBrk="0" hangingPunct="1"/>
             <a:r>
               <a:rPr lang="ru-RU" smtClean="0"/>
               <a:t>Третий уровень</a:t>
             </a:r>
           </a:p>
           <a:p>
-            <a:pPr lvl="3"/>
+            <a:pPr lvl="3" eaLnBrk="1" latinLnBrk="0" hangingPunct="1"/>
             <a:r>
               <a:rPr lang="ru-RU" smtClean="0"/>
               <a:t>Четвертый уровень</a:t>
             </a:r>
           </a:p>
           <a:p>
-            <a:pPr lvl="4"/>
+            <a:pPr lvl="4" eaLnBrk="1" latinLnBrk="0" hangingPunct="1"/>
             <a:r>
               <a:rPr lang="ru-RU" smtClean="0"/>
               <a:t>Пятый уровень</a:t>
             </a:r>
-            <a:endParaRPr lang="ru-RU"/>
+            <a:endParaRPr kumimoji="0" lang="en-US"/>
           </a:p>
         </p:txBody>
       </p:sp>
@@ -3237,7 +4179,7 @@
             <a:fld id="{ECADDB99-61F7-42CA-9B6E-B80570B429D3}" type="datetimeFigureOut">
               <a:rPr lang="ru-RU" smtClean="0"/>
               <a:pPr/>
-              <a:t>13.02.2012</a:t>
+              <a:t>15.02.2012</a:t>
             </a:fld>
             <a:endParaRPr lang="ru-RU"/>
           </a:p>
@@ -3323,8 +4265,8 @@
         </p:nvSpPr>
         <p:spPr>
           <a:xfrm>
-            <a:off x="6629400" y="274638"/>
-            <a:ext cx="2057400" cy="5851525"/>
+            <a:off x="6629400" y="914401"/>
+            <a:ext cx="2057400" cy="5211763"/>
           </a:xfrm>
         </p:spPr>
         <p:txBody>
@@ -3332,10 +4274,10 @@
           <a:lstStyle/>
           <a:p>
             <a:r>
-              <a:rPr lang="ru-RU" smtClean="0"/>
+              <a:rPr kumimoji="0" lang="ru-RU" smtClean="0"/>
               <a:t>Образец заголовка</a:t>
             </a:r>
-            <a:endParaRPr lang="ru-RU"/>
+            <a:endParaRPr kumimoji="0" lang="en-US"/>
           </a:p>
         </p:txBody>
       </p:sp>
@@ -3351,48 +4293,48 @@
         </p:nvSpPr>
         <p:spPr>
           <a:xfrm>
-            <a:off x="457200" y="274638"/>
-            <a:ext cx="6019800" cy="5851525"/>
+            <a:off x="457200" y="914401"/>
+            <a:ext cx="6019800" cy="5211763"/>
           </a:xfrm>
         </p:spPr>
         <p:txBody>
           <a:bodyPr vert="eaVert"/>
           <a:lstStyle/>
           <a:p>
-            <a:pPr lvl="0"/>
+            <a:pPr lvl="0" eaLnBrk="1" latinLnBrk="0" hangingPunct="1"/>
             <a:r>
               <a:rPr lang="ru-RU" smtClean="0"/>
               <a:t>Образец текста</a:t>
             </a:r>
           </a:p>
           <a:p>
-            <a:pPr lvl="1"/>
+            <a:pPr lvl="1" eaLnBrk="1" latinLnBrk="0" hangingPunct="1"/>
             <a:r>
               <a:rPr lang="ru-RU" smtClean="0"/>
               <a:t>Второй уровень</a:t>
             </a:r>
           </a:p>
           <a:p>
-            <a:pPr lvl="2"/>
+            <a:pPr lvl="2" eaLnBrk="1" latinLnBrk="0" hangingPunct="1"/>
             <a:r>
               <a:rPr lang="ru-RU" smtClean="0"/>
               <a:t>Третий уровень</a:t>
             </a:r>
           </a:p>
           <a:p>
-            <a:pPr lvl="3"/>
+            <a:pPr lvl="3" eaLnBrk="1" latinLnBrk="0" hangingPunct="1"/>
             <a:r>
               <a:rPr lang="ru-RU" smtClean="0"/>
               <a:t>Четвертый уровень</a:t>
             </a:r>
           </a:p>
           <a:p>
-            <a:pPr lvl="4"/>
+            <a:pPr lvl="4" eaLnBrk="1" latinLnBrk="0" hangingPunct="1"/>
             <a:r>
               <a:rPr lang="ru-RU" smtClean="0"/>
               <a:t>Пятый уровень</a:t>
             </a:r>
-            <a:endParaRPr lang="ru-RU"/>
+            <a:endParaRPr kumimoji="0" lang="en-US"/>
           </a:p>
         </p:txBody>
       </p:sp>
@@ -3414,7 +4356,7 @@
             <a:fld id="{ECADDB99-61F7-42CA-9B6E-B80570B429D3}" type="datetimeFigureOut">
               <a:rPr lang="ru-RU" smtClean="0"/>
               <a:pPr/>
-              <a:t>13.02.2012</a:t>
+              <a:t>15.02.2012</a:t>
             </a:fld>
             <a:endParaRPr lang="ru-RU"/>
           </a:p>
@@ -3504,10 +4446,10 @@
           <a:lstStyle/>
           <a:p>
             <a:r>
-              <a:rPr lang="ru-RU" smtClean="0"/>
+              <a:rPr kumimoji="0" lang="ru-RU" smtClean="0"/>
               <a:t>Образец заголовка</a:t>
             </a:r>
-            <a:endParaRPr lang="ru-RU"/>
+            <a:endParaRPr kumimoji="0" lang="en-US"/>
           </a:p>
         </p:txBody>
       </p:sp>
@@ -3526,40 +4468,40 @@
           <a:bodyPr/>
           <a:lstStyle/>
           <a:p>
-            <a:pPr lvl="0"/>
+            <a:pPr lvl="0" eaLnBrk="1" latinLnBrk="0" hangingPunct="1"/>
             <a:r>
               <a:rPr lang="ru-RU" smtClean="0"/>
               <a:t>Образец текста</a:t>
             </a:r>
           </a:p>
           <a:p>
-            <a:pPr lvl="1"/>
+            <a:pPr lvl="1" eaLnBrk="1" latinLnBrk="0" hangingPunct="1"/>
             <a:r>
               <a:rPr lang="ru-RU" smtClean="0"/>
               <a:t>Второй уровень</a:t>
             </a:r>
           </a:p>
           <a:p>
-            <a:pPr lvl="2"/>
+            <a:pPr lvl="2" eaLnBrk="1" latinLnBrk="0" hangingPunct="1"/>
             <a:r>
               <a:rPr lang="ru-RU" smtClean="0"/>
               <a:t>Третий уровень</a:t>
             </a:r>
           </a:p>
           <a:p>
-            <a:pPr lvl="3"/>
+            <a:pPr lvl="3" eaLnBrk="1" latinLnBrk="0" hangingPunct="1"/>
             <a:r>
               <a:rPr lang="ru-RU" smtClean="0"/>
               <a:t>Четвертый уровень</a:t>
             </a:r>
           </a:p>
           <a:p>
-            <a:pPr lvl="4"/>
+            <a:pPr lvl="4" eaLnBrk="1" latinLnBrk="0" hangingPunct="1"/>
             <a:r>
               <a:rPr lang="ru-RU" smtClean="0"/>
               <a:t>Пятый уровень</a:t>
             </a:r>
-            <a:endParaRPr lang="ru-RU"/>
+            <a:endParaRPr kumimoji="0" lang="en-US"/>
           </a:p>
         </p:txBody>
       </p:sp>
@@ -3581,7 +4523,7 @@
             <a:fld id="{ECADDB99-61F7-42CA-9B6E-B80570B429D3}" type="datetimeFigureOut">
               <a:rPr lang="ru-RU" smtClean="0"/>
               <a:pPr/>
-              <a:t>13.02.2012</a:t>
+              <a:t>15.02.2012</a:t>
             </a:fld>
             <a:endParaRPr lang="ru-RU"/>
           </a:p>
@@ -3641,6 +4583,11 @@
 <file path=ppt/slideLayouts/slideLayout3.xml><?xml version="1.0" encoding="utf-8"?>
 <p:sldLayout xmlns:a="http://schemas.openxmlformats.org/drawingml/2006/main" xmlns:r="http://schemas.openxmlformats.org/officeDocument/2006/relationships" xmlns:p="http://schemas.openxmlformats.org/presentationml/2006/main" type="secHead" preserve="1">
   <p:cSld name="Заголовок раздела">
+    <p:bg>
+      <p:bgRef idx="1002">
+        <a:schemeClr val="bg2"/>
+      </p:bgRef>
+    </p:bg>
     <p:spTree>
       <p:nvGrpSpPr>
         <p:cNvPr id="1" name=""/>
@@ -3667,23 +4614,61 @@
         </p:nvSpPr>
         <p:spPr>
           <a:xfrm>
-            <a:off x="722313" y="4406900"/>
-            <a:ext cx="7772400" cy="1362075"/>
+            <a:off x="530352" y="1316736"/>
+            <a:ext cx="7772400" cy="1362456"/>
           </a:xfrm>
+          <a:ln>
+            <a:noFill/>
+          </a:ln>
         </p:spPr>
         <p:txBody>
-          <a:bodyPr anchor="t"/>
+          <a:bodyPr vert="horz" tIns="0" bIns="0" anchor="b">
+            <a:noAutofit/>
+            <a:scene3d>
+              <a:camera prst="orthographicFront"/>
+              <a:lightRig rig="freezing" dir="t">
+                <a:rot lat="0" lon="0" rev="5640000"/>
+              </a:lightRig>
+            </a:scene3d>
+            <a:sp3d prstMaterial="flat">
+              <a:bevelT w="38100" h="38100"/>
+            </a:sp3d>
+          </a:bodyPr>
           <a:lstStyle>
-            <a:lvl1pPr algn="l">
-              <a:defRPr sz="4000" b="1" cap="all"/>
+            <a:lvl1pPr algn="l" rtl="0">
+              <a:spcBef>
+                <a:spcPct val="0"/>
+              </a:spcBef>
+              <a:buNone/>
+              <a:defRPr lang="en-US" sz="5600" b="1" cap="none" baseline="0" dirty="0">
+                <a:ln w="635">
+                  <a:noFill/>
+                </a:ln>
+                <a:solidFill>
+                  <a:schemeClr val="accent4">
+                    <a:tint val="90000"/>
+                    <a:satMod val="125000"/>
+                  </a:schemeClr>
+                </a:solidFill>
+                <a:effectLst>
+                  <a:outerShdw blurRad="38100" dist="25400" dir="5400000" algn="tl" rotWithShape="0">
+                    <a:srgbClr val="000000">
+                      <a:alpha val="43000"/>
+                    </a:srgbClr>
+                  </a:outerShdw>
+                </a:effectLst>
+                <a:latin typeface="+mj-lt"/>
+                <a:ea typeface="+mj-ea"/>
+                <a:cs typeface="+mj-cs"/>
+              </a:defRPr>
             </a:lvl1pPr>
           </a:lstStyle>
           <a:p>
             <a:r>
-              <a:rPr lang="ru-RU" smtClean="0"/>
+              <a:rPr kumimoji="0" lang="ru-RU" smtClean="0"/>
               <a:t>Образец заголовка</a:t>
             </a:r>
-            <a:endParaRPr lang="ru-RU"/>
+            <a:endParaRPr kumimoji="0" lang="en-US"/>
           </a:p>
         </p:txBody>
       </p:sp>
@@ -3699,24 +4684,22 @@
         </p:nvSpPr>
         <p:spPr>
           <a:xfrm>
-            <a:off x="722313" y="2906713"/>
-            <a:ext cx="7772400" cy="1500187"/>
+            <a:off x="530352" y="2704664"/>
+            <a:ext cx="7772400" cy="1509712"/>
           </a:xfrm>
         </p:spPr>
         <p:txBody>
-          <a:bodyPr anchor="b"/>
+          <a:bodyPr lIns="45720" rIns="45720" anchor="t"/>
           <a:lstStyle>
             <a:lvl1pPr marL="0" indent="0">
               <a:buNone/>
-              <a:defRPr sz="2000">
+              <a:defRPr sz="2200">
                 <a:solidFill>
-                  <a:schemeClr val="tx1">
-                    <a:tint val="75000"/>
-                  </a:schemeClr>
+                  <a:schemeClr val="tx1"/>
                 </a:solidFill>
               </a:defRPr>
             </a:lvl1pPr>
-            <a:lvl2pPr marL="457200" indent="0">
+            <a:lvl2pPr>
               <a:buNone/>
               <a:defRPr sz="1800">
                 <a:solidFill>
@@ -3726,7 +4709,7 @@
                 </a:solidFill>
               </a:defRPr>
             </a:lvl2pPr>
-            <a:lvl3pPr marL="914400" indent="0">
+            <a:lvl3pPr>
               <a:buNone/>
               <a:defRPr sz="1600">
                 <a:solidFill>
@@ -3736,7 +4719,7 @@
                 </a:solidFill>
               </a:defRPr>
             </a:lvl3pPr>
-            <a:lvl4pPr marL="1371600" indent="0">
+            <a:lvl4pPr>
               <a:buNone/>
               <a:defRPr sz="1400">
                 <a:solidFill>
@@ -3746,7 +4729,7 @@
                 </a:solidFill>
               </a:defRPr>
             </a:lvl4pPr>
-            <a:lvl5pPr marL="1828800" indent="0">
+            <a:lvl5pPr>
               <a:buNone/>
               <a:defRPr sz="1400">
                 <a:solidFill>
@@ -3756,51 +4739,11 @@
                 </a:solidFill>
               </a:defRPr>
             </a:lvl5pPr>
-            <a:lvl6pPr marL="2286000" indent="0">
-              <a:buNone/>
-              <a:defRPr sz="1400">
-                <a:solidFill>
-                  <a:schemeClr val="tx1">
-                    <a:tint val="75000"/>
-                  </a:schemeClr>
-                </a:solidFill>
-              </a:defRPr>
-            </a:lvl6pPr>
-            <a:lvl7pPr marL="2743200" indent="0">
-              <a:buNone/>
-              <a:defRPr sz="1400">
-                <a:solidFill>
-                  <a:schemeClr val="tx1">
-                    <a:tint val="75000"/>
-                  </a:schemeClr>
-                </a:solidFill>
-              </a:defRPr>
-            </a:lvl7pPr>
-            <a:lvl8pPr marL="3200400" indent="0">
-              <a:buNone/>
-              <a:defRPr sz="1400">
-                <a:solidFill>
-                  <a:schemeClr val="tx1">
-                    <a:tint val="75000"/>
-                  </a:schemeClr>
-                </a:solidFill>
-              </a:defRPr>
-            </a:lvl8pPr>
-            <a:lvl9pPr marL="3657600" indent="0">
-              <a:buNone/>
-              <a:defRPr sz="1400">
-                <a:solidFill>
-                  <a:schemeClr val="tx1">
-                    <a:tint val="75000"/>
-                  </a:schemeClr>
-                </a:solidFill>
-              </a:defRPr>
-            </a:lvl9pPr>
           </a:lstStyle>
           <a:p>
-            <a:pPr lvl="0"/>
-            <a:r>
-              <a:rPr lang="ru-RU" smtClean="0"/>
+            <a:pPr lvl="0" eaLnBrk="1" latinLnBrk="0" hangingPunct="1"/>
+            <a:r>
+              <a:rPr kumimoji="0" lang="ru-RU" smtClean="0"/>
               <a:t>Образец текста</a:t>
             </a:r>
           </a:p>
@@ -3824,7 +4767,7 @@
             <a:fld id="{ECADDB99-61F7-42CA-9B6E-B80570B429D3}" type="datetimeFigureOut">
               <a:rPr lang="ru-RU" smtClean="0"/>
               <a:pPr/>
-              <a:t>13.02.2012</a:t>
+              <a:t>15.02.2012</a:t>
             </a:fld>
             <a:endParaRPr lang="ru-RU"/>
           </a:p>
@@ -3876,7 +4819,7 @@
     </p:spTree>
   </p:cSld>
   <p:clrMapOvr>
-    <a:masterClrMapping/>
+    <a:overrideClrMapping bg1="dk1" tx1="lt1" bg2="dk2" tx2="lt2" accent1="accent1" accent2="accent2" accent3="accent3" accent4="accent4" accent5="accent5" accent6="accent6" hlink="hlink" folHlink="folHlink"/>
   </p:clrMapOvr>
 </p:sldLayout>
 </file>
@@ -3908,16 +4851,21 @@
             <p:ph type="title"/>
           </p:nvPr>
         </p:nvSpPr>
-        <p:spPr/>
+        <p:spPr>
+          <a:xfrm>
+            <a:off x="457200" y="704088"/>
+            <a:ext cx="8229600" cy="1143000"/>
+          </a:xfrm>
+        </p:spPr>
         <p:txBody>
           <a:bodyPr/>
           <a:lstStyle/>
           <a:p>
             <a:r>
-              <a:rPr lang="ru-RU" smtClean="0"/>
+              <a:rPr kumimoji="0" lang="ru-RU" smtClean="0"/>
               <a:t>Образец заголовка</a:t>
             </a:r>
-            <a:endParaRPr lang="ru-RU"/>
+            <a:endParaRPr kumimoji="0" lang="en-US"/>
           </a:p>
         </p:txBody>
       </p:sp>
@@ -3933,15 +4881,15 @@
         </p:nvSpPr>
         <p:spPr>
           <a:xfrm>
-            <a:off x="457200" y="1600200"/>
-            <a:ext cx="4038600" cy="4525963"/>
+            <a:off x="457200" y="1920085"/>
+            <a:ext cx="4038600" cy="4434840"/>
           </a:xfrm>
         </p:spPr>
         <p:txBody>
           <a:bodyPr/>
           <a:lstStyle>
             <a:lvl1pPr>
-              <a:defRPr sz="2800"/>
+              <a:defRPr sz="2600"/>
             </a:lvl1pPr>
             <a:lvl2pPr>
               <a:defRPr sz="2400"/>
@@ -3955,54 +4903,42 @@
             <a:lvl5pPr>
               <a:defRPr sz="1800"/>
             </a:lvl5pPr>
-            <a:lvl6pPr>
-              <a:defRPr sz="1800"/>
-            </a:lvl6pPr>
-            <a:lvl7pPr>
-              <a:defRPr sz="1800"/>
-            </a:lvl7pPr>
-            <a:lvl8pPr>
-              <a:defRPr sz="1800"/>
-            </a:lvl8pPr>
-            <a:lvl9pPr>
-              <a:defRPr sz="1800"/>
-            </a:lvl9pPr>
           </a:lstStyle>
           <a:p>
-            <a:pPr lvl="0"/>
+            <a:pPr lvl="0" eaLnBrk="1" latinLnBrk="0" hangingPunct="1"/>
             <a:r>
               <a:rPr lang="ru-RU" smtClean="0"/>
               <a:t>Образец текста</a:t>
             </a:r>
           </a:p>
           <a:p>
-            <a:pPr lvl="1"/>
+            <a:pPr lvl="1" eaLnBrk="1" latinLnBrk="0" hangingPunct="1"/>
             <a:r>
               <a:rPr lang="ru-RU" smtClean="0"/>
               <a:t>Второй уровень</a:t>
             </a:r>
           </a:p>
           <a:p>
-            <a:pPr lvl="2"/>
+            <a:pPr lvl="2" eaLnBrk="1" latinLnBrk="0" hangingPunct="1"/>
             <a:r>
               <a:rPr lang="ru-RU" smtClean="0"/>
               <a:t>Третий уровень</a:t>
             </a:r>
           </a:p>
           <a:p>
-            <a:pPr lvl="3"/>
+            <a:pPr lvl="3" eaLnBrk="1" latinLnBrk="0" hangingPunct="1"/>
             <a:r>
               <a:rPr lang="ru-RU" smtClean="0"/>
               <a:t>Четвертый уровень</a:t>
             </a:r>
           </a:p>
           <a:p>
-            <a:pPr lvl="4"/>
+            <a:pPr lvl="4" eaLnBrk="1" latinLnBrk="0" hangingPunct="1"/>
             <a:r>
               <a:rPr lang="ru-RU" smtClean="0"/>
               <a:t>Пятый уровень</a:t>
             </a:r>
-            <a:endParaRPr lang="ru-RU"/>
+            <a:endParaRPr kumimoji="0" lang="en-US"/>
           </a:p>
         </p:txBody>
       </p:sp>
@@ -4018,15 +4954,15 @@
         </p:nvSpPr>
         <p:spPr>
           <a:xfrm>
-            <a:off x="4648200" y="1600200"/>
-            <a:ext cx="4038600" cy="4525963"/>
+            <a:off x="4648200" y="1920085"/>
+            <a:ext cx="4038600" cy="4434840"/>
           </a:xfrm>
         </p:spPr>
         <p:txBody>
           <a:bodyPr/>
           <a:lstStyle>
             <a:lvl1pPr>
-              <a:defRPr sz="2800"/>
+              <a:defRPr sz="2600"/>
             </a:lvl1pPr>
             <a:lvl2pPr>
               <a:defRPr sz="2400"/>
@@ -4040,54 +4976,42 @@
             <a:lvl5pPr>
               <a:defRPr sz="1800"/>
             </a:lvl5pPr>
-            <a:lvl6pPr>
-              <a:defRPr sz="1800"/>
-            </a:lvl6pPr>
-            <a:lvl7pPr>
-              <a:defRPr sz="1800"/>
-            </a:lvl7pPr>
-            <a:lvl8pPr>
-              <a:defRPr sz="1800"/>
-            </a:lvl8pPr>
-            <a:lvl9pPr>
-              <a:defRPr sz="1800"/>
-            </a:lvl9pPr>
           </a:lstStyle>
           <a:p>
-            <a:pPr lvl="0"/>
+            <a:pPr lvl="0" eaLnBrk="1" latinLnBrk="0" hangingPunct="1"/>
             <a:r>
               <a:rPr lang="ru-RU" smtClean="0"/>
               <a:t>Образец текста</a:t>
             </a:r>
           </a:p>
           <a:p>
-            <a:pPr lvl="1"/>
+            <a:pPr lvl="1" eaLnBrk="1" latinLnBrk="0" hangingPunct="1"/>
             <a:r>
               <a:rPr lang="ru-RU" smtClean="0"/>
               <a:t>Второй уровень</a:t>
             </a:r>
           </a:p>
           <a:p>
-            <a:pPr lvl="2"/>
+            <a:pPr lvl="2" eaLnBrk="1" latinLnBrk="0" hangingPunct="1"/>
             <a:r>
               <a:rPr lang="ru-RU" smtClean="0"/>
               <a:t>Третий уровень</a:t>
             </a:r>
           </a:p>
           <a:p>
-            <a:pPr lvl="3"/>
+            <a:pPr lvl="3" eaLnBrk="1" latinLnBrk="0" hangingPunct="1"/>
             <a:r>
               <a:rPr lang="ru-RU" smtClean="0"/>
               <a:t>Четвертый уровень</a:t>
             </a:r>
           </a:p>
           <a:p>
-            <a:pPr lvl="4"/>
+            <a:pPr lvl="4" eaLnBrk="1" latinLnBrk="0" hangingPunct="1"/>
             <a:r>
               <a:rPr lang="ru-RU" smtClean="0"/>
               <a:t>Пятый уровень</a:t>
             </a:r>
-            <a:endParaRPr lang="ru-RU"/>
+            <a:endParaRPr kumimoji="0" lang="en-US"/>
           </a:p>
         </p:txBody>
       </p:sp>
@@ -4109,7 +5033,7 @@
             <a:fld id="{ECADDB99-61F7-42CA-9B6E-B80570B429D3}" type="datetimeFigureOut">
               <a:rPr lang="ru-RU" smtClean="0"/>
               <a:pPr/>
-              <a:t>13.02.2012</a:t>
+              <a:t>15.02.2012</a:t>
             </a:fld>
             <a:endParaRPr lang="ru-RU"/>
           </a:p>
@@ -4193,9 +5117,14 @@
             <p:ph type="title"/>
           </p:nvPr>
         </p:nvSpPr>
-        <p:spPr/>
-        <p:txBody>
-          <a:bodyPr/>
+        <p:spPr>
+          <a:xfrm>
+            <a:off x="457200" y="704088"/>
+            <a:ext cx="8229600" cy="1143000"/>
+          </a:xfrm>
+        </p:spPr>
+        <p:txBody>
+          <a:bodyPr tIns="45720" anchor="b"/>
           <a:lstStyle>
             <a:lvl1pPr>
               <a:defRPr/>
@@ -4203,10 +5132,10 @@
           </a:lstStyle>
           <a:p>
             <a:r>
-              <a:rPr lang="ru-RU" smtClean="0"/>
+              <a:rPr kumimoji="0" lang="ru-RU" smtClean="0"/>
               <a:t>Образец заголовка</a:t>
             </a:r>
-            <a:endParaRPr lang="ru-RU"/>
+            <a:endParaRPr kumimoji="0" lang="en-US"/>
           </a:p>
         </p:txBody>
       </p:sp>
@@ -4222,54 +5151,45 @@
         </p:nvSpPr>
         <p:spPr>
           <a:xfrm>
-            <a:off x="457200" y="1535113"/>
-            <a:ext cx="4040188" cy="639762"/>
+            <a:off x="457200" y="1855248"/>
+            <a:ext cx="4040188" cy="659352"/>
           </a:xfrm>
         </p:spPr>
         <p:txBody>
-          <a:bodyPr anchor="b"/>
+          <a:bodyPr lIns="45720" tIns="0" rIns="45720" bIns="0" anchor="ctr">
+            <a:noAutofit/>
+          </a:bodyPr>
           <a:lstStyle>
             <a:lvl1pPr marL="0" indent="0">
               <a:buNone/>
-              <a:defRPr sz="2400" b="1"/>
+              <a:defRPr sz="2400" b="1" cap="none" baseline="0">
+                <a:solidFill>
+                  <a:schemeClr val="tx2"/>
+                </a:solidFill>
+                <a:effectLst/>
+              </a:defRPr>
             </a:lvl1pPr>
-            <a:lvl2pPr marL="457200" indent="0">
+            <a:lvl2pPr>
               <a:buNone/>
               <a:defRPr sz="2000" b="1"/>
             </a:lvl2pPr>
-            <a:lvl3pPr marL="914400" indent="0">
+            <a:lvl3pPr>
               <a:buNone/>
               <a:defRPr sz="1800" b="1"/>
             </a:lvl3pPr>
-            <a:lvl4pPr marL="1371600" indent="0">
+            <a:lvl4pPr>
               <a:buNone/>
               <a:defRPr sz="1600" b="1"/>
             </a:lvl4pPr>
-            <a:lvl5pPr marL="1828800" indent="0">
+            <a:lvl5pPr>
               <a:buNone/>
               <a:defRPr sz="1600" b="1"/>
             </a:lvl5pPr>
-            <a:lvl6pPr marL="2286000" indent="0">
-              <a:buNone/>
-              <a:defRPr sz="1600" b="1"/>
-            </a:lvl6pPr>
-            <a:lvl7pPr marL="2743200" indent="0">
-              <a:buNone/>
-              <a:defRPr sz="1600" b="1"/>
-            </a:lvl7pPr>
-            <a:lvl8pPr marL="3200400" indent="0">
-              <a:buNone/>
-              <a:defRPr sz="1600" b="1"/>
-            </a:lvl8pPr>
-            <a:lvl9pPr marL="3657600" indent="0">
-              <a:buNone/>
-              <a:defRPr sz="1600" b="1"/>
-            </a:lvl9pPr>
           </a:lstStyle>
           <a:p>
-            <a:pPr lvl="0"/>
-            <a:r>
-              <a:rPr lang="ru-RU" smtClean="0"/>
+            <a:pPr lvl="0" eaLnBrk="1" latinLnBrk="0" hangingPunct="1"/>
+            <a:r>
+              <a:rPr kumimoji="0" lang="ru-RU" smtClean="0"/>
               <a:t>Образец текста</a:t>
             </a:r>
           </a:p>
@@ -4277,25 +5197,79 @@
       </p:sp>
       <p:sp>
         <p:nvSpPr>
-          <p:cNvPr id="4" name="Содержимое 3"/>
+          <p:cNvPr id="4" name="Текст 3"/>
           <p:cNvSpPr>
             <a:spLocks noGrp="1"/>
           </p:cNvSpPr>
           <p:nvPr>
-            <p:ph sz="half" idx="2"/>
+            <p:ph type="body" sz="half" idx="3"/>
           </p:nvPr>
         </p:nvSpPr>
         <p:spPr>
           <a:xfrm>
-            <a:off x="457200" y="2174875"/>
-            <a:ext cx="4040188" cy="3951288"/>
+            <a:off x="4645025" y="1859757"/>
+            <a:ext cx="4041775" cy="654843"/>
           </a:xfrm>
         </p:spPr>
         <p:txBody>
-          <a:bodyPr/>
+          <a:bodyPr lIns="45720" tIns="0" rIns="45720" bIns="0" anchor="ctr"/>
+          <a:lstStyle>
+            <a:lvl1pPr marL="0" indent="0">
+              <a:buNone/>
+              <a:defRPr sz="2400" b="1" cap="none" baseline="0">
+                <a:solidFill>
+                  <a:schemeClr val="tx2"/>
+                </a:solidFill>
+                <a:effectLst/>
+              </a:defRPr>
+            </a:lvl1pPr>
+            <a:lvl2pPr>
+              <a:buNone/>
+              <a:defRPr sz="2000" b="1"/>
+            </a:lvl2pPr>
+            <a:lvl3pPr>
+              <a:buNone/>
+              <a:defRPr sz="1800" b="1"/>
+            </a:lvl3pPr>
+            <a:lvl4pPr>
+              <a:buNone/>
+              <a:defRPr sz="1600" b="1"/>
+            </a:lvl4pPr>
+            <a:lvl5pPr>
+              <a:buNone/>
+              <a:defRPr sz="1600" b="1"/>
+            </a:lvl5pPr>
+          </a:lstStyle>
+          <a:p>
+            <a:pPr lvl="0" eaLnBrk="1" latinLnBrk="0" hangingPunct="1"/>
+            <a:r>
+              <a:rPr kumimoji="0" lang="ru-RU" smtClean="0"/>
+              <a:t>Образец текста</a:t>
+            </a:r>
+          </a:p>
+        </p:txBody>
+      </p:sp>
+      <p:sp>
+        <p:nvSpPr>
+          <p:cNvPr id="5" name="Содержимое 4"/>
+          <p:cNvSpPr>
+            <a:spLocks noGrp="1"/>
+          </p:cNvSpPr>
+          <p:nvPr>
+            <p:ph sz="quarter" idx="2"/>
+          </p:nvPr>
+        </p:nvSpPr>
+        <p:spPr>
+          <a:xfrm>
+            <a:off x="457200" y="2514600"/>
+            <a:ext cx="4040188" cy="3845720"/>
+          </a:xfrm>
+        </p:spPr>
+        <p:txBody>
+          <a:bodyPr tIns="0"/>
           <a:lstStyle>
             <a:lvl1pPr>
-              <a:defRPr sz="2400"/>
+              <a:defRPr sz="2200"/>
             </a:lvl1pPr>
             <a:lvl2pPr>
               <a:defRPr sz="2000"/>
@@ -4309,119 +5283,42 @@
             <a:lvl5pPr>
               <a:defRPr sz="1600"/>
             </a:lvl5pPr>
-            <a:lvl6pPr>
-              <a:defRPr sz="1600"/>
-            </a:lvl6pPr>
-            <a:lvl7pPr>
-              <a:defRPr sz="1600"/>
-            </a:lvl7pPr>
-            <a:lvl8pPr>
-              <a:defRPr sz="1600"/>
-            </a:lvl8pPr>
-            <a:lvl9pPr>
-              <a:defRPr sz="1600"/>
-            </a:lvl9pPr>
           </a:lstStyle>
           <a:p>
-            <a:pPr lvl="0"/>
+            <a:pPr lvl="0" eaLnBrk="1" latinLnBrk="0" hangingPunct="1"/>
             <a:r>
               <a:rPr lang="ru-RU" smtClean="0"/>
               <a:t>Образец текста</a:t>
             </a:r>
           </a:p>
           <a:p>
-            <a:pPr lvl="1"/>
+            <a:pPr lvl="1" eaLnBrk="1" latinLnBrk="0" hangingPunct="1"/>
             <a:r>
               <a:rPr lang="ru-RU" smtClean="0"/>
               <a:t>Второй уровень</a:t>
             </a:r>
           </a:p>
           <a:p>
-            <a:pPr lvl="2"/>
+            <a:pPr lvl="2" eaLnBrk="1" latinLnBrk="0" hangingPunct="1"/>
             <a:r>
               <a:rPr lang="ru-RU" smtClean="0"/>
               <a:t>Третий уровень</a:t>
             </a:r>
           </a:p>
           <a:p>
-            <a:pPr lvl="3"/>
+            <a:pPr lvl="3" eaLnBrk="1" latinLnBrk="0" hangingPunct="1"/>
             <a:r>
               <a:rPr lang="ru-RU" smtClean="0"/>
               <a:t>Четвертый уровень</a:t>
             </a:r>
           </a:p>
           <a:p>
-            <a:pPr lvl="4"/>
+            <a:pPr lvl="4" eaLnBrk="1" latinLnBrk="0" hangingPunct="1"/>
             <a:r>
               <a:rPr lang="ru-RU" smtClean="0"/>
               <a:t>Пятый уровень</a:t>
             </a:r>
-            <a:endParaRPr lang="ru-RU"/>
-          </a:p>
-        </p:txBody>
-      </p:sp>
-      <p:sp>
-        <p:nvSpPr>
-          <p:cNvPr id="5" name="Текст 4"/>
-          <p:cNvSpPr>
-            <a:spLocks noGrp="1"/>
-          </p:cNvSpPr>
-          <p:nvPr>
-            <p:ph type="body" sz="quarter" idx="3"/>
-          </p:nvPr>
-        </p:nvSpPr>
-        <p:spPr>
-          <a:xfrm>
-            <a:off x="4645025" y="1535113"/>
-            <a:ext cx="4041775" cy="639762"/>
-          </a:xfrm>
-        </p:spPr>
-        <p:txBody>
-          <a:bodyPr anchor="b"/>
-          <a:lstStyle>
-            <a:lvl1pPr marL="0" indent="0">
-              <a:buNone/>
-              <a:defRPr sz="2400" b="1"/>
-            </a:lvl1pPr>
-            <a:lvl2pPr marL="457200" indent="0">
-              <a:buNone/>
-              <a:defRPr sz="2000" b="1"/>
-            </a:lvl2pPr>
-            <a:lvl3pPr marL="914400" indent="0">
-              <a:buNone/>
-              <a:defRPr sz="1800" b="1"/>
-            </a:lvl3pPr>
-            <a:lvl4pPr marL="1371600" indent="0">
-              <a:buNone/>
-              <a:defRPr sz="1600" b="1"/>
-            </a:lvl4pPr>
-            <a:lvl5pPr marL="1828800" indent="0">
-              <a:buNone/>
-              <a:defRPr sz="1600" b="1"/>
-            </a:lvl5pPr>
-            <a:lvl6pPr marL="2286000" indent="0">
-              <a:buNone/>
-              <a:defRPr sz="1600" b="1"/>
-            </a:lvl6pPr>
-            <a:lvl7pPr marL="2743200" indent="0">
-              <a:buNone/>
-              <a:defRPr sz="1600" b="1"/>
-            </a:lvl7pPr>
-            <a:lvl8pPr marL="3200400" indent="0">
-              <a:buNone/>
-              <a:defRPr sz="1600" b="1"/>
-            </a:lvl8pPr>
-            <a:lvl9pPr marL="3657600" indent="0">
-              <a:buNone/>
-              <a:defRPr sz="1600" b="1"/>
-            </a:lvl9pPr>
-          </a:lstStyle>
-          <a:p>
-            <a:pPr lvl="0"/>
-            <a:r>
-              <a:rPr lang="ru-RU" smtClean="0"/>
-              <a:t>Образец текста</a:t>
-            </a:r>
+            <a:endParaRPr kumimoji="0" lang="en-US"/>
           </a:p>
         </p:txBody>
       </p:sp>
@@ -4437,15 +5334,15 @@
         </p:nvSpPr>
         <p:spPr>
           <a:xfrm>
-            <a:off x="4645025" y="2174875"/>
-            <a:ext cx="4041775" cy="3951288"/>
+            <a:off x="4645025" y="2514600"/>
+            <a:ext cx="4041775" cy="3845720"/>
           </a:xfrm>
         </p:spPr>
         <p:txBody>
-          <a:bodyPr/>
+          <a:bodyPr tIns="0"/>
           <a:lstStyle>
             <a:lvl1pPr>
-              <a:defRPr sz="2400"/>
+              <a:defRPr sz="2200"/>
             </a:lvl1pPr>
             <a:lvl2pPr>
               <a:defRPr sz="2000"/>
@@ -4459,54 +5356,42 @@
             <a:lvl5pPr>
               <a:defRPr sz="1600"/>
             </a:lvl5pPr>
-            <a:lvl6pPr>
-              <a:defRPr sz="1600"/>
-            </a:lvl6pPr>
-            <a:lvl7pPr>
-              <a:defRPr sz="1600"/>
-            </a:lvl7pPr>
-            <a:lvl8pPr>
-              <a:defRPr sz="1600"/>
-            </a:lvl8pPr>
-            <a:lvl9pPr>
-              <a:defRPr sz="1600"/>
-            </a:lvl9pPr>
           </a:lstStyle>
           <a:p>
-            <a:pPr lvl="0"/>
+            <a:pPr lvl="0" eaLnBrk="1" latinLnBrk="0" hangingPunct="1"/>
             <a:r>
               <a:rPr lang="ru-RU" smtClean="0"/>
               <a:t>Образец текста</a:t>
             </a:r>
           </a:p>
           <a:p>
-            <a:pPr lvl="1"/>
+            <a:pPr lvl="1" eaLnBrk="1" latinLnBrk="0" hangingPunct="1"/>
             <a:r>
               <a:rPr lang="ru-RU" smtClean="0"/>
               <a:t>Второй уровень</a:t>
             </a:r>
           </a:p>
           <a:p>
-            <a:pPr lvl="2"/>
+            <a:pPr lvl="2" eaLnBrk="1" latinLnBrk="0" hangingPunct="1"/>
             <a:r>
               <a:rPr lang="ru-RU" smtClean="0"/>
               <a:t>Третий уровень</a:t>
             </a:r>
           </a:p>
           <a:p>
-            <a:pPr lvl="3"/>
+            <a:pPr lvl="3" eaLnBrk="1" latinLnBrk="0" hangingPunct="1"/>
             <a:r>
               <a:rPr lang="ru-RU" smtClean="0"/>
               <a:t>Четвертый уровень</a:t>
             </a:r>
           </a:p>
           <a:p>
-            <a:pPr lvl="4"/>
+            <a:pPr lvl="4" eaLnBrk="1" latinLnBrk="0" hangingPunct="1"/>
             <a:r>
               <a:rPr lang="ru-RU" smtClean="0"/>
               <a:t>Пятый уровень</a:t>
             </a:r>
-            <a:endParaRPr lang="ru-RU"/>
+            <a:endParaRPr kumimoji="0" lang="en-US"/>
           </a:p>
         </p:txBody>
       </p:sp>
@@ -4528,7 +5413,7 @@
             <a:fld id="{ECADDB99-61F7-42CA-9B6E-B80570B429D3}" type="datetimeFigureOut">
               <a:rPr lang="ru-RU" smtClean="0"/>
               <a:pPr/>
-              <a:t>13.02.2012</a:t>
+              <a:t>15.02.2012</a:t>
             </a:fld>
             <a:endParaRPr lang="ru-RU"/>
           </a:p>
@@ -4612,16 +5497,53 @@
             <p:ph type="title"/>
           </p:nvPr>
         </p:nvSpPr>
-        <p:spPr/>
-        <p:txBody>
-          <a:bodyPr/>
-          <a:lstStyle/>
-          <a:p>
-            <a:r>
-              <a:rPr lang="ru-RU" smtClean="0"/>
+        <p:spPr>
+          <a:xfrm>
+            <a:off x="457200" y="704088"/>
+            <a:ext cx="8305800" cy="1143000"/>
+          </a:xfrm>
+        </p:spPr>
+        <p:txBody>
+          <a:bodyPr vert="horz" tIns="45720" bIns="0" anchor="b">
+            <a:normAutofit/>
+            <a:scene3d>
+              <a:camera prst="orthographicFront"/>
+              <a:lightRig rig="freezing" dir="t">
+                <a:rot lat="0" lon="0" rev="5640000"/>
+              </a:lightRig>
+            </a:scene3d>
+            <a:sp3d prstMaterial="flat">
+              <a:contourClr>
+                <a:schemeClr val="tx2"/>
+              </a:contourClr>
+            </a:sp3d>
+          </a:bodyPr>
+          <a:lstStyle>
+            <a:lvl1pPr algn="l" rtl="0">
+              <a:spcBef>
+                <a:spcPct val="0"/>
+              </a:spcBef>
+              <a:buNone/>
+              <a:defRPr sz="5000" b="0">
+                <a:ln>
+                  <a:noFill/>
+                </a:ln>
+                <a:solidFill>
+                  <a:schemeClr val="tx2"/>
+                </a:solidFill>
+                <a:effectLst/>
+                <a:latin typeface="+mj-lt"/>
+                <a:ea typeface="+mj-ea"/>
+                <a:cs typeface="+mj-cs"/>
+              </a:defRPr>
+            </a:lvl1pPr>
+          </a:lstStyle>
+          <a:p>
+            <a:r>
+              <a:rPr kumimoji="0" lang="ru-RU" smtClean="0"/>
               <a:t>Образец заголовка</a:t>
             </a:r>
-            <a:endParaRPr lang="ru-RU"/>
+            <a:endParaRPr kumimoji="0" lang="en-US"/>
           </a:p>
         </p:txBody>
       </p:sp>
@@ -4643,7 +5565,7 @@
             <a:fld id="{ECADDB99-61F7-42CA-9B6E-B80570B429D3}" type="datetimeFigureOut">
               <a:rPr lang="ru-RU" smtClean="0"/>
               <a:pPr/>
-              <a:t>13.02.2012</a:t>
+              <a:t>15.02.2012</a:t>
             </a:fld>
             <a:endParaRPr lang="ru-RU"/>
           </a:p>
@@ -4735,7 +5657,7 @@
             <a:fld id="{ECADDB99-61F7-42CA-9B6E-B80570B429D3}" type="datetimeFigureOut">
               <a:rPr lang="ru-RU" smtClean="0"/>
               <a:pPr/>
-              <a:t>13.02.2012</a:t>
+              <a:t>15.02.2012</a:t>
             </a:fld>
             <a:endParaRPr lang="ru-RU"/>
           </a:p>
@@ -4821,50 +5743,116 @@
         </p:nvSpPr>
         <p:spPr>
           <a:xfrm>
-            <a:off x="457200" y="273050"/>
-            <a:ext cx="3008313" cy="1162050"/>
+            <a:off x="685800" y="514352"/>
+            <a:ext cx="2743200" cy="1162050"/>
           </a:xfrm>
         </p:spPr>
         <p:txBody>
-          <a:bodyPr anchor="b"/>
+          <a:bodyPr lIns="0" anchor="b">
+            <a:noAutofit/>
+          </a:bodyPr>
           <a:lstStyle>
-            <a:lvl1pPr algn="l">
-              <a:defRPr sz="2000" b="1"/>
+            <a:lvl1pPr algn="l" rtl="0">
+              <a:spcBef>
+                <a:spcPct val="0"/>
+              </a:spcBef>
+              <a:buNone/>
+              <a:defRPr sz="2600" b="0">
+                <a:ln>
+                  <a:noFill/>
+                </a:ln>
+                <a:solidFill>
+                  <a:schemeClr val="tx2"/>
+                </a:solidFill>
+                <a:effectLst/>
+                <a:latin typeface="+mj-lt"/>
+                <a:ea typeface="+mj-ea"/>
+                <a:cs typeface="+mj-cs"/>
+              </a:defRPr>
             </a:lvl1pPr>
           </a:lstStyle>
           <a:p>
             <a:r>
-              <a:rPr lang="ru-RU" smtClean="0"/>
+              <a:rPr kumimoji="0" lang="ru-RU" smtClean="0"/>
               <a:t>Образец заголовка</a:t>
             </a:r>
-            <a:endParaRPr lang="ru-RU"/>
-          </a:p>
-        </p:txBody>
-      </p:sp>
-      <p:sp>
-        <p:nvSpPr>
-          <p:cNvPr id="3" name="Содержимое 2"/>
+            <a:endParaRPr kumimoji="0" lang="en-US"/>
+          </a:p>
+        </p:txBody>
+      </p:sp>
+      <p:sp>
+        <p:nvSpPr>
+          <p:cNvPr id="3" name="Текст 2"/>
           <p:cNvSpPr>
             <a:spLocks noGrp="1"/>
           </p:cNvSpPr>
           <p:nvPr>
-            <p:ph idx="1"/>
+            <p:ph type="body" idx="2"/>
           </p:nvPr>
         </p:nvSpPr>
         <p:spPr>
           <a:xfrm>
-            <a:off x="3575050" y="273050"/>
-            <a:ext cx="5111750" cy="5853113"/>
+            <a:off x="685800" y="1676400"/>
+            <a:ext cx="2743200" cy="4572000"/>
           </a:xfrm>
         </p:spPr>
         <p:txBody>
-          <a:bodyPr/>
+          <a:bodyPr lIns="18288" rIns="18288"/>
+          <a:lstStyle>
+            <a:lvl1pPr marL="0" indent="0" algn="l">
+              <a:buNone/>
+              <a:defRPr sz="1400"/>
+            </a:lvl1pPr>
+            <a:lvl2pPr indent="0" algn="l">
+              <a:buNone/>
+              <a:defRPr sz="1200"/>
+            </a:lvl2pPr>
+            <a:lvl3pPr indent="0" algn="l">
+              <a:buNone/>
+              <a:defRPr sz="1000"/>
+            </a:lvl3pPr>
+            <a:lvl4pPr indent="0" algn="l">
+              <a:buNone/>
+              <a:defRPr sz="900"/>
+            </a:lvl4pPr>
+            <a:lvl5pPr indent="0" algn="l">
+              <a:buNone/>
+              <a:defRPr sz="900"/>
+            </a:lvl5pPr>
+          </a:lstStyle>
+          <a:p>
+            <a:pPr lvl="0" eaLnBrk="1" latinLnBrk="0" hangingPunct="1"/>
+            <a:r>
+              <a:rPr kumimoji="0" lang="ru-RU" smtClean="0"/>
+              <a:t>Образец текста</a:t>
+            </a:r>
+          </a:p>
+        </p:txBody>
+      </p:sp>
+      <p:sp>
+        <p:nvSpPr>
+          <p:cNvPr id="4" name="Содержимое 3"/>
+          <p:cNvSpPr>
+            <a:spLocks noGrp="1"/>
+          </p:cNvSpPr>
+          <p:nvPr>
+            <p:ph sz="half" idx="1"/>
+          </p:nvPr>
+        </p:nvSpPr>
+        <p:spPr>
+          <a:xfrm>
+            <a:off x="3575050" y="1676400"/>
+            <a:ext cx="5111750" cy="4572000"/>
+          </a:xfrm>
+        </p:spPr>
+        <p:txBody>
+          <a:bodyPr tIns="0"/>
           <a:lstStyle>
             <a:lvl1pPr>
-              <a:defRPr sz="3200"/>
+              <a:defRPr sz="2800"/>
             </a:lvl1pPr>
             <a:lvl2pPr>
-              <a:defRPr sz="2800"/>
+              <a:defRPr sz="2600"/>
             </a:lvl2pPr>
             <a:lvl3pPr>
               <a:defRPr sz="2400"/>
@@ -4873,121 +5861,44 @@
               <a:defRPr sz="2000"/>
             </a:lvl4pPr>
             <a:lvl5pPr>
-              <a:defRPr sz="2000"/>
+              <a:defRPr sz="1800"/>
             </a:lvl5pPr>
-            <a:lvl6pPr>
-              <a:defRPr sz="2000"/>
-            </a:lvl6pPr>
-            <a:lvl7pPr>
-              <a:defRPr sz="2000"/>
-            </a:lvl7pPr>
-            <a:lvl8pPr>
-              <a:defRPr sz="2000"/>
-            </a:lvl8pPr>
-            <a:lvl9pPr>
-              <a:defRPr sz="2000"/>
-            </a:lvl9pPr>
           </a:lstStyle>
           <a:p>
-            <a:pPr lvl="0"/>
+            <a:pPr lvl="0" eaLnBrk="1" latinLnBrk="0" hangingPunct="1"/>
             <a:r>
               <a:rPr lang="ru-RU" smtClean="0"/>
               <a:t>Образец текста</a:t>
             </a:r>
           </a:p>
           <a:p>
-            <a:pPr lvl="1"/>
+            <a:pPr lvl="1" eaLnBrk="1" latinLnBrk="0" hangingPunct="1"/>
             <a:r>
               <a:rPr lang="ru-RU" smtClean="0"/>
               <a:t>Второй уровень</a:t>
             </a:r>
           </a:p>
           <a:p>
-            <a:pPr lvl="2"/>
+            <a:pPr lvl="2" eaLnBrk="1" latinLnBrk="0" hangingPunct="1"/>
             <a:r>
               <a:rPr lang="ru-RU" smtClean="0"/>
               <a:t>Третий уровень</a:t>
             </a:r>
           </a:p>
           <a:p>
-            <a:pPr lvl="3"/>
+            <a:pPr lvl="3" eaLnBrk="1" latinLnBrk="0" hangingPunct="1"/>
             <a:r>
               <a:rPr lang="ru-RU" smtClean="0"/>
               <a:t>Четвертый уровень</a:t>
             </a:r>
           </a:p>
           <a:p>
-            <a:pPr lvl="4"/>
+            <a:pPr lvl="4" eaLnBrk="1" latinLnBrk="0" hangingPunct="1"/>
             <a:r>
               <a:rPr lang="ru-RU" smtClean="0"/>
               <a:t>Пятый уровень</a:t>
             </a:r>
-            <a:endParaRPr lang="ru-RU"/>
-          </a:p>
-        </p:txBody>
-      </p:sp>
-      <p:sp>
-        <p:nvSpPr>
-          <p:cNvPr id="4" name="Текст 3"/>
-          <p:cNvSpPr>
-            <a:spLocks noGrp="1"/>
-          </p:cNvSpPr>
-          <p:nvPr>
-            <p:ph type="body" sz="half" idx="2"/>
-          </p:nvPr>
-        </p:nvSpPr>
-        <p:spPr>
-          <a:xfrm>
-            <a:off x="457200" y="1435100"/>
-            <a:ext cx="3008313" cy="4691063"/>
-          </a:xfrm>
-        </p:spPr>
-        <p:txBody>
-          <a:bodyPr/>
-          <a:lstStyle>
-            <a:lvl1pPr marL="0" indent="0">
-              <a:buNone/>
-              <a:defRPr sz="1400"/>
-            </a:lvl1pPr>
-            <a:lvl2pPr marL="457200" indent="0">
-              <a:buNone/>
-              <a:defRPr sz="1200"/>
-            </a:lvl2pPr>
-            <a:lvl3pPr marL="914400" indent="0">
-              <a:buNone/>
-              <a:defRPr sz="1000"/>
-            </a:lvl3pPr>
-            <a:lvl4pPr marL="1371600" indent="0">
-              <a:buNone/>
-              <a:defRPr sz="900"/>
-            </a:lvl4pPr>
-            <a:lvl5pPr marL="1828800" indent="0">
-              <a:buNone/>
-              <a:defRPr sz="900"/>
-            </a:lvl5pPr>
-            <a:lvl6pPr marL="2286000" indent="0">
-              <a:buNone/>
-              <a:defRPr sz="900"/>
-            </a:lvl6pPr>
-            <a:lvl7pPr marL="2743200" indent="0">
-              <a:buNone/>
-              <a:defRPr sz="900"/>
-            </a:lvl7pPr>
-            <a:lvl8pPr marL="3200400" indent="0">
-              <a:buNone/>
-              <a:defRPr sz="900"/>
-            </a:lvl8pPr>
-            <a:lvl9pPr marL="3657600" indent="0">
-              <a:buNone/>
-              <a:defRPr sz="900"/>
-            </a:lvl9pPr>
-          </a:lstStyle>
-          <a:p>
-            <a:pPr lvl="0"/>
-            <a:r>
-              <a:rPr lang="ru-RU" smtClean="0"/>
-              <a:t>Образец текста</a:t>
-            </a:r>
+            <a:endParaRPr kumimoji="0" lang="en-US"/>
           </a:p>
         </p:txBody>
       </p:sp>
@@ -5009,7 +5920,7 @@
             <a:fld id="{ECADDB99-61F7-42CA-9B6E-B80570B429D3}" type="datetimeFigureOut">
               <a:rPr lang="ru-RU" smtClean="0"/>
               <a:pPr/>
-              <a:t>13.02.2012</a:t>
+              <a:t>15.02.2012</a:t>
             </a:fld>
             <a:endParaRPr lang="ru-RU"/>
           </a:p>
@@ -5067,7 +5978,7 @@
 </file>
 
 <file path=ppt/slideLayouts/slideLayout9.xml><?xml version="1.0" encoding="utf-8"?>
-<p:sldLayout xmlns:a="http://schemas.openxmlformats.org/drawingml/2006/main" xmlns:r="http://schemas.openxmlformats.org/officeDocument/2006/relationships" xmlns:p="http://schemas.openxmlformats.org/presentationml/2006/main" type="picTx" preserve="1">
+<p:sldLayout xmlns:a="http://schemas.openxmlformats.org/drawingml/2006/main" xmlns:r="http://schemas.openxmlformats.org/officeDocument/2006/relationships" xmlns:p="http://schemas.openxmlformats.org/presentationml/2006/main" showMasterSp="0" type="picTx" preserve="1">
   <p:cSld name="Рисунок с подписью">
     <p:spTree>
       <p:nvGrpSpPr>
@@ -5085,6 +5996,118 @@
       </p:grpSpPr>
       <p:sp>
         <p:nvSpPr>
+          <p:cNvPr id="9" name="Прямоугольник с одним вырезанным скругленным углом 8"/>
+          <p:cNvSpPr/>
+          <p:nvPr/>
+        </p:nvSpPr>
+        <p:spPr>
+          <a:xfrm rot="420000" flipV="1">
+            <a:off x="3165753" y="1108077"/>
+            <a:ext cx="5257800" cy="4114800"/>
+          </a:xfrm>
+          <a:prstGeom prst="snipRoundRect">
+            <a:avLst>
+              <a:gd name="adj1" fmla="val 0"/>
+              <a:gd name="adj2" fmla="val 3646"/>
+            </a:avLst>
+          </a:prstGeom>
+          <a:solidFill>
+            <a:srgbClr val="FFFFFF"/>
+          </a:solidFill>
+          <a:ln w="3175" cap="rnd" cmpd="sng" algn="ctr">
+            <a:solidFill>
+              <a:srgbClr val="C0C0C0"/>
+            </a:solidFill>
+            <a:prstDash val="solid"/>
+          </a:ln>
+          <a:effectLst>
+            <a:outerShdw blurRad="63500" dist="38500" dir="7500000" sx="98500" sy="100080" kx="100000" algn="tl" rotWithShape="0">
+              <a:srgbClr val="000000">
+                <a:alpha val="25000"/>
+              </a:srgbClr>
+            </a:outerShdw>
+          </a:effectLst>
+        </p:spPr>
+        <p:style>
+          <a:lnRef idx="2">
+            <a:schemeClr val="accent1"/>
+          </a:lnRef>
+          <a:fillRef idx="1">
+            <a:schemeClr val="accent1"/>
+          </a:fillRef>
+          <a:effectRef idx="0">
+            <a:schemeClr val="accent1"/>
+          </a:effectRef>
+          <a:fontRef idx="minor">
+            <a:schemeClr val="lt1"/>
+          </a:fontRef>
+        </p:style>
+        <p:txBody>
+          <a:bodyPr rtlCol="0" anchor="ctr"/>
+          <a:lstStyle/>
+          <a:p>
+            <a:pPr algn="ctr" eaLnBrk="1" latinLnBrk="0" hangingPunct="1"/>
+            <a:endParaRPr kumimoji="0" lang="en-US"/>
+          </a:p>
+        </p:txBody>
+      </p:sp>
+      <p:sp>
+        <p:nvSpPr>
+          <p:cNvPr id="12" name="Прямоугольный треугольник 11"/>
+          <p:cNvSpPr/>
+          <p:nvPr/>
+        </p:nvSpPr>
+        <p:spPr>
+          <a:xfrm rot="420000" flipV="1">
+            <a:off x="8004134" y="5359769"/>
+            <a:ext cx="155448" cy="155448"/>
+          </a:xfrm>
+          <a:prstGeom prst="rtTriangle">
+            <a:avLst/>
+          </a:prstGeom>
+          <a:solidFill>
+            <a:srgbClr val="FFFFFF"/>
+          </a:solidFill>
+          <a:ln w="12700" cap="flat" cmpd="sng" algn="ctr">
+            <a:solidFill>
+              <a:srgbClr val="FFFFFF"/>
+            </a:solidFill>
+            <a:prstDash val="solid"/>
+            <a:bevel/>
+          </a:ln>
+          <a:effectLst>
+            <a:outerShdw blurRad="19685" dist="6350" dir="12900000" algn="tl" rotWithShape="0">
+              <a:srgbClr val="000000">
+                <a:alpha val="47000"/>
+              </a:srgbClr>
+            </a:outerShdw>
+          </a:effectLst>
+        </p:spPr>
+        <p:style>
+          <a:lnRef idx="2">
+            <a:schemeClr val="accent1"/>
+          </a:lnRef>
+          <a:fillRef idx="1">
+            <a:schemeClr val="accent1"/>
+          </a:fillRef>
+          <a:effectRef idx="0">
+            <a:schemeClr val="accent1"/>
+          </a:effectRef>
+          <a:fontRef idx="minor">
+            <a:schemeClr val="lt1"/>
+          </a:fontRef>
+        </p:style>
+        <p:txBody>
+          <a:bodyPr rtlCol="0" anchor="ctr"/>
+          <a:lstStyle/>
+          <a:p>
+            <a:pPr algn="ctr" eaLnBrk="1" latinLnBrk="0" hangingPunct="1"/>
+            <a:endParaRPr kumimoji="0" lang="en-US"/>
+          </a:p>
+        </p:txBody>
+      </p:sp>
+      <p:sp>
+        <p:nvSpPr>
           <p:cNvPr id="2" name="Заголовок 1"/>
           <p:cNvSpPr>
             <a:spLocks noGrp="1"/>
@@ -5095,22 +6118,148 @@
         </p:nvSpPr>
         <p:spPr>
           <a:xfrm>
-            <a:off x="1792288" y="4800600"/>
-            <a:ext cx="5486400" cy="566738"/>
+            <a:off x="609600" y="1176996"/>
+            <a:ext cx="2212848" cy="1582621"/>
           </a:xfrm>
         </p:spPr>
         <p:txBody>
-          <a:bodyPr anchor="b"/>
+          <a:bodyPr vert="horz" lIns="45720" tIns="45720" rIns="45720" bIns="45720" anchor="b"/>
           <a:lstStyle>
             <a:lvl1pPr algn="l">
-              <a:defRPr sz="2000" b="1"/>
+              <a:buNone/>
+              <a:defRPr sz="2000" b="1">
+                <a:solidFill>
+                  <a:schemeClr val="tx2"/>
+                </a:solidFill>
+              </a:defRPr>
             </a:lvl1pPr>
           </a:lstStyle>
           <a:p>
             <a:r>
+              <a:rPr kumimoji="0" lang="ru-RU" smtClean="0"/>
+              <a:t>Образец заголовка</a:t>
+            </a:r>
+            <a:endParaRPr kumimoji="0" lang="en-US"/>
+          </a:p>
+        </p:txBody>
+      </p:sp>
+      <p:sp>
+        <p:nvSpPr>
+          <p:cNvPr id="4" name="Текст 3"/>
+          <p:cNvSpPr>
+            <a:spLocks noGrp="1"/>
+          </p:cNvSpPr>
+          <p:nvPr>
+            <p:ph type="body" sz="half" idx="2"/>
+          </p:nvPr>
+        </p:nvSpPr>
+        <p:spPr>
+          <a:xfrm>
+            <a:off x="609600" y="2828785"/>
+            <a:ext cx="2209800" cy="2179320"/>
+          </a:xfrm>
+        </p:spPr>
+        <p:txBody>
+          <a:bodyPr lIns="64008" rIns="45720" bIns="45720" anchor="t"/>
+          <a:lstStyle>
+            <a:lvl1pPr marL="0" indent="0" algn="l">
+              <a:spcBef>
+                <a:spcPts val="250"/>
+              </a:spcBef>
+              <a:buFontTx/>
+              <a:buNone/>
+              <a:defRPr sz="1300"/>
+            </a:lvl1pPr>
+            <a:lvl2pPr>
+              <a:defRPr sz="1200"/>
+            </a:lvl2pPr>
+            <a:lvl3pPr>
+              <a:defRPr sz="1000"/>
+            </a:lvl3pPr>
+            <a:lvl4pPr>
+              <a:defRPr sz="900"/>
+            </a:lvl4pPr>
+            <a:lvl5pPr>
+              <a:defRPr sz="900"/>
+            </a:lvl5pPr>
+          </a:lstStyle>
+          <a:p>
+            <a:pPr lvl="0" eaLnBrk="1" latinLnBrk="0" hangingPunct="1"/>
+            <a:r>
+              <a:rPr kumimoji="0" lang="ru-RU" smtClean="0"/>
+              <a:t>Образец текста</a:t>
+            </a:r>
+          </a:p>
+        </p:txBody>
+      </p:sp>
+      <p:sp>
+        <p:nvSpPr>
+          <p:cNvPr id="5" name="Дата 4"/>
+          <p:cNvSpPr>
+            <a:spLocks noGrp="1"/>
+          </p:cNvSpPr>
+          <p:nvPr>
+            <p:ph type="dt" sz="half" idx="10"/>
+          </p:nvPr>
+        </p:nvSpPr>
+        <p:spPr/>
+        <p:txBody>
+          <a:bodyPr/>
+          <a:lstStyle/>
+          <a:p>
+            <a:fld id="{ECADDB99-61F7-42CA-9B6E-B80570B429D3}" type="datetimeFigureOut">
               <a:rPr lang="ru-RU" smtClean="0"/>
-              <a:t>Образец заголовка</a:t>
-            </a:r>
+              <a:pPr/>
+              <a:t>15.02.2012</a:t>
+            </a:fld>
+            <a:endParaRPr lang="ru-RU"/>
+          </a:p>
+        </p:txBody>
+      </p:sp>
+      <p:sp>
+        <p:nvSpPr>
+          <p:cNvPr id="6" name="Нижний колонтитул 5"/>
+          <p:cNvSpPr>
+            <a:spLocks noGrp="1"/>
+          </p:cNvSpPr>
+          <p:nvPr>
+            <p:ph type="ftr" sz="quarter" idx="11"/>
+          </p:nvPr>
+        </p:nvSpPr>
+        <p:spPr/>
+        <p:txBody>
+          <a:bodyPr/>
+          <a:lstStyle/>
+          <a:p>
+            <a:endParaRPr lang="ru-RU"/>
+          </a:p>
+        </p:txBody>
+      </p:sp>
+      <p:sp>
+        <p:nvSpPr>
+          <p:cNvPr id="7" name="Номер слайда 6"/>
+          <p:cNvSpPr>
+            <a:spLocks noGrp="1"/>
+          </p:cNvSpPr>
+          <p:nvPr>
+            <p:ph type="sldNum" sz="quarter" idx="12"/>
+          </p:nvPr>
+        </p:nvSpPr>
+        <p:spPr>
+          <a:xfrm>
+            <a:off x="8077200" y="6356350"/>
+            <a:ext cx="609600" cy="365125"/>
+          </a:xfrm>
+        </p:spPr>
+        <p:txBody>
+          <a:bodyPr/>
+          <a:lstStyle/>
+          <a:p>
+            <a:fld id="{C8038D24-4BEF-41CF-A752-5DC4091D1712}" type="slidenum">
+              <a:rPr lang="ru-RU" smtClean="0"/>
+              <a:pPr/>
+              <a:t>‹#›</a:t>
+            </a:fld>
             <a:endParaRPr lang="ru-RU"/>
           </a:p>
         </p:txBody>
@@ -5126,10 +6275,23 @@
           </p:nvPr>
         </p:nvSpPr>
         <p:spPr>
-          <a:xfrm>
-            <a:off x="1792288" y="612775"/>
-            <a:ext cx="5486400" cy="4114800"/>
+          <a:xfrm rot="420000">
+            <a:off x="3485793" y="1199517"/>
+            <a:ext cx="4617720" cy="3931920"/>
           </a:xfrm>
+          <a:prstGeom prst="rect">
+            <a:avLst/>
+          </a:prstGeom>
+          <a:solidFill>
+            <a:schemeClr val="bg2"/>
+          </a:solidFill>
+          <a:ln w="3000" cap="rnd">
+            <a:solidFill>
+              <a:srgbClr val="C0C0C0"/>
+            </a:solidFill>
+            <a:round/>
+          </a:ln>
+          <a:effectLst/>
         </p:spPr>
         <p:txBody>
           <a:bodyPr/>
@@ -5138,173 +6300,269 @@
               <a:buNone/>
               <a:defRPr sz="3200"/>
             </a:lvl1pPr>
-            <a:lvl2pPr marL="457200" indent="0">
-              <a:buNone/>
-              <a:defRPr sz="2800"/>
-            </a:lvl2pPr>
-            <a:lvl3pPr marL="914400" indent="0">
-              <a:buNone/>
-              <a:defRPr sz="2400"/>
-            </a:lvl3pPr>
-            <a:lvl4pPr marL="1371600" indent="0">
-              <a:buNone/>
-              <a:defRPr sz="2000"/>
-            </a:lvl4pPr>
-            <a:lvl5pPr marL="1828800" indent="0">
-              <a:buNone/>
-              <a:defRPr sz="2000"/>
-            </a:lvl5pPr>
-            <a:lvl6pPr marL="2286000" indent="0">
-              <a:buNone/>
-              <a:defRPr sz="2000"/>
-            </a:lvl6pPr>
-            <a:lvl7pPr marL="2743200" indent="0">
-              <a:buNone/>
-              <a:defRPr sz="2000"/>
-            </a:lvl7pPr>
-            <a:lvl8pPr marL="3200400" indent="0">
-              <a:buNone/>
-              <a:defRPr sz="2000"/>
-            </a:lvl8pPr>
-            <a:lvl9pPr marL="3657600" indent="0">
-              <a:buNone/>
-              <a:defRPr sz="2000"/>
-            </a:lvl9pPr>
           </a:lstStyle>
           <a:p>
-            <a:endParaRPr lang="ru-RU"/>
-          </a:p>
-        </p:txBody>
-      </p:sp>
-      <p:sp>
-        <p:nvSpPr>
-          <p:cNvPr id="4" name="Текст 3"/>
+            <a:r>
+              <a:rPr kumimoji="0" lang="ru-RU" smtClean="0"/>
+              <a:t>Вставка рисунка</a:t>
+            </a:r>
+            <a:endParaRPr kumimoji="0" lang="en-US" dirty="0"/>
+          </a:p>
+        </p:txBody>
+      </p:sp>
+      <p:sp>
+        <p:nvSpPr>
+          <p:cNvPr id="10" name="Полилиния 9"/>
           <p:cNvSpPr>
-            <a:spLocks noGrp="1"/>
+            <a:spLocks/>
           </p:cNvSpPr>
-          <p:nvPr>
-            <p:ph type="body" sz="half" idx="2"/>
-          </p:nvPr>
-        </p:nvSpPr>
-        <p:spPr>
-          <a:xfrm>
-            <a:off x="1792288" y="5367338"/>
-            <a:ext cx="5486400" cy="804862"/>
+          <p:nvPr/>
+        </p:nvSpPr>
+        <p:spPr bwMode="auto">
+          <a:xfrm flipV="1">
+            <a:off x="-9525" y="5816600"/>
+            <a:ext cx="9163050" cy="1041400"/>
           </a:xfrm>
+          <a:custGeom>
+            <a:avLst>
+              <a:gd name="A1" fmla="val 0"/>
+              <a:gd name="A2" fmla="val 0"/>
+              <a:gd name="A3" fmla="val 0"/>
+              <a:gd name="A4" fmla="val 0"/>
+              <a:gd name="A5" fmla="val 0"/>
+              <a:gd name="A6" fmla="val 0"/>
+              <a:gd name="A7" fmla="val 0"/>
+              <a:gd name="A8" fmla="val 0"/>
+            </a:avLst>
+            <a:gdLst/>
+            <a:ahLst/>
+            <a:cxnLst>
+              <a:cxn ang="0">
+                <a:pos x="6" y="2"/>
+              </a:cxn>
+              <a:cxn ang="0">
+                <a:pos x="2542" y="0"/>
+              </a:cxn>
+              <a:cxn ang="0">
+                <a:pos x="4374" y="367"/>
+              </a:cxn>
+              <a:cxn ang="0">
+                <a:pos x="5766" y="55"/>
+              </a:cxn>
+              <a:cxn ang="0">
+                <a:pos x="5772" y="213"/>
+              </a:cxn>
+              <a:cxn ang="0">
+                <a:pos x="4302" y="439"/>
+              </a:cxn>
+              <a:cxn ang="0">
+                <a:pos x="1488" y="201"/>
+              </a:cxn>
+              <a:cxn ang="0">
+                <a:pos x="0" y="656"/>
+              </a:cxn>
+              <a:cxn ang="0">
+                <a:pos x="6" y="2"/>
+              </a:cxn>
+            </a:cxnLst>
+            <a:rect l="0" t="0" r="0" b="0"/>
+            <a:pathLst>
+              <a:path w="5772" h="656">
+                <a:moveTo>
+                  <a:pt x="6" y="2"/>
+                </a:moveTo>
+                <a:lnTo>
+                  <a:pt x="2542" y="0"/>
+                </a:lnTo>
+                <a:cubicBezTo>
+                  <a:pt x="2746" y="101"/>
+                  <a:pt x="3828" y="367"/>
+                  <a:pt x="4374" y="367"/>
+                </a:cubicBezTo>
+                <a:cubicBezTo>
+                  <a:pt x="4920" y="367"/>
+                  <a:pt x="5526" y="152"/>
+                  <a:pt x="5766" y="55"/>
+                </a:cubicBezTo>
+                <a:lnTo>
+                  <a:pt x="5772" y="213"/>
+                </a:lnTo>
+                <a:cubicBezTo>
+                  <a:pt x="5670" y="257"/>
+                  <a:pt x="5016" y="441"/>
+                  <a:pt x="4302" y="439"/>
+                </a:cubicBezTo>
+                <a:cubicBezTo>
+                  <a:pt x="3588" y="437"/>
+                  <a:pt x="2205" y="165"/>
+                  <a:pt x="1488" y="201"/>
+                </a:cubicBezTo>
+                <a:cubicBezTo>
+                  <a:pt x="750" y="209"/>
+                  <a:pt x="270" y="482"/>
+                  <a:pt x="0" y="656"/>
+                </a:cubicBezTo>
+                <a:lnTo>
+                  <a:pt x="6" y="2"/>
+                </a:lnTo>
+                <a:close/>
+              </a:path>
+            </a:pathLst>
+          </a:custGeom>
+          <a:gradFill>
+            <a:gsLst>
+              <a:gs pos="0">
+                <a:schemeClr val="accent2">
+                  <a:shade val="50000"/>
+                  <a:alpha val="45000"/>
+                  <a:satMod val="120000"/>
+                </a:schemeClr>
+              </a:gs>
+              <a:gs pos="100000">
+                <a:schemeClr val="accent3">
+                  <a:shade val="80000"/>
+                  <a:alpha val="55000"/>
+                  <a:satMod val="155000"/>
+                </a:schemeClr>
+              </a:gs>
+            </a:gsLst>
+            <a:lin ang="5400000" scaled="1"/>
+          </a:gradFill>
+          <a:ln w="9525" cap="flat" cmpd="sng" algn="ctr">
+            <a:noFill/>
+            <a:prstDash val="solid"/>
+            <a:round/>
+            <a:headEnd type="none" w="med" len="med"/>
+            <a:tailEnd type="none" w="med" len="med"/>
+          </a:ln>
+          <a:effectLst/>
         </p:spPr>
         <p:txBody>
-          <a:bodyPr/>
-          <a:lstStyle>
-            <a:lvl1pPr marL="0" indent="0">
-              <a:buNone/>
-              <a:defRPr sz="1400"/>
-            </a:lvl1pPr>
-            <a:lvl2pPr marL="457200" indent="0">
-              <a:buNone/>
-              <a:defRPr sz="1200"/>
-            </a:lvl2pPr>
-            <a:lvl3pPr marL="914400" indent="0">
-              <a:buNone/>
-              <a:defRPr sz="1000"/>
-            </a:lvl3pPr>
-            <a:lvl4pPr marL="1371600" indent="0">
-              <a:buNone/>
-              <a:defRPr sz="900"/>
-            </a:lvl4pPr>
-            <a:lvl5pPr marL="1828800" indent="0">
-              <a:buNone/>
-              <a:defRPr sz="900"/>
-            </a:lvl5pPr>
-            <a:lvl6pPr marL="2286000" indent="0">
-              <a:buNone/>
-              <a:defRPr sz="900"/>
-            </a:lvl6pPr>
-            <a:lvl7pPr marL="2743200" indent="0">
-              <a:buNone/>
-              <a:defRPr sz="900"/>
-            </a:lvl7pPr>
-            <a:lvl8pPr marL="3200400" indent="0">
-              <a:buNone/>
-              <a:defRPr sz="900"/>
-            </a:lvl8pPr>
-            <a:lvl9pPr marL="3657600" indent="0">
-              <a:buNone/>
-              <a:defRPr sz="900"/>
-            </a:lvl9pPr>
-          </a:lstStyle>
-          <a:p>
-            <a:pPr lvl="0"/>
-            <a:r>
-              <a:rPr lang="ru-RU" smtClean="0"/>
-              <a:t>Образец текста</a:t>
-            </a:r>
-          </a:p>
-        </p:txBody>
-      </p:sp>
-      <p:sp>
-        <p:nvSpPr>
-          <p:cNvPr id="5" name="Дата 4"/>
+          <a:bodyPr vert="horz" wrap="square" lIns="91440" tIns="45720" rIns="91440" bIns="45720" anchor="t" compatLnSpc="1"/>
+          <a:lstStyle/>
+          <a:p>
+            <a:pPr marL="0" algn="l" rtl="0" eaLnBrk="1" latinLnBrk="0" hangingPunct="1"/>
+            <a:endParaRPr kumimoji="0" lang="en-US">
+              <a:solidFill>
+                <a:schemeClr val="tx1"/>
+              </a:solidFill>
+              <a:latin typeface="+mn-lt"/>
+              <a:ea typeface="+mn-ea"/>
+              <a:cs typeface="+mn-cs"/>
+            </a:endParaRPr>
+          </a:p>
+        </p:txBody>
+      </p:sp>
+      <p:sp>
+        <p:nvSpPr>
+          <p:cNvPr id="11" name="Полилиния 10"/>
           <p:cNvSpPr>
-            <a:spLocks noGrp="1"/>
+            <a:spLocks/>
           </p:cNvSpPr>
-          <p:nvPr>
-            <p:ph type="dt" sz="half" idx="10"/>
-          </p:nvPr>
-        </p:nvSpPr>
-        <p:spPr/>
-        <p:txBody>
-          <a:bodyPr/>
+          <p:nvPr/>
+        </p:nvSpPr>
+        <p:spPr bwMode="auto">
+          <a:xfrm flipV="1">
+            <a:off x="4381500" y="6219825"/>
+            <a:ext cx="4762500" cy="638175"/>
+          </a:xfrm>
+          <a:custGeom>
+            <a:avLst>
+              <a:gd name="A1" fmla="val 0"/>
+              <a:gd name="A2" fmla="val 0"/>
+              <a:gd name="A3" fmla="val 0"/>
+              <a:gd name="A4" fmla="val 0"/>
+              <a:gd name="A5" fmla="val 0"/>
+              <a:gd name="A6" fmla="val 0"/>
+              <a:gd name="A7" fmla="val 0"/>
+              <a:gd name="A8" fmla="val 0"/>
+            </a:avLst>
+            <a:gdLst/>
+            <a:ahLst/>
+            <a:cxnLst>
+              <a:cxn ang="0">
+                <a:pos x="0" y="0"/>
+              </a:cxn>
+              <a:cxn ang="0">
+                <a:pos x="1668" y="564"/>
+              </a:cxn>
+              <a:cxn ang="0">
+                <a:pos x="3000" y="186"/>
+              </a:cxn>
+              <a:cxn ang="0">
+                <a:pos x="3000" y="6"/>
+              </a:cxn>
+              <a:cxn ang="0">
+                <a:pos x="0" y="0"/>
+              </a:cxn>
+            </a:cxnLst>
+            <a:rect l="0" t="0" r="0" b="0"/>
+            <a:pathLst>
+              <a:path w="3000" h="595">
+                <a:moveTo>
+                  <a:pt x="0" y="0"/>
+                </a:moveTo>
+                <a:cubicBezTo>
+                  <a:pt x="174" y="102"/>
+                  <a:pt x="1168" y="533"/>
+                  <a:pt x="1668" y="564"/>
+                </a:cubicBezTo>
+                <a:cubicBezTo>
+                  <a:pt x="2168" y="595"/>
+                  <a:pt x="2778" y="279"/>
+                  <a:pt x="3000" y="186"/>
+                </a:cubicBezTo>
+                <a:lnTo>
+                  <a:pt x="3000" y="6"/>
+                </a:lnTo>
+                <a:lnTo>
+                  <a:pt x="0" y="0"/>
+                </a:lnTo>
+                <a:close/>
+              </a:path>
+            </a:pathLst>
+          </a:custGeom>
+          <a:gradFill>
+            <a:gsLst>
+              <a:gs pos="0">
+                <a:schemeClr val="accent3">
+                  <a:shade val="50000"/>
+                  <a:alpha val="30000"/>
+                  <a:satMod val="130000"/>
+                </a:schemeClr>
+              </a:gs>
+              <a:gs pos="80000">
+                <a:schemeClr val="accent2">
+                  <a:shade val="75000"/>
+                  <a:alpha val="45000"/>
+                  <a:satMod val="140000"/>
+                </a:schemeClr>
+              </a:gs>
+            </a:gsLst>
+            <a:lin ang="5400000" scaled="1"/>
+          </a:gradFill>
+          <a:ln w="9525" cap="flat" cmpd="sng" algn="ctr">
+            <a:noFill/>
+            <a:prstDash val="solid"/>
+            <a:round/>
+            <a:headEnd type="none" w="med" len="med"/>
+            <a:tailEnd type="none" w="med" len="med"/>
+          </a:ln>
+          <a:effectLst/>
+        </p:spPr>
+        <p:txBody>
+          <a:bodyPr vert="horz" wrap="square" lIns="91440" tIns="45720" rIns="91440" bIns="45720" anchor="t" compatLnSpc="1"/>
           <a:lstStyle/>
           <a:p>
-            <a:fld id="{ECADDB99-61F7-42CA-9B6E-B80570B429D3}" type="datetimeFigureOut">
-              <a:rPr lang="ru-RU" smtClean="0"/>
-              <a:pPr/>
-              <a:t>13.02.2012</a:t>
-            </a:fld>
-            <a:endParaRPr lang="ru-RU"/>
-          </a:p>
-        </p:txBody>
-      </p:sp>
-      <p:sp>
-        <p:nvSpPr>
-          <p:cNvPr id="6" name="Нижний колонтитул 5"/>
-          <p:cNvSpPr>
-            <a:spLocks noGrp="1"/>
-          </p:cNvSpPr>
-          <p:nvPr>
-            <p:ph type="ftr" sz="quarter" idx="11"/>
-          </p:nvPr>
-        </p:nvSpPr>
-        <p:spPr/>
-        <p:txBody>
-          <a:bodyPr/>
-          <a:lstStyle/>
-          <a:p>
-            <a:endParaRPr lang="ru-RU"/>
-          </a:p>
-        </p:txBody>
-      </p:sp>
-      <p:sp>
-        <p:nvSpPr>
-          <p:cNvPr id="7" name="Номер слайда 6"/>
-          <p:cNvSpPr>
-            <a:spLocks noGrp="1"/>
-          </p:cNvSpPr>
-          <p:nvPr>
-            <p:ph type="sldNum" sz="quarter" idx="12"/>
-          </p:nvPr>
-        </p:nvSpPr>
-        <p:spPr/>
-        <p:txBody>
-          <a:bodyPr/>
-          <a:lstStyle/>
-          <a:p>
-            <a:fld id="{C8038D24-4BEF-41CF-A752-5DC4091D1712}" type="slidenum">
-              <a:rPr lang="ru-RU" smtClean="0"/>
-              <a:pPr/>
-              <a:t>‹#›</a:t>
-            </a:fld>
-            <a:endParaRPr lang="ru-RU"/>
+            <a:pPr marL="0" algn="l" rtl="0" eaLnBrk="1" latinLnBrk="0" hangingPunct="1"/>
+            <a:endParaRPr kumimoji="0" lang="en-US">
+              <a:solidFill>
+                <a:schemeClr val="tx1"/>
+              </a:solidFill>
+              <a:latin typeface="+mn-lt"/>
+              <a:ea typeface="+mn-ea"/>
+              <a:cs typeface="+mn-cs"/>
+            </a:endParaRPr>
           </a:p>
         </p:txBody>
       </p:sp>
@@ -5320,7 +6578,7 @@
 <p:sldMaster xmlns:a="http://schemas.openxmlformats.org/drawingml/2006/main" xmlns:r="http://schemas.openxmlformats.org/officeDocument/2006/relationships" xmlns:p="http://schemas.openxmlformats.org/presentationml/2006/main">
   <p:cSld>
     <p:bg>
-      <p:bgRef idx="1001">
+      <p:bgRef idx="1003">
         <a:schemeClr val="bg1"/>
       </p:bgRef>
     </p:bg>
@@ -5340,7 +6598,263 @@
       </p:grpSpPr>
       <p:sp>
         <p:nvSpPr>
-          <p:cNvPr id="2" name="Заголовок 1"/>
+          <p:cNvPr id="7" name="Полилиния 6"/>
+          <p:cNvSpPr>
+            <a:spLocks/>
+          </p:cNvSpPr>
+          <p:nvPr/>
+        </p:nvSpPr>
+        <p:spPr bwMode="auto">
+          <a:xfrm>
+            <a:off x="-9525" y="-7144"/>
+            <a:ext cx="9163050" cy="1041400"/>
+          </a:xfrm>
+          <a:custGeom>
+            <a:avLst>
+              <a:gd name="A1" fmla="val 0"/>
+              <a:gd name="A2" fmla="val 0"/>
+              <a:gd name="A3" fmla="val 0"/>
+              <a:gd name="A4" fmla="val 0"/>
+              <a:gd name="A5" fmla="val 0"/>
+              <a:gd name="A6" fmla="val 0"/>
+              <a:gd name="A7" fmla="val 0"/>
+              <a:gd name="A8" fmla="val 0"/>
+            </a:avLst>
+            <a:gdLst/>
+            <a:ahLst/>
+            <a:cxnLst>
+              <a:cxn ang="0">
+                <a:pos x="6" y="2"/>
+              </a:cxn>
+              <a:cxn ang="0">
+                <a:pos x="2542" y="0"/>
+              </a:cxn>
+              <a:cxn ang="0">
+                <a:pos x="4374" y="367"/>
+              </a:cxn>
+              <a:cxn ang="0">
+                <a:pos x="5766" y="55"/>
+              </a:cxn>
+              <a:cxn ang="0">
+                <a:pos x="5772" y="213"/>
+              </a:cxn>
+              <a:cxn ang="0">
+                <a:pos x="4302" y="439"/>
+              </a:cxn>
+              <a:cxn ang="0">
+                <a:pos x="1488" y="201"/>
+              </a:cxn>
+              <a:cxn ang="0">
+                <a:pos x="0" y="656"/>
+              </a:cxn>
+              <a:cxn ang="0">
+                <a:pos x="6" y="2"/>
+              </a:cxn>
+            </a:cxnLst>
+            <a:rect l="0" t="0" r="0" b="0"/>
+            <a:pathLst>
+              <a:path w="5772" h="656">
+                <a:moveTo>
+                  <a:pt x="6" y="2"/>
+                </a:moveTo>
+                <a:lnTo>
+                  <a:pt x="2542" y="0"/>
+                </a:lnTo>
+                <a:cubicBezTo>
+                  <a:pt x="2746" y="101"/>
+                  <a:pt x="3828" y="367"/>
+                  <a:pt x="4374" y="367"/>
+                </a:cubicBezTo>
+                <a:cubicBezTo>
+                  <a:pt x="4920" y="367"/>
+                  <a:pt x="5526" y="152"/>
+                  <a:pt x="5766" y="55"/>
+                </a:cubicBezTo>
+                <a:lnTo>
+                  <a:pt x="5772" y="213"/>
+                </a:lnTo>
+                <a:cubicBezTo>
+                  <a:pt x="5670" y="257"/>
+                  <a:pt x="5016" y="441"/>
+                  <a:pt x="4302" y="439"/>
+                </a:cubicBezTo>
+                <a:cubicBezTo>
+                  <a:pt x="3588" y="437"/>
+                  <a:pt x="2205" y="165"/>
+                  <a:pt x="1488" y="201"/>
+                </a:cubicBezTo>
+                <a:cubicBezTo>
+                  <a:pt x="750" y="209"/>
+                  <a:pt x="270" y="482"/>
+                  <a:pt x="0" y="656"/>
+                </a:cubicBezTo>
+                <a:lnTo>
+                  <a:pt x="6" y="2"/>
+                </a:lnTo>
+                <a:close/>
+              </a:path>
+            </a:pathLst>
+          </a:custGeom>
+          <a:gradFill>
+            <a:gsLst>
+              <a:gs pos="0">
+                <a:schemeClr val="accent2">
+                  <a:shade val="50000"/>
+                  <a:alpha val="45000"/>
+                  <a:satMod val="120000"/>
+                </a:schemeClr>
+              </a:gs>
+              <a:gs pos="100000">
+                <a:schemeClr val="accent3">
+                  <a:shade val="80000"/>
+                  <a:alpha val="55000"/>
+                  <a:satMod val="155000"/>
+                </a:schemeClr>
+              </a:gs>
+            </a:gsLst>
+            <a:lin ang="5400000" scaled="1"/>
+          </a:gradFill>
+          <a:ln w="9525" cap="flat" cmpd="sng" algn="ctr">
+            <a:noFill/>
+            <a:prstDash val="solid"/>
+            <a:round/>
+            <a:headEnd type="none" w="med" len="med"/>
+            <a:tailEnd type="none" w="med" len="med"/>
+          </a:ln>
+          <a:effectLst/>
+        </p:spPr>
+        <p:txBody>
+          <a:bodyPr vert="horz" wrap="square" lIns="91440" tIns="45720" rIns="91440" bIns="45720" anchor="t" compatLnSpc="1"/>
+          <a:lstStyle/>
+          <a:p>
+            <a:pPr marL="0" algn="l" rtl="0" eaLnBrk="1" latinLnBrk="0" hangingPunct="1"/>
+            <a:endParaRPr kumimoji="0" lang="en-US">
+              <a:solidFill>
+                <a:schemeClr val="tx1"/>
+              </a:solidFill>
+              <a:latin typeface="+mn-lt"/>
+              <a:ea typeface="+mn-ea"/>
+              <a:cs typeface="+mn-cs"/>
+            </a:endParaRPr>
+          </a:p>
+        </p:txBody>
+      </p:sp>
+      <p:sp>
+        <p:nvSpPr>
+          <p:cNvPr id="8" name="Полилиния 7"/>
+          <p:cNvSpPr>
+            <a:spLocks/>
+          </p:cNvSpPr>
+          <p:nvPr/>
+        </p:nvSpPr>
+        <p:spPr bwMode="auto">
+          <a:xfrm>
+            <a:off x="4381500" y="-7144"/>
+            <a:ext cx="4762500" cy="638175"/>
+          </a:xfrm>
+          <a:custGeom>
+            <a:avLst>
+              <a:gd name="A1" fmla="val 0"/>
+              <a:gd name="A2" fmla="val 0"/>
+              <a:gd name="A3" fmla="val 0"/>
+              <a:gd name="A4" fmla="val 0"/>
+              <a:gd name="A5" fmla="val 0"/>
+              <a:gd name="A6" fmla="val 0"/>
+              <a:gd name="A7" fmla="val 0"/>
+              <a:gd name="A8" fmla="val 0"/>
+            </a:avLst>
+            <a:gdLst/>
+            <a:ahLst/>
+            <a:cxnLst>
+              <a:cxn ang="0">
+                <a:pos x="0" y="0"/>
+              </a:cxn>
+              <a:cxn ang="0">
+                <a:pos x="1668" y="564"/>
+              </a:cxn>
+              <a:cxn ang="0">
+                <a:pos x="3000" y="186"/>
+              </a:cxn>
+              <a:cxn ang="0">
+                <a:pos x="3000" y="6"/>
+              </a:cxn>
+              <a:cxn ang="0">
+                <a:pos x="0" y="0"/>
+              </a:cxn>
+            </a:cxnLst>
+            <a:rect l="0" t="0" r="0" b="0"/>
+            <a:pathLst>
+              <a:path w="3000" h="595">
+                <a:moveTo>
+                  <a:pt x="0" y="0"/>
+                </a:moveTo>
+                <a:cubicBezTo>
+                  <a:pt x="174" y="102"/>
+                  <a:pt x="1168" y="533"/>
+                  <a:pt x="1668" y="564"/>
+                </a:cubicBezTo>
+                <a:cubicBezTo>
+                  <a:pt x="2168" y="595"/>
+                  <a:pt x="2778" y="279"/>
+                  <a:pt x="3000" y="186"/>
+                </a:cubicBezTo>
+                <a:lnTo>
+                  <a:pt x="3000" y="6"/>
+                </a:lnTo>
+                <a:lnTo>
+                  <a:pt x="0" y="0"/>
+                </a:lnTo>
+                <a:close/>
+              </a:path>
+            </a:pathLst>
+          </a:custGeom>
+          <a:gradFill>
+            <a:gsLst>
+              <a:gs pos="0">
+                <a:schemeClr val="accent3">
+                  <a:shade val="50000"/>
+                  <a:alpha val="30000"/>
+                  <a:satMod val="130000"/>
+                </a:schemeClr>
+              </a:gs>
+              <a:gs pos="80000">
+                <a:schemeClr val="accent2">
+                  <a:shade val="75000"/>
+                  <a:alpha val="45000"/>
+                  <a:satMod val="140000"/>
+                </a:schemeClr>
+              </a:gs>
+            </a:gsLst>
+            <a:lin ang="5400000" scaled="1"/>
+          </a:gradFill>
+          <a:ln w="9525" cap="flat" cmpd="sng" algn="ctr">
+            <a:noFill/>
+            <a:prstDash val="solid"/>
+            <a:round/>
+            <a:headEnd type="none" w="med" len="med"/>
+            <a:tailEnd type="none" w="med" len="med"/>
+          </a:ln>
+          <a:effectLst/>
+        </p:spPr>
+        <p:txBody>
+          <a:bodyPr vert="horz" wrap="square" lIns="91440" tIns="45720" rIns="91440" bIns="45720" anchor="t" compatLnSpc="1"/>
+          <a:lstStyle/>
+          <a:p>
+            <a:pPr marL="0" algn="l" rtl="0" eaLnBrk="1" latinLnBrk="0" hangingPunct="1"/>
+            <a:endParaRPr kumimoji="0" lang="en-US">
+              <a:solidFill>
+                <a:schemeClr val="tx1"/>
+              </a:solidFill>
+              <a:latin typeface="+mn-lt"/>
+              <a:ea typeface="+mn-ea"/>
+              <a:cs typeface="+mn-cs"/>
+            </a:endParaRPr>
+          </a:p>
+        </p:txBody>
+      </p:sp>
+      <p:sp>
+        <p:nvSpPr>
+          <p:cNvPr id="9" name="Заголовок 8"/>
           <p:cNvSpPr>
             <a:spLocks noGrp="1"/>
           </p:cNvSpPr>
@@ -5350,7 +6864,7 @@
         </p:nvSpPr>
         <p:spPr>
           <a:xfrm>
-            <a:off x="457200" y="274638"/>
+            <a:off x="457200" y="704088"/>
             <a:ext cx="8229600" cy="1143000"/>
           </a:xfrm>
           <a:prstGeom prst="rect">
@@ -5358,22 +6872,22 @@
           </a:prstGeom>
         </p:spPr>
         <p:txBody>
-          <a:bodyPr vert="horz" lIns="91440" tIns="45720" rIns="91440" bIns="45720" rtlCol="0" anchor="ctr">
+          <a:bodyPr vert="horz" lIns="0" rIns="0" bIns="0" anchor="b">
             <a:normAutofit/>
           </a:bodyPr>
           <a:lstStyle/>
           <a:p>
             <a:r>
-              <a:rPr lang="ru-RU" smtClean="0"/>
+              <a:rPr kumimoji="0" lang="ru-RU" smtClean="0"/>
               <a:t>Образец заголовка</a:t>
             </a:r>
-            <a:endParaRPr lang="ru-RU"/>
-          </a:p>
-        </p:txBody>
-      </p:sp>
-      <p:sp>
-        <p:nvSpPr>
-          <p:cNvPr id="3" name="Текст 2"/>
+            <a:endParaRPr kumimoji="0" lang="en-US"/>
+          </a:p>
+        </p:txBody>
+      </p:sp>
+      <p:sp>
+        <p:nvSpPr>
+          <p:cNvPr id="30" name="Текст 29"/>
           <p:cNvSpPr>
             <a:spLocks noGrp="1"/>
           </p:cNvSpPr>
@@ -5383,59 +6897,59 @@
         </p:nvSpPr>
         <p:spPr>
           <a:xfrm>
-            <a:off x="457200" y="1600200"/>
-            <a:ext cx="8229600" cy="4525963"/>
+            <a:off x="457200" y="1935480"/>
+            <a:ext cx="8229600" cy="4389120"/>
           </a:xfrm>
           <a:prstGeom prst="rect">
             <a:avLst/>
           </a:prstGeom>
         </p:spPr>
         <p:txBody>
-          <a:bodyPr vert="horz" lIns="91440" tIns="45720" rIns="91440" bIns="45720" rtlCol="0">
+          <a:bodyPr vert="horz">
             <a:normAutofit/>
           </a:bodyPr>
           <a:lstStyle/>
           <a:p>
-            <a:pPr lvl="0"/>
-            <a:r>
-              <a:rPr lang="ru-RU" smtClean="0"/>
+            <a:pPr lvl="0" eaLnBrk="1" latinLnBrk="0" hangingPunct="1"/>
+            <a:r>
+              <a:rPr kumimoji="0" lang="ru-RU" smtClean="0"/>
               <a:t>Образец текста</a:t>
             </a:r>
           </a:p>
           <a:p>
-            <a:pPr lvl="1"/>
-            <a:r>
-              <a:rPr lang="ru-RU" smtClean="0"/>
+            <a:pPr lvl="1" eaLnBrk="1" latinLnBrk="0" hangingPunct="1"/>
+            <a:r>
+              <a:rPr kumimoji="0" lang="ru-RU" smtClean="0"/>
               <a:t>Второй уровень</a:t>
             </a:r>
           </a:p>
           <a:p>
-            <a:pPr lvl="2"/>
-            <a:r>
-              <a:rPr lang="ru-RU" smtClean="0"/>
+            <a:pPr lvl="2" eaLnBrk="1" latinLnBrk="0" hangingPunct="1"/>
+            <a:r>
+              <a:rPr kumimoji="0" lang="ru-RU" smtClean="0"/>
               <a:t>Третий уровень</a:t>
             </a:r>
           </a:p>
           <a:p>
-            <a:pPr lvl="3"/>
-            <a:r>
-              <a:rPr lang="ru-RU" smtClean="0"/>
+            <a:pPr lvl="3" eaLnBrk="1" latinLnBrk="0" hangingPunct="1"/>
+            <a:r>
+              <a:rPr kumimoji="0" lang="ru-RU" smtClean="0"/>
               <a:t>Четвертый уровень</a:t>
             </a:r>
           </a:p>
           <a:p>
-            <a:pPr lvl="4"/>
-            <a:r>
-              <a:rPr lang="ru-RU" smtClean="0"/>
+            <a:pPr lvl="4" eaLnBrk="1" latinLnBrk="0" hangingPunct="1"/>
+            <a:r>
+              <a:rPr kumimoji="0" lang="ru-RU" smtClean="0"/>
               <a:t>Пятый уровень</a:t>
             </a:r>
-            <a:endParaRPr lang="ru-RU"/>
-          </a:p>
-        </p:txBody>
-      </p:sp>
-      <p:sp>
-        <p:nvSpPr>
-          <p:cNvPr id="4" name="Дата 3"/>
+            <a:endParaRPr kumimoji="0" lang="en-US"/>
+          </a:p>
+        </p:txBody>
+      </p:sp>
+      <p:sp>
+        <p:nvSpPr>
+          <p:cNvPr id="10" name="Дата 9"/>
           <p:cNvSpPr>
             <a:spLocks noGrp="1"/>
           </p:cNvSpPr>
@@ -5453,13 +6967,13 @@
           </a:prstGeom>
         </p:spPr>
         <p:txBody>
-          <a:bodyPr vert="horz" lIns="91440" tIns="45720" rIns="91440" bIns="45720" rtlCol="0" anchor="ctr"/>
+          <a:bodyPr vert="horz" lIns="0" tIns="0" rIns="0" bIns="0" anchor="b"/>
           <a:lstStyle>
-            <a:lvl1pPr algn="l">
-              <a:defRPr sz="1200">
+            <a:lvl1pPr algn="l" eaLnBrk="1" latinLnBrk="0" hangingPunct="1">
+              <a:defRPr kumimoji="0" sz="1200">
                 <a:solidFill>
-                  <a:schemeClr val="tx1">
-                    <a:tint val="75000"/>
+                  <a:schemeClr val="tx2">
+                    <a:shade val="90000"/>
                   </a:schemeClr>
                 </a:solidFill>
               </a:defRPr>
@@ -5469,7 +6983,7 @@
             <a:fld id="{ECADDB99-61F7-42CA-9B6E-B80570B429D3}" type="datetimeFigureOut">
               <a:rPr lang="ru-RU" smtClean="0"/>
               <a:pPr/>
-              <a:t>13.02.2012</a:t>
+              <a:t>15.02.2012</a:t>
             </a:fld>
             <a:endParaRPr lang="ru-RU"/>
           </a:p>
@@ -5477,7 +6991,7 @@
       </p:sp>
       <p:sp>
         <p:nvSpPr>
-          <p:cNvPr id="5" name="Нижний колонтитул 4"/>
+          <p:cNvPr id="22" name="Нижний колонтитул 21"/>
           <p:cNvSpPr>
             <a:spLocks noGrp="1"/>
           </p:cNvSpPr>
@@ -5487,21 +7001,21 @@
         </p:nvSpPr>
         <p:spPr>
           <a:xfrm>
-            <a:off x="3124200" y="6356350"/>
-            <a:ext cx="2895600" cy="365125"/>
+            <a:off x="2667000" y="6356350"/>
+            <a:ext cx="3352800" cy="365125"/>
           </a:xfrm>
           <a:prstGeom prst="rect">
             <a:avLst/>
           </a:prstGeom>
         </p:spPr>
         <p:txBody>
-          <a:bodyPr vert="horz" lIns="91440" tIns="45720" rIns="91440" bIns="45720" rtlCol="0" anchor="ctr"/>
+          <a:bodyPr vert="horz" lIns="0" tIns="0" rIns="0" bIns="0" anchor="b"/>
           <a:lstStyle>
-            <a:lvl1pPr algn="ctr">
-              <a:defRPr sz="1200">
+            <a:lvl1pPr algn="l" eaLnBrk="1" latinLnBrk="0" hangingPunct="1">
+              <a:defRPr kumimoji="0" sz="1200">
                 <a:solidFill>
-                  <a:schemeClr val="tx1">
-                    <a:tint val="75000"/>
+                  <a:schemeClr val="tx2">
+                    <a:shade val="90000"/>
                   </a:schemeClr>
                 </a:solidFill>
               </a:defRPr>
@@ -5514,7 +7028,7 @@
       </p:sp>
       <p:sp>
         <p:nvSpPr>
-          <p:cNvPr id="6" name="Номер слайда 5"/>
+          <p:cNvPr id="18" name="Номер слайда 17"/>
           <p:cNvSpPr>
             <a:spLocks noGrp="1"/>
           </p:cNvSpPr>
@@ -5524,21 +7038,21 @@
         </p:nvSpPr>
         <p:spPr>
           <a:xfrm>
-            <a:off x="6553200" y="6356350"/>
-            <a:ext cx="2133600" cy="365125"/>
+            <a:off x="7924800" y="6356350"/>
+            <a:ext cx="762000" cy="365125"/>
           </a:xfrm>
           <a:prstGeom prst="rect">
             <a:avLst/>
           </a:prstGeom>
         </p:spPr>
         <p:txBody>
-          <a:bodyPr vert="horz" lIns="91440" tIns="45720" rIns="91440" bIns="45720" rtlCol="0" anchor="ctr"/>
+          <a:bodyPr vert="horz" lIns="0" tIns="0" rIns="0" bIns="0" anchor="b"/>
           <a:lstStyle>
-            <a:lvl1pPr algn="r">
-              <a:defRPr sz="1200">
+            <a:lvl1pPr algn="r" eaLnBrk="1" latinLnBrk="0" hangingPunct="1">
+              <a:defRPr kumimoji="0" sz="1200">
                 <a:solidFill>
-                  <a:schemeClr val="tx1">
-                    <a:tint val="75000"/>
+                  <a:schemeClr val="tx2">
+                    <a:shade val="90000"/>
                   </a:schemeClr>
                 </a:solidFill>
               </a:defRPr>
@@ -5554,33 +7068,251 @@
           </a:p>
         </p:txBody>
       </p:sp>
+      <p:grpSp>
+        <p:nvGrpSpPr>
+          <p:cNvPr id="2" name="Группа 1"/>
+          <p:cNvGrpSpPr/>
+          <p:nvPr/>
+        </p:nvGrpSpPr>
+        <p:grpSpPr>
+          <a:xfrm>
+            <a:off x="-19017" y="202408"/>
+            <a:ext cx="9180548" cy="649224"/>
+            <a:chOff x="-19045" y="216550"/>
+            <a:chExt cx="9180548" cy="649224"/>
+          </a:xfrm>
+        </p:grpSpPr>
+        <p:sp>
+          <p:nvSpPr>
+            <p:cNvPr id="12" name="Полилиния 11"/>
+            <p:cNvSpPr>
+              <a:spLocks/>
+            </p:cNvSpPr>
+            <p:nvPr/>
+          </p:nvSpPr>
+          <p:spPr bwMode="auto">
+            <a:xfrm rot="21435692">
+              <a:off x="-19045" y="216550"/>
+              <a:ext cx="9163050" cy="649224"/>
+            </a:xfrm>
+            <a:custGeom>
+              <a:avLst>
+                <a:gd name="A1" fmla="val 0"/>
+                <a:gd name="A2" fmla="val 0"/>
+                <a:gd name="A3" fmla="val 0"/>
+                <a:gd name="A4" fmla="val 0"/>
+                <a:gd name="A5" fmla="val 0"/>
+                <a:gd name="A6" fmla="val 0"/>
+                <a:gd name="A7" fmla="val 0"/>
+                <a:gd name="A8" fmla="val 0"/>
+              </a:avLst>
+              <a:gdLst/>
+              <a:ahLst/>
+              <a:cxnLst>
+                <a:cxn ang="0">
+                  <a:pos x="0" y="966"/>
+                </a:cxn>
+                <a:cxn ang="0">
+                  <a:pos x="1608" y="282"/>
+                </a:cxn>
+                <a:cxn ang="0">
+                  <a:pos x="4110" y="1008"/>
+                </a:cxn>
+                <a:cxn ang="0">
+                  <a:pos x="5772" y="0"/>
+                </a:cxn>
+              </a:cxnLst>
+              <a:rect l="0" t="0" r="0" b="0"/>
+              <a:pathLst>
+                <a:path w="5772" h="1055">
+                  <a:moveTo>
+                    <a:pt x="0" y="966"/>
+                  </a:moveTo>
+                  <a:cubicBezTo>
+                    <a:pt x="282" y="738"/>
+                    <a:pt x="923" y="275"/>
+                    <a:pt x="1608" y="282"/>
+                  </a:cubicBezTo>
+                  <a:cubicBezTo>
+                    <a:pt x="2293" y="289"/>
+                    <a:pt x="3416" y="1055"/>
+                    <a:pt x="4110" y="1008"/>
+                  </a:cubicBezTo>
+                  <a:cubicBezTo>
+                    <a:pt x="4804" y="961"/>
+                    <a:pt x="5426" y="210"/>
+                    <a:pt x="5772" y="0"/>
+                  </a:cubicBezTo>
+                </a:path>
+              </a:pathLst>
+            </a:custGeom>
+            <a:noFill/>
+            <a:ln w="10795" cap="flat" cmpd="sng" algn="ctr">
+              <a:gradFill>
+                <a:gsLst>
+                  <a:gs pos="74000">
+                    <a:schemeClr val="accent3">
+                      <a:shade val="75000"/>
+                    </a:schemeClr>
+                  </a:gs>
+                  <a:gs pos="86000">
+                    <a:schemeClr val="tx1">
+                      <a:alpha val="29000"/>
+                    </a:schemeClr>
+                  </a:gs>
+                  <a:gs pos="16000">
+                    <a:schemeClr val="accent2">
+                      <a:shade val="75000"/>
+                      <a:alpha val="56000"/>
+                    </a:schemeClr>
+                  </a:gs>
+                </a:gsLst>
+                <a:lin ang="5400000" scaled="1"/>
+              </a:gradFill>
+              <a:prstDash val="solid"/>
+              <a:round/>
+              <a:headEnd type="none" w="med" len="med"/>
+              <a:tailEnd type="none" w="med" len="med"/>
+            </a:ln>
+            <a:effectLst/>
+          </p:spPr>
+          <p:txBody>
+            <a:bodyPr vert="horz" wrap="square" lIns="91440" tIns="45720" rIns="91440" bIns="45720" anchor="t" compatLnSpc="1"/>
+            <a:lstStyle/>
+            <a:p>
+              <a:endParaRPr kumimoji="0" lang="en-US"/>
+            </a:p>
+          </p:txBody>
+        </p:sp>
+        <p:sp>
+          <p:nvSpPr>
+            <p:cNvPr id="13" name="Полилиния 12"/>
+            <p:cNvSpPr>
+              <a:spLocks/>
+            </p:cNvSpPr>
+            <p:nvPr/>
+          </p:nvSpPr>
+          <p:spPr bwMode="auto">
+            <a:xfrm rot="21435692">
+              <a:off x="-14309" y="290003"/>
+              <a:ext cx="9175812" cy="530352"/>
+            </a:xfrm>
+            <a:custGeom>
+              <a:avLst>
+                <a:gd name="A1" fmla="val 0"/>
+                <a:gd name="A2" fmla="val 0"/>
+                <a:gd name="A3" fmla="val 0"/>
+                <a:gd name="A4" fmla="val 0"/>
+                <a:gd name="A5" fmla="val 0"/>
+                <a:gd name="A6" fmla="val 0"/>
+                <a:gd name="A7" fmla="val 0"/>
+                <a:gd name="A8" fmla="val 0"/>
+              </a:avLst>
+              <a:gdLst/>
+              <a:ahLst/>
+              <a:cxnLst>
+                <a:cxn ang="0">
+                  <a:pos x="0" y="732"/>
+                </a:cxn>
+                <a:cxn ang="0">
+                  <a:pos x="1638" y="228"/>
+                </a:cxn>
+                <a:cxn ang="0">
+                  <a:pos x="4122" y="816"/>
+                </a:cxn>
+                <a:cxn ang="0">
+                  <a:pos x="5766" y="0"/>
+                </a:cxn>
+              </a:cxnLst>
+              <a:rect l="0" t="0" r="0" b="0"/>
+              <a:pathLst>
+                <a:path w="5766" h="854">
+                  <a:moveTo>
+                    <a:pt x="0" y="732"/>
+                  </a:moveTo>
+                  <a:cubicBezTo>
+                    <a:pt x="273" y="647"/>
+                    <a:pt x="951" y="214"/>
+                    <a:pt x="1638" y="228"/>
+                  </a:cubicBezTo>
+                  <a:cubicBezTo>
+                    <a:pt x="2325" y="242"/>
+                    <a:pt x="3434" y="854"/>
+                    <a:pt x="4122" y="816"/>
+                  </a:cubicBezTo>
+                  <a:cubicBezTo>
+                    <a:pt x="4810" y="778"/>
+                    <a:pt x="5424" y="170"/>
+                    <a:pt x="5766" y="0"/>
+                  </a:cubicBezTo>
+                </a:path>
+              </a:pathLst>
+            </a:custGeom>
+            <a:noFill/>
+            <a:ln w="9525" cap="flat" cmpd="sng" algn="ctr">
+              <a:gradFill>
+                <a:gsLst>
+                  <a:gs pos="74000">
+                    <a:schemeClr val="accent4"/>
+                  </a:gs>
+                  <a:gs pos="44000">
+                    <a:schemeClr val="accent1"/>
+                  </a:gs>
+                  <a:gs pos="33000">
+                    <a:schemeClr val="accent2">
+                      <a:alpha val="56000"/>
+                    </a:schemeClr>
+                  </a:gs>
+                </a:gsLst>
+                <a:lin ang="5400000" scaled="1"/>
+              </a:gradFill>
+              <a:prstDash val="solid"/>
+              <a:round/>
+              <a:headEnd type="none" w="med" len="med"/>
+              <a:tailEnd type="none" w="med" len="med"/>
+            </a:ln>
+            <a:effectLst/>
+          </p:spPr>
+          <p:txBody>
+            <a:bodyPr vert="horz" wrap="square" lIns="91440" tIns="45720" rIns="91440" bIns="45720" anchor="t" compatLnSpc="1"/>
+            <a:lstStyle/>
+            <a:p>
+              <a:endParaRPr kumimoji="0" lang="en-US"/>
+            </a:p>
+          </p:txBody>
+        </p:sp>
+      </p:grpSp>
     </p:spTree>
   </p:cSld>
   <p:clrMap bg1="lt1" tx1="dk1" bg2="lt2" tx2="dk2" accent1="accent1" accent2="accent2" accent3="accent3" accent4="accent4" accent5="accent5" accent6="accent6" hlink="hlink" folHlink="folHlink"/>
   <p:sldLayoutIdLst>
-    <p:sldLayoutId id="2147483649" r:id="rId1"/>
-    <p:sldLayoutId id="2147483650" r:id="rId2"/>
-    <p:sldLayoutId id="2147483651" r:id="rId3"/>
-    <p:sldLayoutId id="2147483652" r:id="rId4"/>
-    <p:sldLayoutId id="2147483653" r:id="rId5"/>
-    <p:sldLayoutId id="2147483654" r:id="rId6"/>
-    <p:sldLayoutId id="2147483655" r:id="rId7"/>
-    <p:sldLayoutId id="2147483656" r:id="rId8"/>
-    <p:sldLayoutId id="2147483657" r:id="rId9"/>
-    <p:sldLayoutId id="2147483658" r:id="rId10"/>
-    <p:sldLayoutId id="2147483659" r:id="rId11"/>
+    <p:sldLayoutId id="2147483733" r:id="rId1"/>
+    <p:sldLayoutId id="2147483734" r:id="rId2"/>
+    <p:sldLayoutId id="2147483735" r:id="rId3"/>
+    <p:sldLayoutId id="2147483736" r:id="rId4"/>
+    <p:sldLayoutId id="2147483737" r:id="rId5"/>
+    <p:sldLayoutId id="2147483738" r:id="rId6"/>
+    <p:sldLayoutId id="2147483739" r:id="rId7"/>
+    <p:sldLayoutId id="2147483740" r:id="rId8"/>
+    <p:sldLayoutId id="2147483741" r:id="rId9"/>
+    <p:sldLayoutId id="2147483742" r:id="rId10"/>
+    <p:sldLayoutId id="2147483743" r:id="rId11"/>
   </p:sldLayoutIdLst>
   <p:txStyles>
     <p:titleStyle>
-      <a:lvl1pPr algn="ctr" defTabSz="914400" rtl="0" eaLnBrk="1" latinLnBrk="0" hangingPunct="1">
+      <a:lvl1pPr algn="l" rtl="0" eaLnBrk="1" latinLnBrk="0" hangingPunct="1">
         <a:spcBef>
           <a:spcPct val="0"/>
         </a:spcBef>
         <a:buNone/>
-        <a:defRPr sz="4400" kern="1200">
+        <a:defRPr kumimoji="0" sz="5000" b="0" kern="1200">
+          <a:ln>
+            <a:noFill/>
+          </a:ln>
           <a:solidFill>
-            <a:schemeClr val="tx1"/>
+            <a:schemeClr val="tx2"/>
           </a:solidFill>
+          <a:effectLst/>
           <a:latin typeface="+mj-lt"/>
           <a:ea typeface="+mj-ea"/>
           <a:cs typeface="+mj-cs"/>
@@ -5588,13 +7320,17 @@
       </a:lvl1pPr>
     </p:titleStyle>
     <p:bodyStyle>
-      <a:lvl1pPr marL="342900" indent="-342900" algn="l" defTabSz="914400" rtl="0" eaLnBrk="1" latinLnBrk="0" hangingPunct="1">
+      <a:lvl1pPr marL="274320" indent="-274320" algn="l" rtl="0" eaLnBrk="1" latinLnBrk="0" hangingPunct="1">
         <a:spcBef>
           <a:spcPct val="20000"/>
         </a:spcBef>
-        <a:buFont typeface="Arial" pitchFamily="34" charset="0"/>
-        <a:buChar char="•"/>
-        <a:defRPr sz="3200" kern="1200">
+        <a:buClr>
+          <a:schemeClr val="accent3"/>
+        </a:buClr>
+        <a:buSzPct val="95000"/>
+        <a:buFont typeface="Wingdings 2"/>
+        <a:buChar char=""/>
+        <a:defRPr kumimoji="0" sz="2600" kern="1200">
           <a:solidFill>
             <a:schemeClr val="tx1"/>
           </a:solidFill>
@@ -5603,13 +7339,17 @@
           <a:cs typeface="+mn-cs"/>
         </a:defRPr>
       </a:lvl1pPr>
-      <a:lvl2pPr marL="742950" indent="-285750" algn="l" defTabSz="914400" rtl="0" eaLnBrk="1" latinLnBrk="0" hangingPunct="1">
+      <a:lvl2pPr marL="640080" indent="-246888" algn="l" rtl="0" eaLnBrk="1" latinLnBrk="0" hangingPunct="1">
         <a:spcBef>
           <a:spcPct val="20000"/>
         </a:spcBef>
-        <a:buFont typeface="Arial" pitchFamily="34" charset="0"/>
-        <a:buChar char="–"/>
-        <a:defRPr sz="2800" kern="1200">
+        <a:buClr>
+          <a:schemeClr val="accent1"/>
+        </a:buClr>
+        <a:buSzPct val="85000"/>
+        <a:buFont typeface="Wingdings 2"/>
+        <a:buChar char=""/>
+        <a:defRPr kumimoji="0" sz="2400" kern="1200">
           <a:solidFill>
             <a:schemeClr val="tx1"/>
           </a:solidFill>
@@ -5618,13 +7358,17 @@
           <a:cs typeface="+mn-cs"/>
         </a:defRPr>
       </a:lvl2pPr>
-      <a:lvl3pPr marL="1143000" indent="-228600" algn="l" defTabSz="914400" rtl="0" eaLnBrk="1" latinLnBrk="0" hangingPunct="1">
+      <a:lvl3pPr marL="914400" indent="-246888" algn="l" rtl="0" eaLnBrk="1" latinLnBrk="0" hangingPunct="1">
         <a:spcBef>
           <a:spcPct val="20000"/>
         </a:spcBef>
-        <a:buFont typeface="Arial" pitchFamily="34" charset="0"/>
-        <a:buChar char="•"/>
-        <a:defRPr sz="2400" kern="1200">
+        <a:buClr>
+          <a:schemeClr val="accent2"/>
+        </a:buClr>
+        <a:buSzPct val="70000"/>
+        <a:buFont typeface="Wingdings 2"/>
+        <a:buChar char=""/>
+        <a:defRPr kumimoji="0" sz="2100" kern="1200">
           <a:solidFill>
             <a:schemeClr val="tx1"/>
           </a:solidFill>
@@ -5633,13 +7377,17 @@
           <a:cs typeface="+mn-cs"/>
         </a:defRPr>
       </a:lvl3pPr>
-      <a:lvl4pPr marL="1600200" indent="-228600" algn="l" defTabSz="914400" rtl="0" eaLnBrk="1" latinLnBrk="0" hangingPunct="1">
+      <a:lvl4pPr marL="1188720" indent="-210312" algn="l" rtl="0" eaLnBrk="1" latinLnBrk="0" hangingPunct="1">
         <a:spcBef>
           <a:spcPct val="20000"/>
         </a:spcBef>
-        <a:buFont typeface="Arial" pitchFamily="34" charset="0"/>
-        <a:buChar char="–"/>
-        <a:defRPr sz="2000" kern="1200">
+        <a:buClr>
+          <a:schemeClr val="accent3"/>
+        </a:buClr>
+        <a:buSzPct val="65000"/>
+        <a:buFont typeface="Wingdings 2"/>
+        <a:buChar char=""/>
+        <a:defRPr kumimoji="0" sz="2000" kern="1200">
           <a:solidFill>
             <a:schemeClr val="tx1"/>
           </a:solidFill>
@@ -5648,13 +7396,17 @@
           <a:cs typeface="+mn-cs"/>
         </a:defRPr>
       </a:lvl4pPr>
-      <a:lvl5pPr marL="2057400" indent="-228600" algn="l" defTabSz="914400" rtl="0" eaLnBrk="1" latinLnBrk="0" hangingPunct="1">
+      <a:lvl5pPr marL="1463040" indent="-210312" algn="l" rtl="0" eaLnBrk="1" latinLnBrk="0" hangingPunct="1">
         <a:spcBef>
           <a:spcPct val="20000"/>
         </a:spcBef>
-        <a:buFont typeface="Arial" pitchFamily="34" charset="0"/>
-        <a:buChar char="»"/>
-        <a:defRPr sz="2000" kern="1200">
+        <a:buClr>
+          <a:schemeClr val="accent4"/>
+        </a:buClr>
+        <a:buSzPct val="65000"/>
+        <a:buFont typeface="Wingdings 2"/>
+        <a:buChar char=""/>
+        <a:defRPr kumimoji="0" sz="2000" kern="1200">
           <a:solidFill>
             <a:schemeClr val="tx1"/>
           </a:solidFill>
@@ -5663,13 +7415,17 @@
           <a:cs typeface="+mn-cs"/>
         </a:defRPr>
       </a:lvl5pPr>
-      <a:lvl6pPr marL="2514600" indent="-228600" algn="l" defTabSz="914400" rtl="0" eaLnBrk="1" latinLnBrk="0" hangingPunct="1">
+      <a:lvl6pPr marL="1737360" indent="-210312" algn="l" rtl="0" eaLnBrk="1" latinLnBrk="0" hangingPunct="1">
         <a:spcBef>
           <a:spcPct val="20000"/>
         </a:spcBef>
-        <a:buFont typeface="Arial" pitchFamily="34" charset="0"/>
-        <a:buChar char="•"/>
-        <a:defRPr sz="2000" kern="1200">
+        <a:buClr>
+          <a:schemeClr val="accent5"/>
+        </a:buClr>
+        <a:buSzPct val="80000"/>
+        <a:buFont typeface="Wingdings 2"/>
+        <a:buChar char=""/>
+        <a:defRPr kumimoji="0" sz="1800" kern="1200">
           <a:solidFill>
             <a:schemeClr val="tx1"/>
           </a:solidFill>
@@ -5678,13 +7434,17 @@
           <a:cs typeface="+mn-cs"/>
         </a:defRPr>
       </a:lvl6pPr>
-      <a:lvl7pPr marL="2971800" indent="-228600" algn="l" defTabSz="914400" rtl="0" eaLnBrk="1" latinLnBrk="0" hangingPunct="1">
+      <a:lvl7pPr marL="1920240" indent="-182880" algn="l" rtl="0" eaLnBrk="1" latinLnBrk="0" hangingPunct="1">
         <a:spcBef>
           <a:spcPct val="20000"/>
         </a:spcBef>
-        <a:buFont typeface="Arial" pitchFamily="34" charset="0"/>
-        <a:buChar char="•"/>
-        <a:defRPr sz="2000" kern="1200">
+        <a:buClr>
+          <a:schemeClr val="accent6"/>
+        </a:buClr>
+        <a:buSzPct val="80000"/>
+        <a:buFont typeface="Wingdings 2"/>
+        <a:buChar char=""/>
+        <a:defRPr kumimoji="0" sz="1600" kern="1200" baseline="0">
           <a:solidFill>
             <a:schemeClr val="tx1"/>
           </a:solidFill>
@@ -5693,13 +7453,15 @@
           <a:cs typeface="+mn-cs"/>
         </a:defRPr>
       </a:lvl7pPr>
-      <a:lvl8pPr marL="3429000" indent="-228600" algn="l" defTabSz="914400" rtl="0" eaLnBrk="1" latinLnBrk="0" hangingPunct="1">
+      <a:lvl8pPr marL="2194560" indent="-182880" algn="l" rtl="0" eaLnBrk="1" latinLnBrk="0" hangingPunct="1">
         <a:spcBef>
           <a:spcPct val="20000"/>
         </a:spcBef>
-        <a:buFont typeface="Arial" pitchFamily="34" charset="0"/>
+        <a:buClr>
+          <a:schemeClr val="tx2"/>
+        </a:buClr>
         <a:buChar char="•"/>
-        <a:defRPr sz="2000" kern="1200">
+        <a:defRPr kumimoji="0" sz="1600" kern="1200">
           <a:solidFill>
             <a:schemeClr val="tx1"/>
           </a:solidFill>
@@ -5708,13 +7470,16 @@
           <a:cs typeface="+mn-cs"/>
         </a:defRPr>
       </a:lvl8pPr>
-      <a:lvl9pPr marL="3886200" indent="-228600" algn="l" defTabSz="914400" rtl="0" eaLnBrk="1" latinLnBrk="0" hangingPunct="1">
+      <a:lvl9pPr marL="2468880" indent="-182880" algn="l" rtl="0" eaLnBrk="1" latinLnBrk="0" hangingPunct="1">
         <a:spcBef>
           <a:spcPct val="20000"/>
         </a:spcBef>
-        <a:buFont typeface="Arial" pitchFamily="34" charset="0"/>
+        <a:buClr>
+          <a:schemeClr val="tx2"/>
+        </a:buClr>
+        <a:buFontTx/>
         <a:buChar char="•"/>
-        <a:defRPr sz="2000" kern="1200">
+        <a:defRPr kumimoji="0" sz="1400" kern="1200" baseline="0">
           <a:solidFill>
             <a:schemeClr val="tx1"/>
           </a:solidFill>
@@ -5725,11 +7490,8 @@
       </a:lvl9pPr>
     </p:bodyStyle>
     <p:otherStyle>
-      <a:defPPr>
-        <a:defRPr lang="ru-RU"/>
-      </a:defPPr>
-      <a:lvl1pPr marL="0" algn="l" defTabSz="914400" rtl="0" eaLnBrk="1" latinLnBrk="0" hangingPunct="1">
-        <a:defRPr sz="1800" kern="1200">
+      <a:lvl1pPr marL="0" algn="l" rtl="0" eaLnBrk="1" latinLnBrk="0" hangingPunct="1">
+        <a:defRPr kumimoji="0" kern="1200">
           <a:solidFill>
             <a:schemeClr val="tx1"/>
           </a:solidFill>
@@ -5738,8 +7500,8 @@
           <a:cs typeface="+mn-cs"/>
         </a:defRPr>
       </a:lvl1pPr>
-      <a:lvl2pPr marL="457200" algn="l" defTabSz="914400" rtl="0" eaLnBrk="1" latinLnBrk="0" hangingPunct="1">
-        <a:defRPr sz="1800" kern="1200">
+      <a:lvl2pPr marL="457200" algn="l" rtl="0" eaLnBrk="1" latinLnBrk="0" hangingPunct="1">
+        <a:defRPr kumimoji="0" kern="1200">
           <a:solidFill>
             <a:schemeClr val="tx1"/>
           </a:solidFill>
@@ -5748,8 +7510,8 @@
           <a:cs typeface="+mn-cs"/>
         </a:defRPr>
       </a:lvl2pPr>
-      <a:lvl3pPr marL="914400" algn="l" defTabSz="914400" rtl="0" eaLnBrk="1" latinLnBrk="0" hangingPunct="1">
-        <a:defRPr sz="1800" kern="1200">
+      <a:lvl3pPr marL="914400" algn="l" rtl="0" eaLnBrk="1" latinLnBrk="0" hangingPunct="1">
+        <a:defRPr kumimoji="0" kern="1200">
           <a:solidFill>
             <a:schemeClr val="tx1"/>
           </a:solidFill>
@@ -5758,8 +7520,8 @@
           <a:cs typeface="+mn-cs"/>
         </a:defRPr>
       </a:lvl3pPr>
-      <a:lvl4pPr marL="1371600" algn="l" defTabSz="914400" rtl="0" eaLnBrk="1" latinLnBrk="0" hangingPunct="1">
-        <a:defRPr sz="1800" kern="1200">
+      <a:lvl4pPr marL="1371600" algn="l" rtl="0" eaLnBrk="1" latinLnBrk="0" hangingPunct="1">
+        <a:defRPr kumimoji="0" kern="1200">
           <a:solidFill>
             <a:schemeClr val="tx1"/>
           </a:solidFill>
@@ -5768,8 +7530,8 @@
           <a:cs typeface="+mn-cs"/>
         </a:defRPr>
       </a:lvl4pPr>
-      <a:lvl5pPr marL="1828800" algn="l" defTabSz="914400" rtl="0" eaLnBrk="1" latinLnBrk="0" hangingPunct="1">
-        <a:defRPr sz="1800" kern="1200">
+      <a:lvl5pPr marL="1828800" algn="l" rtl="0" eaLnBrk="1" latinLnBrk="0" hangingPunct="1">
+        <a:defRPr kumimoji="0" kern="1200">
           <a:solidFill>
             <a:schemeClr val="tx1"/>
           </a:solidFill>
@@ -5778,8 +7540,8 @@
           <a:cs typeface="+mn-cs"/>
         </a:defRPr>
       </a:lvl5pPr>
-      <a:lvl6pPr marL="2286000" algn="l" defTabSz="914400" rtl="0" eaLnBrk="1" latinLnBrk="0" hangingPunct="1">
-        <a:defRPr sz="1800" kern="1200">
+      <a:lvl6pPr marL="2286000" algn="l" rtl="0" eaLnBrk="1" latinLnBrk="0" hangingPunct="1">
+        <a:defRPr kumimoji="0" kern="1200">
           <a:solidFill>
             <a:schemeClr val="tx1"/>
           </a:solidFill>
@@ -5788,8 +7550,8 @@
           <a:cs typeface="+mn-cs"/>
         </a:defRPr>
       </a:lvl6pPr>
-      <a:lvl7pPr marL="2743200" algn="l" defTabSz="914400" rtl="0" eaLnBrk="1" latinLnBrk="0" hangingPunct="1">
-        <a:defRPr sz="1800" kern="1200">
+      <a:lvl7pPr marL="2743200" algn="l" rtl="0" eaLnBrk="1" latinLnBrk="0" hangingPunct="1">
+        <a:defRPr kumimoji="0" kern="1200">
           <a:solidFill>
             <a:schemeClr val="tx1"/>
           </a:solidFill>
@@ -5798,8 +7560,8 @@
           <a:cs typeface="+mn-cs"/>
         </a:defRPr>
       </a:lvl7pPr>
-      <a:lvl8pPr marL="3200400" algn="l" defTabSz="914400" rtl="0" eaLnBrk="1" latinLnBrk="0" hangingPunct="1">
-        <a:defRPr sz="1800" kern="1200">
+      <a:lvl8pPr marL="3200400" algn="l" rtl="0" eaLnBrk="1" latinLnBrk="0" hangingPunct="1">
+        <a:defRPr kumimoji="0" kern="1200">
           <a:solidFill>
             <a:schemeClr val="tx1"/>
           </a:solidFill>
@@ -5808,8 +7570,8 @@
           <a:cs typeface="+mn-cs"/>
         </a:defRPr>
       </a:lvl8pPr>
-      <a:lvl9pPr marL="3657600" algn="l" defTabSz="914400" rtl="0" eaLnBrk="1" latinLnBrk="0" hangingPunct="1">
-        <a:defRPr sz="1800" kern="1200">
+      <a:lvl9pPr marL="3657600" algn="l" rtl="0" eaLnBrk="1" latinLnBrk="0" hangingPunct="1">
+        <a:defRPr kumimoji="0" kern="1200">
           <a:solidFill>
             <a:schemeClr val="tx1"/>
           </a:solidFill>
@@ -5880,7 +7642,33 @@
                 <a:ea typeface="Arial Unicode MS" pitchFamily="34" charset="-128"/>
                 <a:cs typeface="Arial Unicode MS" pitchFamily="34" charset="-128"/>
               </a:rPr>
-              <a:t>«Автоматизированная система управления для облуживания клиентов в поликлинике</a:t>
+              <a:t>«Разработка </a:t>
+            </a:r>
+            <a:r>
+              <a:rPr lang="ru-RU" sz="3600" b="1" smtClean="0">
+                <a:solidFill>
+                  <a:schemeClr val="tx2">
+                    <a:lumMod val="75000"/>
+                  </a:schemeClr>
+                </a:solidFill>
+                <a:latin typeface="Arial Unicode MS" pitchFamily="34" charset="-128"/>
+                <a:ea typeface="Arial Unicode MS" pitchFamily="34" charset="-128"/>
+                <a:cs typeface="Arial Unicode MS" pitchFamily="34" charset="-128"/>
+              </a:rPr>
+              <a:t>автоматизированной системы </a:t>
+            </a:r>
+            <a:r>
+              <a:rPr lang="ru-RU" sz="3600" b="1" dirty="0" smtClean="0">
+                <a:solidFill>
+                  <a:schemeClr val="tx2">
+                    <a:lumMod val="75000"/>
+                  </a:schemeClr>
+                </a:solidFill>
+                <a:latin typeface="Arial Unicode MS" pitchFamily="34" charset="-128"/>
+                <a:ea typeface="Arial Unicode MS" pitchFamily="34" charset="-128"/>
+                <a:cs typeface="Arial Unicode MS" pitchFamily="34" charset="-128"/>
+              </a:rPr>
+              <a:t>для облуживания клиентов в поликлинике</a:t>
             </a:r>
             <a:r>
               <a:rPr kumimoji="0" lang="ru-RU" sz="3600" b="1" i="0" u="none" strike="noStrike" kern="1200" cap="none" spc="0" normalizeH="0" baseline="0" noProof="0" dirty="0" smtClean="0">
@@ -6022,7 +7810,7 @@
             </a:pPr>
             <a:r>
               <a:rPr lang="ru-RU" sz="3200" dirty="0" smtClean="0"/>
-              <a:t> Автоматизация документооборота и электронной очереди в поликлинике</a:t>
+              <a:t> Автоматизация документооборота и очередей в поликлинике</a:t>
             </a:r>
             <a:r>
               <a:rPr lang="en-US" sz="3200" dirty="0" smtClean="0"/>
@@ -6052,15 +7840,7 @@
             </a:pPr>
             <a:r>
               <a:rPr lang="ru-RU" sz="3200" dirty="0" smtClean="0"/>
-              <a:t> </a:t>
-            </a:r>
-            <a:r>
-              <a:rPr lang="ru-RU" sz="3200" dirty="0" smtClean="0"/>
-              <a:t>У</a:t>
-            </a:r>
-            <a:r>
-              <a:rPr lang="ru-RU" sz="3200" dirty="0" smtClean="0"/>
-              <a:t>далённая (через Интернет) запись на приём к врачу.</a:t>
+              <a:t> Удалённая (через Интернет) запись на приём к врачу.</a:t>
             </a:r>
             <a:endParaRPr lang="ru-RU" sz="3200" dirty="0"/>
           </a:p>
@@ -6120,6 +7900,196 @@
 </file>
 
 <file path=ppt/slides/slide10.xml><?xml version="1.0" encoding="utf-8"?>
+<p:sld xmlns:a="http://schemas.openxmlformats.org/drawingml/2006/main" xmlns:r="http://schemas.openxmlformats.org/officeDocument/2006/relationships" xmlns:p="http://schemas.openxmlformats.org/presentationml/2006/main">
+  <p:cSld>
+    <p:spTree>
+      <p:nvGrpSpPr>
+        <p:cNvPr id="1" name=""/>
+        <p:cNvGrpSpPr/>
+        <p:nvPr/>
+      </p:nvGrpSpPr>
+      <p:grpSpPr>
+        <a:xfrm>
+          <a:off x="0" y="0"/>
+          <a:ext cx="0" cy="0"/>
+          <a:chOff x="0" y="0"/>
+          <a:chExt cx="0" cy="0"/>
+        </a:xfrm>
+      </p:grpSpPr>
+      <p:sp>
+        <p:nvSpPr>
+          <p:cNvPr id="2" name="Заголовок 1"/>
+          <p:cNvSpPr>
+            <a:spLocks noGrp="1"/>
+          </p:cNvSpPr>
+          <p:nvPr>
+            <p:ph type="title"/>
+          </p:nvPr>
+        </p:nvSpPr>
+        <p:spPr>
+          <a:xfrm>
+            <a:off x="428596" y="0"/>
+            <a:ext cx="8229600" cy="1143000"/>
+          </a:xfrm>
+        </p:spPr>
+        <p:txBody>
+          <a:bodyPr>
+            <a:normAutofit fontScale="90000"/>
+          </a:bodyPr>
+          <a:lstStyle/>
+          <a:p>
+            <a:r>
+              <a:rPr lang="ru-RU" dirty="0" smtClean="0"/>
+              <a:t>Главное меню после авторизации</a:t>
+            </a:r>
+            <a:endParaRPr lang="ru-RU" dirty="0"/>
+          </a:p>
+        </p:txBody>
+      </p:sp>
+      <p:pic>
+        <p:nvPicPr>
+          <p:cNvPr id="3074" name="Picture 2"/>
+          <p:cNvPicPr>
+            <a:picLocks noChangeAspect="1" noChangeArrowheads="1"/>
+          </p:cNvPicPr>
+          <p:nvPr/>
+        </p:nvPicPr>
+        <p:blipFill>
+          <a:blip r:embed="rId2"/>
+          <a:srcRect l="15884" t="6592" r="16210" b="41405"/>
+          <a:stretch>
+            <a:fillRect/>
+          </a:stretch>
+        </p:blipFill>
+        <p:spPr bwMode="auto">
+          <a:xfrm>
+            <a:off x="428596" y="1214422"/>
+            <a:ext cx="8286808" cy="5076811"/>
+          </a:xfrm>
+          <a:prstGeom prst="rect">
+            <a:avLst/>
+          </a:prstGeom>
+          <a:noFill/>
+          <a:ln w="9525">
+            <a:noFill/>
+            <a:miter lim="800000"/>
+            <a:headEnd/>
+            <a:tailEnd/>
+          </a:ln>
+          <a:effectLst/>
+        </p:spPr>
+      </p:pic>
+    </p:spTree>
+  </p:cSld>
+  <p:clrMapOvr>
+    <a:masterClrMapping/>
+  </p:clrMapOvr>
+  <p:timing>
+    <p:tnLst>
+      <p:par>
+        <p:cTn id="1" dur="indefinite" restart="never" nodeType="tmRoot"/>
+      </p:par>
+    </p:tnLst>
+  </p:timing>
+</p:sld>
+</file>
+
+<file path=ppt/slides/slide11.xml><?xml version="1.0" encoding="utf-8"?>
+<p:sld xmlns:a="http://schemas.openxmlformats.org/drawingml/2006/main" xmlns:r="http://schemas.openxmlformats.org/officeDocument/2006/relationships" xmlns:p="http://schemas.openxmlformats.org/presentationml/2006/main">
+  <p:cSld>
+    <p:spTree>
+      <p:nvGrpSpPr>
+        <p:cNvPr id="1" name=""/>
+        <p:cNvGrpSpPr/>
+        <p:nvPr/>
+      </p:nvGrpSpPr>
+      <p:grpSpPr>
+        <a:xfrm>
+          <a:off x="0" y="0"/>
+          <a:ext cx="0" cy="0"/>
+          <a:chOff x="0" y="0"/>
+          <a:chExt cx="0" cy="0"/>
+        </a:xfrm>
+      </p:grpSpPr>
+      <p:sp>
+        <p:nvSpPr>
+          <p:cNvPr id="2" name="Заголовок 1"/>
+          <p:cNvSpPr>
+            <a:spLocks noGrp="1"/>
+          </p:cNvSpPr>
+          <p:nvPr>
+            <p:ph type="title"/>
+          </p:nvPr>
+        </p:nvSpPr>
+        <p:spPr>
+          <a:xfrm>
+            <a:off x="428596" y="214290"/>
+            <a:ext cx="8229600" cy="796908"/>
+          </a:xfrm>
+        </p:spPr>
+        <p:txBody>
+          <a:bodyPr>
+            <a:normAutofit fontScale="90000"/>
+          </a:bodyPr>
+          <a:lstStyle/>
+          <a:p>
+            <a:r>
+              <a:rPr lang="ru-RU" dirty="0" smtClean="0"/>
+              <a:t>Интерфейс терминала</a:t>
+            </a:r>
+            <a:endParaRPr lang="ru-RU" dirty="0"/>
+          </a:p>
+        </p:txBody>
+      </p:sp>
+      <p:pic>
+        <p:nvPicPr>
+          <p:cNvPr id="4098" name="Picture 2"/>
+          <p:cNvPicPr>
+            <a:picLocks noChangeAspect="1" noChangeArrowheads="1"/>
+          </p:cNvPicPr>
+          <p:nvPr/>
+        </p:nvPicPr>
+        <p:blipFill>
+          <a:blip r:embed="rId2"/>
+          <a:srcRect l="25195" t="27100" r="25000" b="29687"/>
+          <a:stretch>
+            <a:fillRect/>
+          </a:stretch>
+        </p:blipFill>
+        <p:spPr bwMode="auto">
+          <a:xfrm>
+            <a:off x="785786" y="1142984"/>
+            <a:ext cx="7572428" cy="5256154"/>
+          </a:xfrm>
+          <a:prstGeom prst="rect">
+            <a:avLst/>
+          </a:prstGeom>
+          <a:noFill/>
+          <a:ln w="9525">
+            <a:noFill/>
+            <a:miter lim="800000"/>
+            <a:headEnd/>
+            <a:tailEnd/>
+          </a:ln>
+          <a:effectLst/>
+        </p:spPr>
+      </p:pic>
+    </p:spTree>
+  </p:cSld>
+  <p:clrMapOvr>
+    <a:masterClrMapping/>
+  </p:clrMapOvr>
+  <p:timing>
+    <p:tnLst>
+      <p:par>
+        <p:cTn id="1" dur="indefinite" restart="never" nodeType="tmRoot"/>
+      </p:par>
+    </p:tnLst>
+  </p:timing>
+</p:sld>
+</file>
+
+<file path=ppt/slides/slide12.xml><?xml version="1.0" encoding="utf-8"?>
 <p:sld xmlns:a="http://schemas.openxmlformats.org/drawingml/2006/main" xmlns:r="http://schemas.openxmlformats.org/officeDocument/2006/relationships" xmlns:p="http://schemas.openxmlformats.org/presentationml/2006/main">
   <p:cSld>
     <p:spTree>
@@ -6186,9 +8156,12 @@
           </a:xfrm>
         </p:spPr>
         <p:txBody>
-          <a:bodyPr/>
+          <a:bodyPr>
+            <a:normAutofit fontScale="90000"/>
+          </a:bodyPr>
           <a:lstStyle/>
           <a:p>
+            <a:pPr algn="ctr"/>
             <a:r>
               <a:rPr lang="ru-RU" dirty="0" smtClean="0"/>
               <a:t>Структура проекта</a:t>
@@ -6282,10 +8255,17 @@
   <p:clrMapOvr>
     <a:masterClrMapping/>
   </p:clrMapOvr>
+  <p:timing>
+    <p:tnLst>
+      <p:par>
+        <p:cTn id="1" dur="indefinite" restart="never" nodeType="tmRoot"/>
+      </p:par>
+    </p:tnLst>
+  </p:timing>
 </p:sld>
 </file>
 
-<file path=ppt/slides/slide11.xml><?xml version="1.0" encoding="utf-8"?>
+<file path=ppt/slides/slide13.xml><?xml version="1.0" encoding="utf-8"?>
 <p:sld xmlns:a="http://schemas.openxmlformats.org/drawingml/2006/main" xmlns:r="http://schemas.openxmlformats.org/officeDocument/2006/relationships" xmlns:p="http://schemas.openxmlformats.org/presentationml/2006/main">
   <p:cSld>
     <p:spTree>
@@ -6314,7 +8294,7 @@
         </p:nvSpPr>
         <p:spPr>
           <a:xfrm>
-            <a:off x="428596" y="0"/>
+            <a:off x="395536" y="260648"/>
             <a:ext cx="8229600" cy="1143000"/>
           </a:xfrm>
         </p:spPr>
@@ -6324,6 +8304,7 @@
           </a:bodyPr>
           <a:lstStyle/>
           <a:p>
+            <a:pPr algn="ctr"/>
             <a:r>
               <a:rPr lang="ru-RU" dirty="0" smtClean="0"/>
               <a:t>Результаты и перспективы развития</a:t>
@@ -6344,13 +8325,13 @@
         </p:nvSpPr>
         <p:spPr>
           <a:xfrm>
-            <a:off x="428596" y="1214422"/>
-            <a:ext cx="8229600" cy="4429156"/>
+            <a:off x="467544" y="1556792"/>
+            <a:ext cx="8229600" cy="4929222"/>
           </a:xfrm>
         </p:spPr>
         <p:txBody>
           <a:bodyPr>
-            <a:normAutofit fontScale="92500" lnSpcReduction="20000"/>
+            <a:normAutofit/>
           </a:bodyPr>
           <a:lstStyle/>
           <a:p>
@@ -6378,36 +8359,19 @@
           <a:p>
             <a:r>
               <a:rPr lang="ru-RU" dirty="0" smtClean="0"/>
-              <a:t>Разработан интерфейс для работы с терминала</a:t>
-            </a:r>
+              <a:t>Разработан интерфейс для работы с терминала.</a:t>
+            </a:r>
+          </a:p>
+          <a:p>
             <a:r>
               <a:rPr lang="ru-RU" dirty="0" smtClean="0"/>
-              <a:t>.</a:t>
+              <a:t>Система может использоваться как прототип интерфейса.</a:t>
             </a:r>
           </a:p>
           <a:p>
             <a:r>
               <a:rPr lang="ru-RU" dirty="0" smtClean="0"/>
-              <a:t>Система может использоваться ка</a:t>
-            </a:r>
-            <a:r>
-              <a:rPr lang="ru-RU" dirty="0" smtClean="0"/>
-              <a:t>к прототип интерфейса.</a:t>
-            </a:r>
-            <a:endParaRPr lang="ru-RU" dirty="0" smtClean="0"/>
-          </a:p>
-          <a:p>
-            <a:r>
-              <a:rPr lang="ru-RU" dirty="0" smtClean="0"/>
-              <a:t>Систему </a:t>
-            </a:r>
-            <a:r>
-              <a:rPr lang="ru-RU" dirty="0" smtClean="0"/>
-              <a:t>можно </a:t>
-            </a:r>
-            <a:r>
-              <a:rPr lang="ru-RU" dirty="0" smtClean="0"/>
-              <a:t>дорабатывать и создавать на её основе другие системы.</a:t>
+              <a:t>Систему можно дорабатывать и создавать на её основе другие системы, либо использовать как модуль к автоматизированной системе управления всей поликлиникой.</a:t>
             </a:r>
           </a:p>
           <a:p>
@@ -6415,7 +8379,6 @@
               <a:rPr lang="ru-RU" dirty="0" smtClean="0"/>
               <a:t>Базы данных отдельных поликлиник можно объединить в единую сеть.</a:t>
             </a:r>
-            <a:endParaRPr lang="ru-RU" dirty="0" smtClean="0"/>
           </a:p>
         </p:txBody>
       </p:sp>
@@ -6424,6 +8387,13 @@
   <p:clrMapOvr>
     <a:masterClrMapping/>
   </p:clrMapOvr>
+  <p:timing>
+    <p:tnLst>
+      <p:par>
+        <p:cTn id="1" dur="indefinite" restart="never" nodeType="tmRoot"/>
+      </p:par>
+    </p:tnLst>
+  </p:timing>
 </p:sld>
 </file>
 
@@ -6496,11 +8466,7 @@
           <a:p>
             <a:r>
               <a:rPr lang="ru-RU" dirty="0" smtClean="0"/>
-              <a:t>Изучение существующего документооборота, </a:t>
-            </a:r>
-            <a:r>
-              <a:rPr lang="ru-RU" dirty="0" smtClean="0"/>
-              <a:t>выделение и описание процессов для автоматизации.</a:t>
+              <a:t>Изучение существующего документооборота, выделение и описание процессов для автоматизации.</a:t>
             </a:r>
           </a:p>
           <a:p>
@@ -6577,6 +8543,741 @@
 </file>
 
 <file path=ppt/slides/slide3.xml><?xml version="1.0" encoding="utf-8"?>
+<p:sld xmlns:a="http://schemas.openxmlformats.org/drawingml/2006/main" xmlns:r="http://schemas.openxmlformats.org/officeDocument/2006/relationships" xmlns:p="http://schemas.openxmlformats.org/presentationml/2006/main">
+  <p:cSld>
+    <p:spTree>
+      <p:nvGrpSpPr>
+        <p:cNvPr id="1" name=""/>
+        <p:cNvGrpSpPr/>
+        <p:nvPr/>
+      </p:nvGrpSpPr>
+      <p:grpSpPr>
+        <a:xfrm>
+          <a:off x="0" y="0"/>
+          <a:ext cx="0" cy="0"/>
+          <a:chOff x="0" y="0"/>
+          <a:chExt cx="0" cy="0"/>
+        </a:xfrm>
+      </p:grpSpPr>
+      <p:pic>
+        <p:nvPicPr>
+          <p:cNvPr id="1026" name="Picture 2"/>
+          <p:cNvPicPr>
+            <a:picLocks noChangeAspect="1" noChangeArrowheads="1"/>
+          </p:cNvPicPr>
+          <p:nvPr/>
+        </p:nvPicPr>
+        <p:blipFill>
+          <a:blip r:embed="rId2" cstate="print"/>
+          <a:srcRect/>
+          <a:stretch>
+            <a:fillRect/>
+          </a:stretch>
+        </p:blipFill>
+        <p:spPr bwMode="auto">
+          <a:xfrm>
+            <a:off x="214282" y="1357298"/>
+            <a:ext cx="1985955" cy="2474710"/>
+          </a:xfrm>
+          <a:prstGeom prst="rect">
+            <a:avLst/>
+          </a:prstGeom>
+          <a:noFill/>
+          <a:ln w="9525">
+            <a:noFill/>
+            <a:miter lim="800000"/>
+            <a:headEnd/>
+            <a:tailEnd/>
+          </a:ln>
+          <a:effectLst/>
+        </p:spPr>
+      </p:pic>
+      <p:sp>
+        <p:nvSpPr>
+          <p:cNvPr id="2" name="Заголовок 1"/>
+          <p:cNvSpPr>
+            <a:spLocks noGrp="1"/>
+          </p:cNvSpPr>
+          <p:nvPr>
+            <p:ph type="title"/>
+          </p:nvPr>
+        </p:nvSpPr>
+        <p:spPr>
+          <a:xfrm>
+            <a:off x="285720" y="0"/>
+            <a:ext cx="8372476" cy="1214422"/>
+          </a:xfrm>
+        </p:spPr>
+        <p:txBody>
+          <a:bodyPr>
+            <a:normAutofit fontScale="90000"/>
+          </a:bodyPr>
+          <a:lstStyle/>
+          <a:p>
+            <a:pPr algn="ctr"/>
+            <a:r>
+              <a:rPr lang="ru-RU" dirty="0" smtClean="0"/>
+              <a:t>Текущее состояние системы обслуживания</a:t>
+            </a:r>
+            <a:endParaRPr lang="ru-RU" dirty="0"/>
+          </a:p>
+        </p:txBody>
+      </p:sp>
+      <p:sp>
+        <p:nvSpPr>
+          <p:cNvPr id="6" name="Прямоугольник 5"/>
+          <p:cNvSpPr/>
+          <p:nvPr/>
+        </p:nvSpPr>
+        <p:spPr>
+          <a:xfrm>
+            <a:off x="2786050" y="1285860"/>
+            <a:ext cx="6143668" cy="5214974"/>
+          </a:xfrm>
+          <a:prstGeom prst="rect">
+            <a:avLst/>
+          </a:prstGeom>
+          <a:noFill/>
+          <a:ln>
+            <a:solidFill>
+              <a:schemeClr val="accent1">
+                <a:shade val="50000"/>
+              </a:schemeClr>
+            </a:solidFill>
+            <a:prstDash val="dash"/>
+          </a:ln>
+        </p:spPr>
+        <p:style>
+          <a:lnRef idx="2">
+            <a:schemeClr val="accent1">
+              <a:shade val="50000"/>
+            </a:schemeClr>
+          </a:lnRef>
+          <a:fillRef idx="1">
+            <a:schemeClr val="accent1"/>
+          </a:fillRef>
+          <a:effectRef idx="0">
+            <a:schemeClr val="accent1"/>
+          </a:effectRef>
+          <a:fontRef idx="minor">
+            <a:schemeClr val="lt1"/>
+          </a:fontRef>
+        </p:style>
+        <p:txBody>
+          <a:bodyPr rtlCol="0" anchor="ctr"/>
+          <a:lstStyle/>
+          <a:p>
+            <a:pPr algn="ctr"/>
+            <a:endParaRPr lang="ru-RU"/>
+          </a:p>
+        </p:txBody>
+      </p:sp>
+      <p:sp>
+        <p:nvSpPr>
+          <p:cNvPr id="8" name="TextBox 7"/>
+          <p:cNvSpPr txBox="1"/>
+          <p:nvPr/>
+        </p:nvSpPr>
+        <p:spPr>
+          <a:xfrm>
+            <a:off x="3357554" y="1357298"/>
+            <a:ext cx="5214974" cy="584775"/>
+          </a:xfrm>
+          <a:prstGeom prst="rect">
+            <a:avLst/>
+          </a:prstGeom>
+          <a:noFill/>
+        </p:spPr>
+        <p:txBody>
+          <a:bodyPr wrap="square" rtlCol="0">
+            <a:spAutoFit/>
+          </a:bodyPr>
+          <a:lstStyle/>
+          <a:p>
+            <a:pPr algn="ctr"/>
+            <a:r>
+              <a:rPr lang="ru-RU" sz="3200" dirty="0" smtClean="0"/>
+              <a:t>Поликлиника</a:t>
+            </a:r>
+            <a:endParaRPr lang="ru-RU" sz="3200" dirty="0"/>
+          </a:p>
+        </p:txBody>
+      </p:sp>
+      <p:sp>
+        <p:nvSpPr>
+          <p:cNvPr id="10" name="Прямоугольник 9"/>
+          <p:cNvSpPr/>
+          <p:nvPr/>
+        </p:nvSpPr>
+        <p:spPr>
+          <a:xfrm>
+            <a:off x="3357554" y="3643314"/>
+            <a:ext cx="2643206" cy="857256"/>
+          </a:xfrm>
+          <a:prstGeom prst="rect">
+            <a:avLst/>
+          </a:prstGeom>
+        </p:spPr>
+        <p:style>
+          <a:lnRef idx="2">
+            <a:schemeClr val="accent1">
+              <a:shade val="50000"/>
+            </a:schemeClr>
+          </a:lnRef>
+          <a:fillRef idx="1">
+            <a:schemeClr val="accent1"/>
+          </a:fillRef>
+          <a:effectRef idx="0">
+            <a:schemeClr val="accent1"/>
+          </a:effectRef>
+          <a:fontRef idx="minor">
+            <a:schemeClr val="lt1"/>
+          </a:fontRef>
+        </p:style>
+        <p:txBody>
+          <a:bodyPr rtlCol="0" anchor="ctr"/>
+          <a:lstStyle/>
+          <a:p>
+            <a:pPr algn="ctr"/>
+            <a:endParaRPr lang="ru-RU"/>
+          </a:p>
+        </p:txBody>
+      </p:sp>
+      <p:cxnSp>
+        <p:nvCxnSpPr>
+          <p:cNvPr id="14" name="Прямая соединительная линия 13"/>
+          <p:cNvCxnSpPr/>
+          <p:nvPr/>
+        </p:nvCxnSpPr>
+        <p:spPr>
+          <a:xfrm rot="5400000">
+            <a:off x="3429786" y="4071148"/>
+            <a:ext cx="857256" cy="1588"/>
+          </a:xfrm>
+          <a:prstGeom prst="line">
+            <a:avLst/>
+          </a:prstGeom>
+          <a:ln w="25400">
+            <a:solidFill>
+              <a:schemeClr val="bg2"/>
+            </a:solidFill>
+          </a:ln>
+        </p:spPr>
+        <p:style>
+          <a:lnRef idx="1">
+            <a:schemeClr val="accent1"/>
+          </a:lnRef>
+          <a:fillRef idx="0">
+            <a:schemeClr val="accent1"/>
+          </a:fillRef>
+          <a:effectRef idx="0">
+            <a:schemeClr val="accent1"/>
+          </a:effectRef>
+          <a:fontRef idx="minor">
+            <a:schemeClr val="tx1"/>
+          </a:fontRef>
+        </p:style>
+      </p:cxnSp>
+      <p:cxnSp>
+        <p:nvCxnSpPr>
+          <p:cNvPr id="15" name="Прямая соединительная линия 14"/>
+          <p:cNvCxnSpPr/>
+          <p:nvPr/>
+        </p:nvCxnSpPr>
+        <p:spPr>
+          <a:xfrm rot="5400000">
+            <a:off x="3715538" y="4071148"/>
+            <a:ext cx="857256" cy="1588"/>
+          </a:xfrm>
+          <a:prstGeom prst="line">
+            <a:avLst/>
+          </a:prstGeom>
+          <a:ln w="25400">
+            <a:solidFill>
+              <a:schemeClr val="bg2"/>
+            </a:solidFill>
+          </a:ln>
+        </p:spPr>
+        <p:style>
+          <a:lnRef idx="1">
+            <a:schemeClr val="accent1"/>
+          </a:lnRef>
+          <a:fillRef idx="0">
+            <a:schemeClr val="accent1"/>
+          </a:fillRef>
+          <a:effectRef idx="0">
+            <a:schemeClr val="accent1"/>
+          </a:effectRef>
+          <a:fontRef idx="minor">
+            <a:schemeClr val="tx1"/>
+          </a:fontRef>
+        </p:style>
+      </p:cxnSp>
+      <p:cxnSp>
+        <p:nvCxnSpPr>
+          <p:cNvPr id="16" name="Прямая соединительная линия 15"/>
+          <p:cNvCxnSpPr/>
+          <p:nvPr/>
+        </p:nvCxnSpPr>
+        <p:spPr>
+          <a:xfrm rot="5400000">
+            <a:off x="3144034" y="4071148"/>
+            <a:ext cx="857256" cy="1588"/>
+          </a:xfrm>
+          <a:prstGeom prst="line">
+            <a:avLst/>
+          </a:prstGeom>
+          <a:ln w="25400">
+            <a:solidFill>
+              <a:schemeClr val="bg2"/>
+            </a:solidFill>
+          </a:ln>
+        </p:spPr>
+        <p:style>
+          <a:lnRef idx="1">
+            <a:schemeClr val="accent1"/>
+          </a:lnRef>
+          <a:fillRef idx="0">
+            <a:schemeClr val="accent1"/>
+          </a:fillRef>
+          <a:effectRef idx="0">
+            <a:schemeClr val="accent1"/>
+          </a:effectRef>
+          <a:fontRef idx="minor">
+            <a:schemeClr val="tx1"/>
+          </a:fontRef>
+        </p:style>
+      </p:cxnSp>
+      <p:cxnSp>
+        <p:nvCxnSpPr>
+          <p:cNvPr id="17" name="Прямая соединительная линия 16"/>
+          <p:cNvCxnSpPr/>
+          <p:nvPr/>
+        </p:nvCxnSpPr>
+        <p:spPr>
+          <a:xfrm rot="5400000">
+            <a:off x="4001290" y="4071148"/>
+            <a:ext cx="857256" cy="1588"/>
+          </a:xfrm>
+          <a:prstGeom prst="line">
+            <a:avLst/>
+          </a:prstGeom>
+          <a:ln w="25400">
+            <a:solidFill>
+              <a:schemeClr val="bg2"/>
+            </a:solidFill>
+          </a:ln>
+        </p:spPr>
+        <p:style>
+          <a:lnRef idx="1">
+            <a:schemeClr val="accent1"/>
+          </a:lnRef>
+          <a:fillRef idx="0">
+            <a:schemeClr val="accent1"/>
+          </a:fillRef>
+          <a:effectRef idx="0">
+            <a:schemeClr val="accent1"/>
+          </a:effectRef>
+          <a:fontRef idx="minor">
+            <a:schemeClr val="tx1"/>
+          </a:fontRef>
+        </p:style>
+      </p:cxnSp>
+      <p:cxnSp>
+        <p:nvCxnSpPr>
+          <p:cNvPr id="18" name="Прямая соединительная линия 17"/>
+          <p:cNvCxnSpPr/>
+          <p:nvPr/>
+        </p:nvCxnSpPr>
+        <p:spPr>
+          <a:xfrm rot="5400000">
+            <a:off x="4358480" y="4071148"/>
+            <a:ext cx="857256" cy="1588"/>
+          </a:xfrm>
+          <a:prstGeom prst="line">
+            <a:avLst/>
+          </a:prstGeom>
+          <a:ln w="25400">
+            <a:solidFill>
+              <a:schemeClr val="bg2"/>
+            </a:solidFill>
+          </a:ln>
+        </p:spPr>
+        <p:style>
+          <a:lnRef idx="1">
+            <a:schemeClr val="accent1"/>
+          </a:lnRef>
+          <a:fillRef idx="0">
+            <a:schemeClr val="accent1"/>
+          </a:fillRef>
+          <a:effectRef idx="0">
+            <a:schemeClr val="accent1"/>
+          </a:effectRef>
+          <a:fontRef idx="minor">
+            <a:schemeClr val="tx1"/>
+          </a:fontRef>
+        </p:style>
+      </p:cxnSp>
+      <p:cxnSp>
+        <p:nvCxnSpPr>
+          <p:cNvPr id="19" name="Прямая соединительная линия 18"/>
+          <p:cNvCxnSpPr/>
+          <p:nvPr/>
+        </p:nvCxnSpPr>
+        <p:spPr>
+          <a:xfrm rot="5400000">
+            <a:off x="4644232" y="4071148"/>
+            <a:ext cx="857256" cy="1588"/>
+          </a:xfrm>
+          <a:prstGeom prst="line">
+            <a:avLst/>
+          </a:prstGeom>
+          <a:ln w="25400">
+            <a:solidFill>
+              <a:schemeClr val="bg2"/>
+            </a:solidFill>
+          </a:ln>
+        </p:spPr>
+        <p:style>
+          <a:lnRef idx="1">
+            <a:schemeClr val="accent1"/>
+          </a:lnRef>
+          <a:fillRef idx="0">
+            <a:schemeClr val="accent1"/>
+          </a:fillRef>
+          <a:effectRef idx="0">
+            <a:schemeClr val="accent1"/>
+          </a:effectRef>
+          <a:fontRef idx="minor">
+            <a:schemeClr val="tx1"/>
+          </a:fontRef>
+        </p:style>
+      </p:cxnSp>
+      <p:cxnSp>
+        <p:nvCxnSpPr>
+          <p:cNvPr id="20" name="Прямая соединительная линия 19"/>
+          <p:cNvCxnSpPr/>
+          <p:nvPr/>
+        </p:nvCxnSpPr>
+        <p:spPr>
+          <a:xfrm rot="5400000">
+            <a:off x="4929984" y="4071148"/>
+            <a:ext cx="857256" cy="1588"/>
+          </a:xfrm>
+          <a:prstGeom prst="line">
+            <a:avLst/>
+          </a:prstGeom>
+          <a:ln w="25400">
+            <a:solidFill>
+              <a:schemeClr val="bg2"/>
+            </a:solidFill>
+          </a:ln>
+        </p:spPr>
+        <p:style>
+          <a:lnRef idx="1">
+            <a:schemeClr val="accent1"/>
+          </a:lnRef>
+          <a:fillRef idx="0">
+            <a:schemeClr val="accent1"/>
+          </a:fillRef>
+          <a:effectRef idx="0">
+            <a:schemeClr val="accent1"/>
+          </a:effectRef>
+          <a:fontRef idx="minor">
+            <a:schemeClr val="tx1"/>
+          </a:fontRef>
+        </p:style>
+      </p:cxnSp>
+      <p:cxnSp>
+        <p:nvCxnSpPr>
+          <p:cNvPr id="21" name="Прямая соединительная линия 20"/>
+          <p:cNvCxnSpPr/>
+          <p:nvPr/>
+        </p:nvCxnSpPr>
+        <p:spPr>
+          <a:xfrm rot="5400000">
+            <a:off x="5287174" y="4071148"/>
+            <a:ext cx="857256" cy="1588"/>
+          </a:xfrm>
+          <a:prstGeom prst="line">
+            <a:avLst/>
+          </a:prstGeom>
+          <a:ln w="25400">
+            <a:solidFill>
+              <a:schemeClr val="bg2"/>
+            </a:solidFill>
+          </a:ln>
+        </p:spPr>
+        <p:style>
+          <a:lnRef idx="1">
+            <a:schemeClr val="accent1"/>
+          </a:lnRef>
+          <a:fillRef idx="0">
+            <a:schemeClr val="accent1"/>
+          </a:fillRef>
+          <a:effectRef idx="0">
+            <a:schemeClr val="accent1"/>
+          </a:effectRef>
+          <a:fontRef idx="minor">
+            <a:schemeClr val="tx1"/>
+          </a:fontRef>
+        </p:style>
+      </p:cxnSp>
+      <p:sp>
+        <p:nvSpPr>
+          <p:cNvPr id="22" name="TextBox 21"/>
+          <p:cNvSpPr txBox="1"/>
+          <p:nvPr/>
+        </p:nvSpPr>
+        <p:spPr>
+          <a:xfrm>
+            <a:off x="6643702" y="3571876"/>
+            <a:ext cx="2000264" cy="1077218"/>
+          </a:xfrm>
+          <a:prstGeom prst="rect">
+            <a:avLst/>
+          </a:prstGeom>
+          <a:noFill/>
+        </p:spPr>
+        <p:txBody>
+          <a:bodyPr wrap="square" rtlCol="0">
+            <a:spAutoFit/>
+          </a:bodyPr>
+          <a:lstStyle/>
+          <a:p>
+            <a:r>
+              <a:rPr lang="ru-RU" sz="3200" b="1" dirty="0" smtClean="0"/>
+              <a:t>«Живая»очередь</a:t>
+            </a:r>
+            <a:endParaRPr lang="ru-RU" sz="3200" b="1" dirty="0"/>
+          </a:p>
+        </p:txBody>
+      </p:sp>
+      <p:sp>
+        <p:nvSpPr>
+          <p:cNvPr id="28" name="TextBox 27"/>
+          <p:cNvSpPr txBox="1"/>
+          <p:nvPr/>
+        </p:nvSpPr>
+        <p:spPr>
+          <a:xfrm>
+            <a:off x="6215074" y="2143116"/>
+            <a:ext cx="2643206" cy="523220"/>
+          </a:xfrm>
+          <a:prstGeom prst="rect">
+            <a:avLst/>
+          </a:prstGeom>
+          <a:noFill/>
+        </p:spPr>
+        <p:txBody>
+          <a:bodyPr wrap="square" rtlCol="0">
+            <a:spAutoFit/>
+          </a:bodyPr>
+          <a:lstStyle/>
+          <a:p>
+            <a:r>
+              <a:rPr lang="ru-RU" sz="2800" b="1" dirty="0" smtClean="0"/>
+              <a:t>Регистратура</a:t>
+            </a:r>
+            <a:endParaRPr lang="ru-RU" sz="2800" b="1" dirty="0"/>
+          </a:p>
+        </p:txBody>
+      </p:sp>
+      <p:sp>
+        <p:nvSpPr>
+          <p:cNvPr id="29" name="Прямоугольник 28"/>
+          <p:cNvSpPr/>
+          <p:nvPr/>
+        </p:nvSpPr>
+        <p:spPr>
+          <a:xfrm>
+            <a:off x="3286116" y="1928802"/>
+            <a:ext cx="2571768" cy="1285884"/>
+          </a:xfrm>
+          <a:prstGeom prst="rect">
+            <a:avLst/>
+          </a:prstGeom>
+        </p:spPr>
+        <p:style>
+          <a:lnRef idx="2">
+            <a:schemeClr val="accent1">
+              <a:shade val="50000"/>
+            </a:schemeClr>
+          </a:lnRef>
+          <a:fillRef idx="1">
+            <a:schemeClr val="accent1"/>
+          </a:fillRef>
+          <a:effectRef idx="0">
+            <a:schemeClr val="accent1"/>
+          </a:effectRef>
+          <a:fontRef idx="minor">
+            <a:schemeClr val="lt1"/>
+          </a:fontRef>
+        </p:style>
+        <p:txBody>
+          <a:bodyPr rtlCol="0" anchor="ctr"/>
+          <a:lstStyle/>
+          <a:p>
+            <a:pPr algn="ctr"/>
+            <a:r>
+              <a:rPr lang="ru-RU" sz="3200" dirty="0" smtClean="0"/>
+              <a:t>Запись к врачу</a:t>
+            </a:r>
+            <a:endParaRPr lang="ru-RU" sz="3200" dirty="0"/>
+          </a:p>
+        </p:txBody>
+      </p:sp>
+      <p:cxnSp>
+        <p:nvCxnSpPr>
+          <p:cNvPr id="43" name="Скругленная соединительная линия 42"/>
+          <p:cNvCxnSpPr>
+            <a:stCxn id="29" idx="3"/>
+            <a:endCxn id="10" idx="3"/>
+          </p:cNvCxnSpPr>
+          <p:nvPr/>
+        </p:nvCxnSpPr>
+        <p:spPr>
+          <a:xfrm>
+            <a:off x="5857884" y="2571744"/>
+            <a:ext cx="142876" cy="1500198"/>
+          </a:xfrm>
+          <a:prstGeom prst="curvedConnector3">
+            <a:avLst>
+              <a:gd name="adj1" fmla="val 534283"/>
+            </a:avLst>
+          </a:prstGeom>
+          <a:ln w="38100">
+            <a:tailEnd type="arrow"/>
+          </a:ln>
+        </p:spPr>
+        <p:style>
+          <a:lnRef idx="1">
+            <a:schemeClr val="accent1"/>
+          </a:lnRef>
+          <a:fillRef idx="0">
+            <a:schemeClr val="accent1"/>
+          </a:fillRef>
+          <a:effectRef idx="0">
+            <a:schemeClr val="accent1"/>
+          </a:effectRef>
+          <a:fontRef idx="minor">
+            <a:schemeClr val="tx1"/>
+          </a:fontRef>
+        </p:style>
+      </p:cxnSp>
+      <p:pic>
+        <p:nvPicPr>
+          <p:cNvPr id="26" name="Рисунок 25" descr="5d5a98c87b10t.jpg"/>
+          <p:cNvPicPr>
+            <a:picLocks noChangeAspect="1"/>
+          </p:cNvPicPr>
+          <p:nvPr/>
+        </p:nvPicPr>
+        <p:blipFill>
+          <a:blip r:embed="rId3"/>
+          <a:stretch>
+            <a:fillRect/>
+          </a:stretch>
+        </p:blipFill>
+        <p:spPr>
+          <a:xfrm>
+            <a:off x="5143504" y="4643446"/>
+            <a:ext cx="1857388" cy="1614499"/>
+          </a:xfrm>
+          <a:prstGeom prst="rect">
+            <a:avLst/>
+          </a:prstGeom>
+        </p:spPr>
+      </p:pic>
+      <p:cxnSp>
+        <p:nvCxnSpPr>
+          <p:cNvPr id="34" name="Скругленная соединительная линия 33"/>
+          <p:cNvCxnSpPr>
+            <a:stCxn id="10" idx="1"/>
+          </p:cNvCxnSpPr>
+          <p:nvPr/>
+        </p:nvCxnSpPr>
+        <p:spPr>
+          <a:xfrm rot="10800000" flipH="1" flipV="1">
+            <a:off x="3357554" y="4071942"/>
+            <a:ext cx="1643074" cy="1357322"/>
+          </a:xfrm>
+          <a:prstGeom prst="curvedConnector3">
+            <a:avLst>
+              <a:gd name="adj1" fmla="val -13913"/>
+            </a:avLst>
+          </a:prstGeom>
+          <a:ln w="25400">
+            <a:tailEnd type="arrow"/>
+          </a:ln>
+        </p:spPr>
+        <p:style>
+          <a:lnRef idx="1">
+            <a:schemeClr val="accent1"/>
+          </a:lnRef>
+          <a:fillRef idx="0">
+            <a:schemeClr val="accent1"/>
+          </a:fillRef>
+          <a:effectRef idx="0">
+            <a:schemeClr val="accent1"/>
+          </a:effectRef>
+          <a:fontRef idx="minor">
+            <a:schemeClr val="tx1"/>
+          </a:fontRef>
+        </p:style>
+      </p:cxnSp>
+      <p:cxnSp>
+        <p:nvCxnSpPr>
+          <p:cNvPr id="36" name="Прямая со стрелкой 35"/>
+          <p:cNvCxnSpPr>
+            <a:stCxn id="1026" idx="3"/>
+            <a:endCxn id="29" idx="1"/>
+          </p:cNvCxnSpPr>
+          <p:nvPr/>
+        </p:nvCxnSpPr>
+        <p:spPr>
+          <a:xfrm flipV="1">
+            <a:off x="2200237" y="2571744"/>
+            <a:ext cx="1085879" cy="22909"/>
+          </a:xfrm>
+          <a:prstGeom prst="straightConnector1">
+            <a:avLst/>
+          </a:prstGeom>
+          <a:ln w="25400">
+            <a:tailEnd type="arrow"/>
+          </a:ln>
+        </p:spPr>
+        <p:style>
+          <a:lnRef idx="1">
+            <a:schemeClr val="accent1"/>
+          </a:lnRef>
+          <a:fillRef idx="0">
+            <a:schemeClr val="accent1"/>
+          </a:fillRef>
+          <a:effectRef idx="0">
+            <a:schemeClr val="accent1"/>
+          </a:effectRef>
+          <a:fontRef idx="minor">
+            <a:schemeClr val="tx1"/>
+          </a:fontRef>
+        </p:style>
+      </p:cxnSp>
+    </p:spTree>
+  </p:cSld>
+  <p:clrMapOvr>
+    <a:masterClrMapping/>
+  </p:clrMapOvr>
+  <p:timing>
+    <p:tnLst>
+      <p:par>
+        <p:cTn id="1" dur="indefinite" restart="never" nodeType="tmRoot"/>
+      </p:par>
+    </p:tnLst>
+  </p:timing>
+</p:sld>
+</file>
+
+<file path=ppt/slides/slide4.xml><?xml version="1.0" encoding="utf-8"?>
 <p:sld xmlns:a="http://schemas.openxmlformats.org/drawingml/2006/main" xmlns:r="http://schemas.openxmlformats.org/officeDocument/2006/relationships" xmlns:p="http://schemas.openxmlformats.org/presentationml/2006/main">
   <p:cSld>
     <p:spTree>
@@ -7235,7 +9936,7 @@
         <p:spPr>
           <a:xfrm>
             <a:off x="214282" y="1142984"/>
-            <a:ext cx="2786082" cy="523220"/>
+            <a:ext cx="3071834" cy="523220"/>
           </a:xfrm>
           <a:prstGeom prst="rect">
             <a:avLst/>
@@ -7268,136 +9969,6 @@
       </p:par>
     </p:tnLst>
   </p:timing>
-</p:sld>
-</file>
-
-<file path=ppt/slides/slide4.xml><?xml version="1.0" encoding="utf-8"?>
-<p:sld xmlns:a="http://schemas.openxmlformats.org/drawingml/2006/main" xmlns:r="http://schemas.openxmlformats.org/officeDocument/2006/relationships" xmlns:p="http://schemas.openxmlformats.org/presentationml/2006/main">
-  <p:cSld>
-    <p:spTree>
-      <p:nvGrpSpPr>
-        <p:cNvPr id="1" name=""/>
-        <p:cNvGrpSpPr/>
-        <p:nvPr/>
-      </p:nvGrpSpPr>
-      <p:grpSpPr>
-        <a:xfrm>
-          <a:off x="0" y="0"/>
-          <a:ext cx="0" cy="0"/>
-          <a:chOff x="0" y="0"/>
-          <a:chExt cx="0" cy="0"/>
-        </a:xfrm>
-      </p:grpSpPr>
-      <p:sp>
-        <p:nvSpPr>
-          <p:cNvPr id="2" name="Заголовок 1"/>
-          <p:cNvSpPr>
-            <a:spLocks noGrp="1"/>
-          </p:cNvSpPr>
-          <p:nvPr>
-            <p:ph type="title"/>
-          </p:nvPr>
-        </p:nvSpPr>
-        <p:spPr/>
-        <p:txBody>
-          <a:bodyPr/>
-          <a:lstStyle/>
-          <a:p>
-            <a:r>
-              <a:rPr lang="ru-RU" dirty="0" smtClean="0"/>
-              <a:t>Роли пользователей системы</a:t>
-            </a:r>
-            <a:endParaRPr lang="ru-RU" dirty="0"/>
-          </a:p>
-        </p:txBody>
-      </p:sp>
-      <p:graphicFrame>
-        <p:nvGraphicFramePr>
-          <p:cNvPr id="4" name="Схема 3"/>
-          <p:cNvGraphicFramePr/>
-          <p:nvPr/>
-        </p:nvGraphicFramePr>
-        <p:xfrm>
-          <a:off x="785786" y="1357298"/>
-          <a:ext cx="7929618" cy="3357586"/>
-        </p:xfrm>
-        <a:graphic>
-          <a:graphicData uri="http://schemas.openxmlformats.org/drawingml/2006/diagram">
-            <dgm:relIds xmlns:dgm="http://schemas.openxmlformats.org/drawingml/2006/diagram" xmlns:r="http://schemas.openxmlformats.org/officeDocument/2006/relationships" r:dm="rId2" r:lo="rId3" r:qs="rId4" r:cs="rId5"/>
-          </a:graphicData>
-        </a:graphic>
-      </p:graphicFrame>
-      <p:sp>
-        <p:nvSpPr>
-          <p:cNvPr id="5" name="TextBox 4"/>
-          <p:cNvSpPr txBox="1"/>
-          <p:nvPr/>
-        </p:nvSpPr>
-        <p:spPr>
-          <a:xfrm>
-            <a:off x="571472" y="4786322"/>
-            <a:ext cx="6721648" cy="1384995"/>
-          </a:xfrm>
-          <a:prstGeom prst="rect">
-            <a:avLst/>
-          </a:prstGeom>
-          <a:noFill/>
-        </p:spPr>
-        <p:txBody>
-          <a:bodyPr wrap="none" rtlCol="0">
-            <a:spAutoFit/>
-          </a:bodyPr>
-          <a:lstStyle/>
-          <a:p>
-            <a:r>
-              <a:rPr lang="ru-RU" sz="2800" dirty="0" smtClean="0"/>
-              <a:t>+ настраиваемые для каждой роли права</a:t>
-            </a:r>
-          </a:p>
-          <a:p>
-            <a:pPr>
-              <a:buFont typeface="Arial" pitchFamily="34" charset="0"/>
-              <a:buChar char="•"/>
-            </a:pPr>
-            <a:r>
-              <a:rPr lang="ru-RU" sz="2800" dirty="0" smtClean="0"/>
-              <a:t> </a:t>
-            </a:r>
-            <a:r>
-              <a:rPr lang="ru-RU" sz="2800" dirty="0" smtClean="0"/>
-              <a:t>доступ только к справочной информации</a:t>
-            </a:r>
-          </a:p>
-          <a:p>
-            <a:pPr>
-              <a:buFont typeface="Arial" pitchFamily="34" charset="0"/>
-              <a:buChar char="•"/>
-            </a:pPr>
-            <a:r>
-              <a:rPr lang="ru-RU" sz="2800" dirty="0" smtClean="0"/>
-              <a:t> </a:t>
-            </a:r>
-            <a:r>
-              <a:rPr lang="ru-RU" sz="2800" dirty="0" smtClean="0">
-                <a:solidFill>
-                  <a:srgbClr val="FF0000"/>
-                </a:solidFill>
-              </a:rPr>
-              <a:t>*ДОПИСАТЬ!!*</a:t>
-            </a:r>
-            <a:endParaRPr lang="ru-RU" sz="2800" dirty="0">
-              <a:solidFill>
-                <a:srgbClr val="FF0000"/>
-              </a:solidFill>
-            </a:endParaRPr>
-          </a:p>
-        </p:txBody>
-      </p:sp>
-    </p:spTree>
-  </p:cSld>
-  <p:clrMapOvr>
-    <a:masterClrMapping/>
-  </p:clrMapOvr>
 </p:sld>
 </file>
 
@@ -7431,6 +10002,240 @@
         <p:spPr>
           <a:xfrm>
             <a:off x="428596" y="0"/>
+            <a:ext cx="8229600" cy="1143000"/>
+          </a:xfrm>
+        </p:spPr>
+        <p:txBody>
+          <a:bodyPr/>
+          <a:lstStyle/>
+          <a:p>
+            <a:r>
+              <a:rPr lang="ru-RU" dirty="0" smtClean="0"/>
+              <a:t>Пользователи системы</a:t>
+            </a:r>
+            <a:endParaRPr lang="ru-RU" dirty="0"/>
+          </a:p>
+        </p:txBody>
+      </p:sp>
+      <p:graphicFrame>
+        <p:nvGraphicFramePr>
+          <p:cNvPr id="4" name="Схема 3"/>
+          <p:cNvGraphicFramePr/>
+          <p:nvPr/>
+        </p:nvGraphicFramePr>
+        <p:xfrm>
+          <a:off x="785786" y="1357298"/>
+          <a:ext cx="7929618" cy="3357586"/>
+        </p:xfrm>
+        <a:graphic>
+          <a:graphicData uri="http://schemas.openxmlformats.org/drawingml/2006/diagram">
+            <dgm:relIds xmlns:dgm="http://schemas.openxmlformats.org/drawingml/2006/diagram" xmlns:r="http://schemas.openxmlformats.org/officeDocument/2006/relationships" r:dm="rId2" r:lo="rId3" r:qs="rId4" r:cs="rId5"/>
+          </a:graphicData>
+        </a:graphic>
+      </p:graphicFrame>
+      <p:sp>
+        <p:nvSpPr>
+          <p:cNvPr id="5" name="TextBox 4"/>
+          <p:cNvSpPr txBox="1"/>
+          <p:nvPr/>
+        </p:nvSpPr>
+        <p:spPr>
+          <a:xfrm>
+            <a:off x="571472" y="4500570"/>
+            <a:ext cx="8143932" cy="523220"/>
+          </a:xfrm>
+          <a:prstGeom prst="rect">
+            <a:avLst/>
+          </a:prstGeom>
+          <a:noFill/>
+        </p:spPr>
+        <p:txBody>
+          <a:bodyPr wrap="square" rtlCol="0">
+            <a:spAutoFit/>
+          </a:bodyPr>
+          <a:lstStyle/>
+          <a:p>
+            <a:r>
+              <a:rPr lang="ru-RU" sz="2800" dirty="0" smtClean="0"/>
+              <a:t>           3                      2                     1                     0</a:t>
+            </a:r>
+            <a:endParaRPr lang="ru-RU" sz="2800" dirty="0">
+              <a:solidFill>
+                <a:srgbClr val="FF0000"/>
+              </a:solidFill>
+            </a:endParaRPr>
+          </a:p>
+        </p:txBody>
+      </p:sp>
+    </p:spTree>
+  </p:cSld>
+  <p:clrMapOvr>
+    <a:masterClrMapping/>
+  </p:clrMapOvr>
+  <p:timing>
+    <p:tnLst>
+      <p:par>
+        <p:cTn id="1" dur="indefinite" restart="never" nodeType="tmRoot"/>
+      </p:par>
+    </p:tnLst>
+  </p:timing>
+</p:sld>
+</file>
+
+<file path=ppt/slides/slide6.xml><?xml version="1.0" encoding="utf-8"?>
+<p:sld xmlns:a="http://schemas.openxmlformats.org/drawingml/2006/main" xmlns:r="http://schemas.openxmlformats.org/officeDocument/2006/relationships" xmlns:p="http://schemas.openxmlformats.org/presentationml/2006/main">
+  <p:cSld>
+    <p:spTree>
+      <p:nvGrpSpPr>
+        <p:cNvPr id="1" name=""/>
+        <p:cNvGrpSpPr/>
+        <p:nvPr/>
+      </p:nvGrpSpPr>
+      <p:grpSpPr>
+        <a:xfrm>
+          <a:off x="0" y="0"/>
+          <a:ext cx="0" cy="0"/>
+          <a:chOff x="0" y="0"/>
+          <a:chExt cx="0" cy="0"/>
+        </a:xfrm>
+      </p:grpSpPr>
+      <p:sp>
+        <p:nvSpPr>
+          <p:cNvPr id="2" name="Заголовок 1"/>
+          <p:cNvSpPr>
+            <a:spLocks noGrp="1"/>
+          </p:cNvSpPr>
+          <p:nvPr>
+            <p:ph type="title"/>
+          </p:nvPr>
+        </p:nvSpPr>
+        <p:spPr>
+          <a:xfrm>
+            <a:off x="357158" y="214290"/>
+            <a:ext cx="8229600" cy="917596"/>
+          </a:xfrm>
+        </p:spPr>
+        <p:txBody>
+          <a:bodyPr/>
+          <a:lstStyle/>
+          <a:p>
+            <a:r>
+              <a:rPr lang="ru-RU" dirty="0" smtClean="0"/>
+              <a:t>Роли пользователей системы</a:t>
+            </a:r>
+            <a:endParaRPr lang="ru-RU" dirty="0"/>
+          </a:p>
+        </p:txBody>
+      </p:sp>
+      <p:sp>
+        <p:nvSpPr>
+          <p:cNvPr id="3" name="Содержимое 2"/>
+          <p:cNvSpPr>
+            <a:spLocks noGrp="1"/>
+          </p:cNvSpPr>
+          <p:nvPr>
+            <p:ph idx="1"/>
+          </p:nvPr>
+        </p:nvSpPr>
+        <p:spPr>
+          <a:xfrm>
+            <a:off x="357158" y="1214422"/>
+            <a:ext cx="8501122" cy="5357850"/>
+          </a:xfrm>
+        </p:spPr>
+        <p:txBody>
+          <a:bodyPr>
+            <a:normAutofit lnSpcReduction="10000"/>
+          </a:bodyPr>
+          <a:lstStyle/>
+          <a:p>
+            <a:r>
+              <a:rPr lang="ru-RU" sz="2800" u="sng" dirty="0" smtClean="0"/>
+              <a:t>Пользователь</a:t>
+            </a:r>
+            <a:r>
+              <a:rPr lang="ru-RU" sz="2800" dirty="0" smtClean="0"/>
+              <a:t> (получение справочной информации, запись к врачу)</a:t>
+            </a:r>
+          </a:p>
+          <a:p>
+            <a:r>
+              <a:rPr lang="ru-RU" sz="2800" u="sng" dirty="0" smtClean="0"/>
+              <a:t>Врач</a:t>
+            </a:r>
+            <a:r>
+              <a:rPr lang="ru-RU" sz="2800" dirty="0" smtClean="0"/>
+              <a:t> (получение справочной информации, просмотр списка пациентов, внесение записей в карточку пациента)</a:t>
+            </a:r>
+          </a:p>
+          <a:p>
+            <a:r>
+              <a:rPr lang="ru-RU" sz="2800" u="sng" dirty="0" smtClean="0"/>
+              <a:t>Модератор</a:t>
+            </a:r>
+            <a:r>
+              <a:rPr lang="ru-RU" sz="2800" dirty="0" smtClean="0"/>
+              <a:t> (добавление пациентов, внесение изменений в личные данные пациента,  редактирование расписания работы врачей, добавление справочной информации)</a:t>
+            </a:r>
+          </a:p>
+          <a:p>
+            <a:r>
+              <a:rPr lang="ru-RU" sz="2800" u="sng" dirty="0" smtClean="0"/>
+              <a:t>Администратор</a:t>
+            </a:r>
+            <a:r>
+              <a:rPr lang="ru-RU" sz="2800" dirty="0" smtClean="0"/>
+              <a:t> (все права нижестоящих пользователей, добавление, удаление и изменение любых записей в системе)</a:t>
+            </a:r>
+            <a:endParaRPr lang="ru-RU" sz="2800" dirty="0"/>
+          </a:p>
+        </p:txBody>
+      </p:sp>
+    </p:spTree>
+  </p:cSld>
+  <p:clrMapOvr>
+    <a:masterClrMapping/>
+  </p:clrMapOvr>
+  <p:timing>
+    <p:tnLst>
+      <p:par>
+        <p:cTn id="1" dur="indefinite" restart="never" nodeType="tmRoot"/>
+      </p:par>
+    </p:tnLst>
+  </p:timing>
+</p:sld>
+</file>
+
+<file path=ppt/slides/slide7.xml><?xml version="1.0" encoding="utf-8"?>
+<p:sld xmlns:a="http://schemas.openxmlformats.org/drawingml/2006/main" xmlns:r="http://schemas.openxmlformats.org/officeDocument/2006/relationships" xmlns:p="http://schemas.openxmlformats.org/presentationml/2006/main">
+  <p:cSld>
+    <p:spTree>
+      <p:nvGrpSpPr>
+        <p:cNvPr id="1" name=""/>
+        <p:cNvGrpSpPr/>
+        <p:nvPr/>
+      </p:nvGrpSpPr>
+      <p:grpSpPr>
+        <a:xfrm>
+          <a:off x="0" y="0"/>
+          <a:ext cx="0" cy="0"/>
+          <a:chOff x="0" y="0"/>
+          <a:chExt cx="0" cy="0"/>
+        </a:xfrm>
+      </p:grpSpPr>
+      <p:sp>
+        <p:nvSpPr>
+          <p:cNvPr id="2" name="Заголовок 1"/>
+          <p:cNvSpPr>
+            <a:spLocks noGrp="1"/>
+          </p:cNvSpPr>
+          <p:nvPr>
+            <p:ph type="title"/>
+          </p:nvPr>
+        </p:nvSpPr>
+        <p:spPr>
+          <a:xfrm>
+            <a:off x="428596" y="0"/>
             <a:ext cx="8229600" cy="1011222"/>
           </a:xfrm>
         </p:spPr>
@@ -7462,7 +10267,7 @@
         </p:blipFill>
         <p:spPr>
           <a:xfrm>
-            <a:off x="1428760" y="3643314"/>
+            <a:off x="6215074" y="2357430"/>
             <a:ext cx="2209422" cy="1285884"/>
           </a:xfrm>
           <a:prstGeom prst="rect">
@@ -7486,7 +10291,7 @@
         </p:blipFill>
         <p:spPr>
           <a:xfrm>
-            <a:off x="1357290" y="2714620"/>
+            <a:off x="3500430" y="2643182"/>
             <a:ext cx="1928826" cy="1014987"/>
           </a:xfrm>
           <a:prstGeom prst="rect">
@@ -7494,46 +10299,6 @@
           </a:prstGeom>
         </p:spPr>
       </p:pic>
-      <p:sp>
-        <p:nvSpPr>
-          <p:cNvPr id="8" name="Прямоугольник 7"/>
-          <p:cNvSpPr/>
-          <p:nvPr/>
-        </p:nvSpPr>
-        <p:spPr>
-          <a:xfrm>
-            <a:off x="4214810" y="5500702"/>
-            <a:ext cx="2544094" cy="584775"/>
-          </a:xfrm>
-          <a:prstGeom prst="rect">
-            <a:avLst/>
-          </a:prstGeom>
-        </p:spPr>
-        <p:txBody>
-          <a:bodyPr wrap="none">
-            <a:spAutoFit/>
-          </a:bodyPr>
-          <a:lstStyle/>
-          <a:p>
-            <a:r>
-              <a:rPr lang="en-US" sz="1600" i="1" dirty="0" smtClean="0"/>
-              <a:t>Cascading Style Sheets</a:t>
-            </a:r>
-            <a:r>
-              <a:rPr lang="en-US" sz="1600" dirty="0" smtClean="0"/>
-              <a:t> - </a:t>
-            </a:r>
-            <a:endParaRPr lang="ru-RU" sz="1600" dirty="0" smtClean="0"/>
-          </a:p>
-          <a:p>
-            <a:r>
-              <a:rPr lang="ru-RU" sz="1600" dirty="0" smtClean="0"/>
-              <a:t>каскадные таблицы стилей</a:t>
-            </a:r>
-            <a:endParaRPr lang="ru-RU" sz="1600" dirty="0"/>
-          </a:p>
-        </p:txBody>
-      </p:sp>
       <p:sp>
         <p:nvSpPr>
           <p:cNvPr id="9" name="TextBox 8"/>
@@ -7576,7 +10341,7 @@
         </p:nvSpPr>
         <p:spPr>
           <a:xfrm>
-            <a:off x="1714480" y="1928802"/>
+            <a:off x="3643306" y="1714488"/>
             <a:ext cx="1595309" cy="646331"/>
           </a:xfrm>
           <a:prstGeom prst="rect">
@@ -7606,7 +10371,7 @@
         </p:nvSpPr>
         <p:spPr>
           <a:xfrm>
-            <a:off x="4500562" y="1928802"/>
+            <a:off x="3714744" y="4000504"/>
             <a:ext cx="1576072" cy="646331"/>
           </a:xfrm>
           <a:prstGeom prst="rect">
@@ -7644,7 +10409,7 @@
         </p:blipFill>
         <p:spPr>
           <a:xfrm>
-            <a:off x="3786182" y="2571744"/>
+            <a:off x="1285852" y="4857760"/>
             <a:ext cx="1500198" cy="1500198"/>
           </a:xfrm>
           <a:prstGeom prst="rect">
@@ -7668,7 +10433,7 @@
         </p:blipFill>
         <p:spPr>
           <a:xfrm>
-            <a:off x="5286380" y="2571744"/>
+            <a:off x="6500826" y="4786322"/>
             <a:ext cx="1857388" cy="1523058"/>
           </a:xfrm>
           <a:prstGeom prst="rect">
@@ -7692,7 +10457,7 @@
         </p:blipFill>
         <p:spPr>
           <a:xfrm>
-            <a:off x="4429124" y="4286256"/>
+            <a:off x="4000496" y="5143512"/>
             <a:ext cx="1143008" cy="1143008"/>
           </a:xfrm>
           <a:prstGeom prst="rect">
@@ -7700,15 +10465,146 @@
           </a:prstGeom>
         </p:spPr>
       </p:pic>
+      <p:pic>
+        <p:nvPicPr>
+          <p:cNvPr id="8194" name="Picture 2" descr="http://www.synkronsolutions.com/images/apache.jpg"/>
+          <p:cNvPicPr>
+            <a:picLocks noChangeAspect="1" noChangeArrowheads="1"/>
+          </p:cNvPicPr>
+          <p:nvPr/>
+        </p:nvPicPr>
+        <p:blipFill>
+          <a:blip r:embed="rId7"/>
+          <a:srcRect/>
+          <a:stretch>
+            <a:fillRect/>
+          </a:stretch>
+        </p:blipFill>
+        <p:spPr bwMode="auto">
+          <a:xfrm>
+            <a:off x="785786" y="2428868"/>
+            <a:ext cx="1785950" cy="1339464"/>
+          </a:xfrm>
+          <a:prstGeom prst="rect">
+            <a:avLst/>
+          </a:prstGeom>
+          <a:noFill/>
+        </p:spPr>
+      </p:pic>
+      <p:sp>
+        <p:nvSpPr>
+          <p:cNvPr id="13" name="Прямоугольник 12"/>
+          <p:cNvSpPr/>
+          <p:nvPr/>
+        </p:nvSpPr>
+        <p:spPr>
+          <a:xfrm>
+            <a:off x="500034" y="4714884"/>
+            <a:ext cx="8286808" cy="1928826"/>
+          </a:xfrm>
+          <a:prstGeom prst="rect">
+            <a:avLst/>
+          </a:prstGeom>
+          <a:noFill/>
+          <a:ln>
+            <a:solidFill>
+              <a:schemeClr val="accent5">
+                <a:lumMod val="75000"/>
+              </a:schemeClr>
+            </a:solidFill>
+            <a:prstDash val="dash"/>
+          </a:ln>
+        </p:spPr>
+        <p:style>
+          <a:lnRef idx="2">
+            <a:schemeClr val="accent1">
+              <a:shade val="50000"/>
+            </a:schemeClr>
+          </a:lnRef>
+          <a:fillRef idx="1">
+            <a:schemeClr val="accent1"/>
+          </a:fillRef>
+          <a:effectRef idx="0">
+            <a:schemeClr val="accent1"/>
+          </a:effectRef>
+          <a:fontRef idx="minor">
+            <a:schemeClr val="lt1"/>
+          </a:fontRef>
+        </p:style>
+        <p:txBody>
+          <a:bodyPr rtlCol="0" anchor="ctr"/>
+          <a:lstStyle/>
+          <a:p>
+            <a:pPr algn="ctr"/>
+            <a:endParaRPr lang="ru-RU"/>
+          </a:p>
+        </p:txBody>
+      </p:sp>
+      <p:sp>
+        <p:nvSpPr>
+          <p:cNvPr id="21" name="Прямоугольник 20"/>
+          <p:cNvSpPr/>
+          <p:nvPr/>
+        </p:nvSpPr>
+        <p:spPr>
+          <a:xfrm>
+            <a:off x="500034" y="2500306"/>
+            <a:ext cx="8286808" cy="1500198"/>
+          </a:xfrm>
+          <a:prstGeom prst="rect">
+            <a:avLst/>
+          </a:prstGeom>
+          <a:noFill/>
+          <a:ln>
+            <a:solidFill>
+              <a:schemeClr val="accent6">
+                <a:lumMod val="75000"/>
+              </a:schemeClr>
+            </a:solidFill>
+            <a:prstDash val="dash"/>
+          </a:ln>
+        </p:spPr>
+        <p:style>
+          <a:lnRef idx="2">
+            <a:schemeClr val="accent1">
+              <a:shade val="50000"/>
+            </a:schemeClr>
+          </a:lnRef>
+          <a:fillRef idx="1">
+            <a:schemeClr val="accent1"/>
+          </a:fillRef>
+          <a:effectRef idx="0">
+            <a:schemeClr val="accent1"/>
+          </a:effectRef>
+          <a:fontRef idx="minor">
+            <a:schemeClr val="lt1"/>
+          </a:fontRef>
+        </p:style>
+        <p:txBody>
+          <a:bodyPr rtlCol="0" anchor="ctr"/>
+          <a:lstStyle/>
+          <a:p>
+            <a:pPr algn="ctr"/>
+            <a:endParaRPr lang="ru-RU"/>
+          </a:p>
+        </p:txBody>
+      </p:sp>
     </p:spTree>
   </p:cSld>
   <p:clrMapOvr>
     <a:masterClrMapping/>
   </p:clrMapOvr>
+  <p:timing>
+    <p:tnLst>
+      <p:par>
+        <p:cTn id="1" dur="indefinite" restart="never" nodeType="tmRoot"/>
+      </p:par>
+    </p:tnLst>
+  </p:timing>
 </p:sld>
 </file>
 
-<file path=ppt/slides/slide6.xml><?xml version="1.0" encoding="utf-8"?>
+<file path=ppt/slides/slide8.xml><?xml version="1.0" encoding="utf-8"?>
 <p:sld xmlns:a="http://schemas.openxmlformats.org/drawingml/2006/main" xmlns:r="http://schemas.openxmlformats.org/officeDocument/2006/relationships" xmlns:p="http://schemas.openxmlformats.org/presentationml/2006/main">
   <p:cSld>
     <p:spTree>
@@ -7793,10 +10689,17 @@
   <p:clrMapOvr>
     <a:masterClrMapping/>
   </p:clrMapOvr>
+  <p:timing>
+    <p:tnLst>
+      <p:par>
+        <p:cTn id="1" dur="indefinite" restart="never" nodeType="tmRoot"/>
+      </p:par>
+    </p:tnLst>
+  </p:timing>
 </p:sld>
 </file>
 
-<file path=ppt/slides/slide7.xml><?xml version="1.0" encoding="utf-8"?>
+<file path=ppt/slides/slide9.xml><?xml version="1.0" encoding="utf-8"?>
 <p:sld xmlns:a="http://schemas.openxmlformats.org/drawingml/2006/main" xmlns:r="http://schemas.openxmlformats.org/officeDocument/2006/relationships" xmlns:p="http://schemas.openxmlformats.org/presentationml/2006/main">
   <p:cSld>
     <p:spTree>
@@ -7879,187 +10782,20 @@
   <p:clrMapOvr>
     <a:masterClrMapping/>
   </p:clrMapOvr>
-</p:sld>
-</file>
-
-<file path=ppt/slides/slide8.xml><?xml version="1.0" encoding="utf-8"?>
-<p:sld xmlns:a="http://schemas.openxmlformats.org/drawingml/2006/main" xmlns:r="http://schemas.openxmlformats.org/officeDocument/2006/relationships" xmlns:p="http://schemas.openxmlformats.org/presentationml/2006/main">
-  <p:cSld>
-    <p:spTree>
-      <p:nvGrpSpPr>
-        <p:cNvPr id="1" name=""/>
-        <p:cNvGrpSpPr/>
-        <p:nvPr/>
-      </p:nvGrpSpPr>
-      <p:grpSpPr>
-        <a:xfrm>
-          <a:off x="0" y="0"/>
-          <a:ext cx="0" cy="0"/>
-          <a:chOff x="0" y="0"/>
-          <a:chExt cx="0" cy="0"/>
-        </a:xfrm>
-      </p:grpSpPr>
-      <p:sp>
-        <p:nvSpPr>
-          <p:cNvPr id="2" name="Заголовок 1"/>
-          <p:cNvSpPr>
-            <a:spLocks noGrp="1"/>
-          </p:cNvSpPr>
-          <p:nvPr>
-            <p:ph type="title"/>
-          </p:nvPr>
-        </p:nvSpPr>
-        <p:spPr>
-          <a:xfrm>
-            <a:off x="428596" y="0"/>
-            <a:ext cx="8229600" cy="1143000"/>
-          </a:xfrm>
-        </p:spPr>
-        <p:txBody>
-          <a:bodyPr>
-            <a:normAutofit fontScale="90000"/>
-          </a:bodyPr>
-          <a:lstStyle/>
-          <a:p>
-            <a:r>
-              <a:rPr lang="ru-RU" dirty="0" smtClean="0"/>
-              <a:t>Главное меню после авторизации</a:t>
-            </a:r>
-            <a:endParaRPr lang="ru-RU" dirty="0"/>
-          </a:p>
-        </p:txBody>
-      </p:sp>
-      <p:pic>
-        <p:nvPicPr>
-          <p:cNvPr id="3074" name="Picture 2"/>
-          <p:cNvPicPr>
-            <a:picLocks noChangeAspect="1" noChangeArrowheads="1"/>
-          </p:cNvPicPr>
-          <p:nvPr/>
-        </p:nvPicPr>
-        <p:blipFill>
-          <a:blip r:embed="rId2"/>
-          <a:srcRect l="15884" t="6592" r="16210" b="41405"/>
-          <a:stretch>
-            <a:fillRect/>
-          </a:stretch>
-        </p:blipFill>
-        <p:spPr bwMode="auto">
-          <a:xfrm>
-            <a:off x="428596" y="1214422"/>
-            <a:ext cx="8286808" cy="5076811"/>
-          </a:xfrm>
-          <a:prstGeom prst="rect">
-            <a:avLst/>
-          </a:prstGeom>
-          <a:noFill/>
-          <a:ln w="9525">
-            <a:noFill/>
-            <a:miter lim="800000"/>
-            <a:headEnd/>
-            <a:tailEnd/>
-          </a:ln>
-          <a:effectLst/>
-        </p:spPr>
-      </p:pic>
-    </p:spTree>
-  </p:cSld>
-  <p:clrMapOvr>
-    <a:masterClrMapping/>
-  </p:clrMapOvr>
-</p:sld>
-</file>
-
-<file path=ppt/slides/slide9.xml><?xml version="1.0" encoding="utf-8"?>
-<p:sld xmlns:a="http://schemas.openxmlformats.org/drawingml/2006/main" xmlns:r="http://schemas.openxmlformats.org/officeDocument/2006/relationships" xmlns:p="http://schemas.openxmlformats.org/presentationml/2006/main">
-  <p:cSld>
-    <p:spTree>
-      <p:nvGrpSpPr>
-        <p:cNvPr id="1" name=""/>
-        <p:cNvGrpSpPr/>
-        <p:nvPr/>
-      </p:nvGrpSpPr>
-      <p:grpSpPr>
-        <a:xfrm>
-          <a:off x="0" y="0"/>
-          <a:ext cx="0" cy="0"/>
-          <a:chOff x="0" y="0"/>
-          <a:chExt cx="0" cy="0"/>
-        </a:xfrm>
-      </p:grpSpPr>
-      <p:sp>
-        <p:nvSpPr>
-          <p:cNvPr id="2" name="Заголовок 1"/>
-          <p:cNvSpPr>
-            <a:spLocks noGrp="1"/>
-          </p:cNvSpPr>
-          <p:nvPr>
-            <p:ph type="title"/>
-          </p:nvPr>
-        </p:nvSpPr>
-        <p:spPr>
-          <a:xfrm>
-            <a:off x="428596" y="214290"/>
-            <a:ext cx="8229600" cy="796908"/>
-          </a:xfrm>
-        </p:spPr>
-        <p:txBody>
-          <a:bodyPr/>
-          <a:lstStyle/>
-          <a:p>
-            <a:r>
-              <a:rPr lang="ru-RU" dirty="0" smtClean="0"/>
-              <a:t>Интерфейс терминала</a:t>
-            </a:r>
-            <a:endParaRPr lang="ru-RU" dirty="0"/>
-          </a:p>
-        </p:txBody>
-      </p:sp>
-      <p:pic>
-        <p:nvPicPr>
-          <p:cNvPr id="4098" name="Picture 2"/>
-          <p:cNvPicPr>
-            <a:picLocks noChangeAspect="1" noChangeArrowheads="1"/>
-          </p:cNvPicPr>
-          <p:nvPr/>
-        </p:nvPicPr>
-        <p:blipFill>
-          <a:blip r:embed="rId2"/>
-          <a:srcRect l="25195" t="27100" r="25000" b="29687"/>
-          <a:stretch>
-            <a:fillRect/>
-          </a:stretch>
-        </p:blipFill>
-        <p:spPr bwMode="auto">
-          <a:xfrm>
-            <a:off x="785786" y="1142984"/>
-            <a:ext cx="7572428" cy="5256154"/>
-          </a:xfrm>
-          <a:prstGeom prst="rect">
-            <a:avLst/>
-          </a:prstGeom>
-          <a:noFill/>
-          <a:ln w="9525">
-            <a:noFill/>
-            <a:miter lim="800000"/>
-            <a:headEnd/>
-            <a:tailEnd/>
-          </a:ln>
-          <a:effectLst/>
-        </p:spPr>
-      </p:pic>
-    </p:spTree>
-  </p:cSld>
-  <p:clrMapOvr>
-    <a:masterClrMapping/>
-  </p:clrMapOvr>
+  <p:timing>
+    <p:tnLst>
+      <p:par>
+        <p:cTn id="1" dur="indefinite" restart="never" nodeType="tmRoot"/>
+      </p:par>
+    </p:tnLst>
+  </p:timing>
 </p:sld>
 </file>
 
 <file path=ppt/theme/theme1.xml><?xml version="1.0" encoding="utf-8"?>
-<a:theme xmlns:a="http://schemas.openxmlformats.org/drawingml/2006/main" name="Тема Office">
+<a:theme xmlns:a="http://schemas.openxmlformats.org/drawingml/2006/main" name="Поток">
   <a:themeElements>
-    <a:clrScheme name="Стандартная">
+    <a:clrScheme name="Поток">
       <a:dk1>
         <a:sysClr val="windowText" lastClr="000000"/>
       </a:dk1>
@@ -8067,80 +10803,46 @@
         <a:sysClr val="window" lastClr="FFFFFF"/>
       </a:lt1>
       <a:dk2>
-        <a:srgbClr val="1F497D"/>
+        <a:srgbClr val="04617B"/>
       </a:dk2>
       <a:lt2>
-        <a:srgbClr val="EEECE1"/>
+        <a:srgbClr val="DBF5F9"/>
       </a:lt2>
       <a:accent1>
-        <a:srgbClr val="4F81BD"/>
+        <a:srgbClr val="0F6FC6"/>
       </a:accent1>
       <a:accent2>
-        <a:srgbClr val="C0504D"/>
+        <a:srgbClr val="009DD9"/>
       </a:accent2>
       <a:accent3>
-        <a:srgbClr val="9BBB59"/>
+        <a:srgbClr val="0BD0D9"/>
       </a:accent3>
       <a:accent4>
-        <a:srgbClr val="8064A2"/>
+        <a:srgbClr val="10CF9B"/>
       </a:accent4>
       <a:accent5>
-        <a:srgbClr val="4BACC6"/>
+        <a:srgbClr val="7CCA62"/>
       </a:accent5>
       <a:accent6>
-        <a:srgbClr val="F79646"/>
+        <a:srgbClr val="A5C249"/>
       </a:accent6>
       <a:hlink>
-        <a:srgbClr val="0000FF"/>
+        <a:srgbClr val="E2D700"/>
       </a:hlink>
       <a:folHlink>
-        <a:srgbClr val="800080"/>
+        <a:srgbClr val="85DFD0"/>
       </a:folHlink>
     </a:clrScheme>
-    <a:fontScheme name="Стандартная">
+    <a:fontScheme name="Поток">
       <a:majorFont>
         <a:latin typeface="Calibri"/>
         <a:ea typeface=""/>
         <a:cs typeface=""/>
         <a:font script="Jpan" typeface="ＭＳ Ｐゴシック"/>
-        <a:font script="Hang" typeface="맑은 고딕"/>
-        <a:font script="Hans" typeface="宋体"/>
-        <a:font script="Hant" typeface="新細明體"/>
-        <a:font script="Arab" typeface="Times New Roman"/>
-        <a:font script="Hebr" typeface="Times New Roman"/>
-        <a:font script="Thai" typeface="Angsana New"/>
-        <a:font script="Ethi" typeface="Nyala"/>
-        <a:font script="Beng" typeface="Vrinda"/>
-        <a:font script="Gujr" typeface="Shruti"/>
-        <a:font script="Khmr" typeface="MoolBoran"/>
-        <a:font script="Knda" typeface="Tunga"/>
-        <a:font script="Guru" typeface="Raavi"/>
-        <a:font script="Cans" typeface="Euphemia"/>
-        <a:font script="Cher" typeface="Plantagenet Cherokee"/>
-        <a:font script="Yiii" typeface="Microsoft Yi Baiti"/>
-        <a:font script="Tibt" typeface="Microsoft Himalaya"/>
-        <a:font script="Thaa" typeface="MV Boli"/>
-        <a:font script="Deva" typeface="Mangal"/>
-        <a:font script="Telu" typeface="Gautami"/>
-        <a:font script="Taml" typeface="Latha"/>
-        <a:font script="Syrc" typeface="Estrangelo Edessa"/>
-        <a:font script="Orya" typeface="Kalinga"/>
-        <a:font script="Mlym" typeface="Kartika"/>
-        <a:font script="Laoo" typeface="DokChampa"/>
-        <a:font script="Sinh" typeface="Iskoola Pota"/>
-        <a:font script="Mong" typeface="Mongolian Baiti"/>
-        <a:font script="Viet" typeface="Times New Roman"/>
-        <a:font script="Uigh" typeface="Microsoft Uighur"/>
-      </a:majorFont>
-      <a:minorFont>
-        <a:latin typeface="Calibri"/>
-        <a:ea typeface=""/>
-        <a:cs typeface=""/>
-        <a:font script="Jpan" typeface="ＭＳ Ｐゴシック"/>
-        <a:font script="Hang" typeface="맑은 고딕"/>
-        <a:font script="Hans" typeface="宋体"/>
-        <a:font script="Hant" typeface="新細明體"/>
-        <a:font script="Arab" typeface="Arial"/>
+        <a:font script="Hang" typeface="HY중고딕"/>
+        <a:font script="Hans" typeface="隶书"/>
+        <a:font script="Hant" typeface="微軟正黑體"/>
+        <a:font script="Arab" typeface="Traditional Arabic"/>
         <a:font script="Hebr" typeface="Arial"/>
         <a:font script="Thai" typeface="Cordia New"/>
         <a:font script="Ethi" typeface="Nyala"/>
@@ -8165,9 +10867,43 @@
         <a:font script="Mong" typeface="Mongolian Baiti"/>
         <a:font script="Viet" typeface="Arial"/>
         <a:font script="Uigh" typeface="Microsoft Uighur"/>
+      </a:majorFont>
+      <a:minorFont>
+        <a:latin typeface="Constantia"/>
+        <a:ea typeface=""/>
+        <a:cs typeface=""/>
+        <a:font script="Jpan" typeface="HGP明朝E"/>
+        <a:font script="Hang" typeface="HY신명조"/>
+        <a:font script="Hans" typeface="宋体"/>
+        <a:font script="Hant" typeface="新細明體"/>
+        <a:font script="Arab" typeface="Majalla UI"/>
+        <a:font script="Hebr" typeface="David"/>
+        <a:font script="Thai" typeface="Browallia New"/>
+        <a:font script="Ethi" typeface="Nyala"/>
+        <a:font script="Beng" typeface="Vrinda"/>
+        <a:font script="Gujr" typeface="Shruti"/>
+        <a:font script="Khmr" typeface="MoolBoran"/>
+        <a:font script="Knda" typeface="Tunga"/>
+        <a:font script="Guru" typeface="Raavi"/>
+        <a:font script="Cans" typeface="Euphemia"/>
+        <a:font script="Cher" typeface="Plantagenet Cherokee"/>
+        <a:font script="Yiii" typeface="Microsoft Yi Baiti"/>
+        <a:font script="Tibt" typeface="Microsoft Himalaya"/>
+        <a:font script="Thaa" typeface="MV Boli"/>
+        <a:font script="Deva" typeface="Mangal"/>
+        <a:font script="Telu" typeface="Gautami"/>
+        <a:font script="Taml" typeface="Latha"/>
+        <a:font script="Syrc" typeface="Estrangelo Edessa"/>
+        <a:font script="Orya" typeface="Kalinga"/>
+        <a:font script="Mlym" typeface="Kartika"/>
+        <a:font script="Laoo" typeface="DokChampa"/>
+        <a:font script="Sinh" typeface="Iskoola Pota"/>
+        <a:font script="Mong" typeface="Mongolian Baiti"/>
+        <a:font script="Viet" typeface="Times New Roman"/>
+        <a:font script="Uigh" typeface="Microsoft Uighur"/>
       </a:minorFont>
     </a:fontScheme>
-    <a:fmtScheme name="Стандартная">
+    <a:fmtScheme name="Поток">
       <a:fillStyleLst>
         <a:solidFill>
           <a:schemeClr val="phClr"/>
@@ -8176,55 +10912,66 @@
           <a:gsLst>
             <a:gs pos="0">
               <a:schemeClr val="phClr">
-                <a:tint val="50000"/>
-                <a:satMod val="300000"/>
+                <a:tint val="70000"/>
+                <a:satMod val="130000"/>
               </a:schemeClr>
             </a:gs>
-            <a:gs pos="35000">
+            <a:gs pos="43000">
               <a:schemeClr val="phClr">
-                <a:tint val="37000"/>
-                <a:satMod val="300000"/>
+                <a:tint val="44000"/>
+                <a:satMod val="165000"/>
+              </a:schemeClr>
+            </a:gs>
+            <a:gs pos="93000">
+              <a:schemeClr val="phClr">
+                <a:tint val="15000"/>
+                <a:satMod val="165000"/>
               </a:schemeClr>
             </a:gs>
             <a:gs pos="100000">
               <a:schemeClr val="phClr">
-                <a:tint val="15000"/>
-                <a:satMod val="350000"/>
+                <a:tint val="5000"/>
+                <a:satMod val="250000"/>
               </a:schemeClr>
             </a:gs>
           </a:gsLst>
-          <a:lin ang="16200000" scaled="1"/>
+          <a:path path="circle">
+            <a:fillToRect l="50000" t="130000" r="50000" b="-30000"/>
+          </a:path>
         </a:gradFill>
         <a:gradFill rotWithShape="1">
           <a:gsLst>
             <a:gs pos="0">
               <a:schemeClr val="phClr">
-                <a:shade val="51000"/>
-                <a:satMod val="130000"/>
+                <a:tint val="98000"/>
+                <a:shade val="25000"/>
+                <a:satMod val="250000"/>
               </a:schemeClr>
             </a:gs>
-            <a:gs pos="80000">
+            <a:gs pos="68000">
               <a:schemeClr val="phClr">
-                <a:shade val="93000"/>
-                <a:satMod val="130000"/>
+                <a:tint val="86000"/>
+                <a:satMod val="115000"/>
               </a:schemeClr>
             </a:gs>
             <a:gs pos="100000">
               <a:schemeClr val="phClr">
-                <a:shade val="94000"/>
-                <a:satMod val="135000"/>
+                <a:tint val="50000"/>
+                <a:satMod val="150000"/>
               </a:schemeClr>
             </a:gs>
           </a:gsLst>
-          <a:lin ang="16200000" scaled="0"/>
+          <a:path path="circle">
+            <a:fillToRect l="50000" t="130000" r="50000" b="-30000"/>
+          </a:path>
         </a:gradFill>
       </a:fillStyleLst>
       <a:lnStyleLst>
         <a:ln w="9525" cap="flat" cmpd="sng" algn="ctr">
           <a:solidFill>
             <a:schemeClr val="phClr">
-              <a:shade val="95000"/>
-              <a:satMod val="105000"/>
+              <a:shade val="50000"/>
+              <a:satMod val="103000"/>
             </a:schemeClr>
           </a:solidFill>
           <a:prstDash val="solid"/>
@@ -8245,40 +10992,46 @@
       <a:effectStyleLst>
         <a:effectStyle>
           <a:effectLst>
-            <a:outerShdw blurRad="40000" dist="20000" dir="5400000" rotWithShape="0">
-              <a:srgbClr val="000000">
-                <a:alpha val="38000"/>
-              </a:srgbClr>
+            <a:outerShdw blurRad="57150" dist="38100" dir="5400000" algn="ctr" rotWithShape="0">
+              <a:schemeClr val="phClr">
+                <a:shade val="9000"/>
+                <a:satMod val="105000"/>
+                <a:alpha val="48000"/>
+              </a:schemeClr>
             </a:outerShdw>
           </a:effectLst>
         </a:effectStyle>
         <a:effectStyle>
           <a:effectLst>
-            <a:outerShdw blurRad="40000" dist="23000" dir="5400000" rotWithShape="0">
-              <a:srgbClr val="000000">
-                <a:alpha val="35000"/>
-              </a:srgbClr>
+            <a:outerShdw blurRad="57150" dist="38100" dir="5400000" algn="ctr" rotWithShape="0">
+              <a:schemeClr val="phClr">
+                <a:shade val="9000"/>
+                <a:satMod val="105000"/>
+                <a:alpha val="48000"/>
+              </a:schemeClr>
             </a:outerShdw>
           </a:effectLst>
         </a:effectStyle>
         <a:effectStyle>
           <a:effectLst>
-            <a:outerShdw blurRad="40000" dist="23000" dir="5400000" rotWithShape="0">
-              <a:srgbClr val="000000">
-                <a:alpha val="35000"/>
-              </a:srgbClr>
+            <a:outerShdw blurRad="57150" dist="38100" dir="5400000" algn="ctr" rotWithShape="0">
+              <a:schemeClr val="phClr">
+                <a:shade val="9000"/>
+                <a:satMod val="105000"/>
+                <a:alpha val="48000"/>
+              </a:schemeClr>
             </a:outerShdw>
           </a:effectLst>
           <a:scene3d>
-            <a:camera prst="orthographicFront">
+            <a:camera prst="orthographicFront" fov="0">
               <a:rot lat="0" lon="0" rev="0"/>
             </a:camera>
-            <a:lightRig rig="threePt" dir="t">
-              <a:rot lat="0" lon="0" rev="1200000"/>
+            <a:lightRig rig="glow" dir="tl">
+              <a:rot lat="0" lon="0" rev="900000"/>
             </a:lightRig>
           </a:scene3d>
-          <a:sp3d>
-            <a:bevelT w="63500" h="25400"/>
+          <a:sp3d prstMaterial="powder">
+            <a:bevelT w="25400" h="38100"/>
           </a:sp3d>
         </a:effectStyle>
       </a:effectStyleLst>
@@ -8290,47 +11043,42 @@
           <a:gsLst>
             <a:gs pos="0">
               <a:schemeClr val="phClr">
-                <a:tint val="40000"/>
-                <a:satMod val="350000"/>
+                <a:tint val="80000"/>
+                <a:satMod val="400000"/>
               </a:schemeClr>
             </a:gs>
-            <a:gs pos="40000">
+            <a:gs pos="25000">
               <a:schemeClr val="phClr">
-                <a:tint val="45000"/>
-                <a:shade val="99000"/>
-                <a:satMod val="350000"/>
+                <a:tint val="83000"/>
+                <a:satMod val="320000"/>
               </a:schemeClr>
             </a:gs>
             <a:gs pos="100000">
               <a:schemeClr val="phClr">
-                <a:shade val="20000"/>
-                <a:satMod val="255000"/>
+                <a:shade val="15000"/>
+                <a:satMod val="320000"/>
               </a:schemeClr>
             </a:gs>
           </a:gsLst>
           <a:path path="circle">
-            <a:fillToRect l="50000" t="-80000" r="50000" b="180000"/>
+            <a:fillToRect l="10000" t="110000" r="10000" b="100000"/>
           </a:path>
         </a:gradFill>
-        <a:gradFill rotWithShape="1">
-          <a:gsLst>
-            <a:gs pos="0">
+        <a:blipFill>
+          <a:blip xmlns:r="http://schemas.openxmlformats.org/officeDocument/2006/relationships" r:embed="rId1">
+            <a:duotone>
               <a:schemeClr val="phClr">
-                <a:tint val="80000"/>
-                <a:satMod val="300000"/>
+                <a:shade val="90000"/>
+                <a:satMod val="150000"/>
               </a:schemeClr>
-            </a:gs>
-            <a:gs pos="100000">
               <a:schemeClr val="phClr">
-                <a:shade val="30000"/>
-                <a:satMod val="200000"/>
+                <a:tint val="88000"/>
+                <a:satMod val="150000"/>
               </a:schemeClr>
-            </a:gs>
-          </a:gsLst>
-          <a:path path="circle">
-            <a:fillToRect l="50000" t="50000" r="50000" b="50000"/>
-          </a:path>
-        </a:gradFill>
+            </a:duotone>
+          </a:blip>
+          <a:tile tx="0" ty="0" sx="65000" sy="65000" flip="none" algn="tl"/>
+        </a:blipFill>
       </a:bgFillStyleLst>
     </a:fmtScheme>
   </a:themeElements>
